--- a/California Housing Prices.pptx
+++ b/California Housing Prices.pptx
@@ -26,6 +26,11 @@
     <p:sldId id="276" r:id="rId20"/>
     <p:sldId id="277" r:id="rId21"/>
     <p:sldId id="278" r:id="rId22"/>
+    <p:sldId id="279" r:id="rId23"/>
+    <p:sldId id="281" r:id="rId24"/>
+    <p:sldId id="280" r:id="rId25"/>
+    <p:sldId id="282" r:id="rId26"/>
+    <p:sldId id="283" r:id="rId27"/>
   </p:sldIdLst>
   <p:sldSz cx="12192000" cy="6858000"/>
   <p:notesSz cx="6858000" cy="9144000"/>
@@ -124,6 +129,11 @@
       </a:defRPr>
     </a:lvl9pPr>
   </p:defaultTextStyle>
+  <p:extLst>
+    <p:ext uri="{EFAFB233-063F-42B5-8137-9DF3F51BA10A}">
+      <p15:sldGuideLst xmlns:p15="http://schemas.microsoft.com/office/powerpoint/2012/main"/>
+    </p:ext>
+  </p:extLst>
 </p:presentation>
 </file>
 
@@ -5954,7 +5964,7 @@
           <a:p>
             <a:fld id="{A9290C59-5DE1-4EB1-B975-5871D58E6995}" type="datetimeFigureOut">
               <a:rPr lang="en-US" smtClean="0"/>
-              <a:t>11/29/2022</a:t>
+              <a:t>11/30/2022</a:t>
             </a:fld>
             <a:endParaRPr lang="en-US"/>
           </a:p>
@@ -6152,7 +6162,7 @@
           <a:p>
             <a:fld id="{A9290C59-5DE1-4EB1-B975-5871D58E6995}" type="datetimeFigureOut">
               <a:rPr lang="en-US" smtClean="0"/>
-              <a:t>11/29/2022</a:t>
+              <a:t>11/30/2022</a:t>
             </a:fld>
             <a:endParaRPr lang="en-US"/>
           </a:p>
@@ -6360,7 +6370,7 @@
           <a:p>
             <a:fld id="{A9290C59-5DE1-4EB1-B975-5871D58E6995}" type="datetimeFigureOut">
               <a:rPr lang="en-US" smtClean="0"/>
-              <a:t>11/29/2022</a:t>
+              <a:t>11/30/2022</a:t>
             </a:fld>
             <a:endParaRPr lang="en-US"/>
           </a:p>
@@ -6558,7 +6568,7 @@
           <a:p>
             <a:fld id="{A9290C59-5DE1-4EB1-B975-5871D58E6995}" type="datetimeFigureOut">
               <a:rPr lang="en-US" smtClean="0"/>
-              <a:t>11/29/2022</a:t>
+              <a:t>11/30/2022</a:t>
             </a:fld>
             <a:endParaRPr lang="en-US"/>
           </a:p>
@@ -6833,7 +6843,7 @@
           <a:p>
             <a:fld id="{A9290C59-5DE1-4EB1-B975-5871D58E6995}" type="datetimeFigureOut">
               <a:rPr lang="en-US" smtClean="0"/>
-              <a:t>11/29/2022</a:t>
+              <a:t>11/30/2022</a:t>
             </a:fld>
             <a:endParaRPr lang="en-US"/>
           </a:p>
@@ -7098,7 +7108,7 @@
           <a:p>
             <a:fld id="{A9290C59-5DE1-4EB1-B975-5871D58E6995}" type="datetimeFigureOut">
               <a:rPr lang="en-US" smtClean="0"/>
-              <a:t>11/29/2022</a:t>
+              <a:t>11/30/2022</a:t>
             </a:fld>
             <a:endParaRPr lang="en-US"/>
           </a:p>
@@ -7510,7 +7520,7 @@
           <a:p>
             <a:fld id="{A9290C59-5DE1-4EB1-B975-5871D58E6995}" type="datetimeFigureOut">
               <a:rPr lang="en-US" smtClean="0"/>
-              <a:t>11/29/2022</a:t>
+              <a:t>11/30/2022</a:t>
             </a:fld>
             <a:endParaRPr lang="en-US"/>
           </a:p>
@@ -7651,7 +7661,7 @@
           <a:p>
             <a:fld id="{A9290C59-5DE1-4EB1-B975-5871D58E6995}" type="datetimeFigureOut">
               <a:rPr lang="en-US" smtClean="0"/>
-              <a:t>11/29/2022</a:t>
+              <a:t>11/30/2022</a:t>
             </a:fld>
             <a:endParaRPr lang="en-US"/>
           </a:p>
@@ -7764,7 +7774,7 @@
           <a:p>
             <a:fld id="{A9290C59-5DE1-4EB1-B975-5871D58E6995}" type="datetimeFigureOut">
               <a:rPr lang="en-US" smtClean="0"/>
-              <a:t>11/29/2022</a:t>
+              <a:t>11/30/2022</a:t>
             </a:fld>
             <a:endParaRPr lang="en-US"/>
           </a:p>
@@ -8075,7 +8085,7 @@
           <a:p>
             <a:fld id="{A9290C59-5DE1-4EB1-B975-5871D58E6995}" type="datetimeFigureOut">
               <a:rPr lang="en-US" smtClean="0"/>
-              <a:t>11/29/2022</a:t>
+              <a:t>11/30/2022</a:t>
             </a:fld>
             <a:endParaRPr lang="en-US"/>
           </a:p>
@@ -8363,7 +8373,7 @@
           <a:p>
             <a:fld id="{A9290C59-5DE1-4EB1-B975-5871D58E6995}" type="datetimeFigureOut">
               <a:rPr lang="en-US" smtClean="0"/>
-              <a:t>11/29/2022</a:t>
+              <a:t>11/30/2022</a:t>
             </a:fld>
             <a:endParaRPr lang="en-US"/>
           </a:p>
@@ -8604,7 +8614,7 @@
           <a:p>
             <a:fld id="{A9290C59-5DE1-4EB1-B975-5871D58E6995}" type="datetimeFigureOut">
               <a:rPr lang="en-US" smtClean="0"/>
-              <a:t>11/29/2022</a:t>
+              <a:t>11/30/2022</a:t>
             </a:fld>
             <a:endParaRPr lang="en-US"/>
           </a:p>
@@ -9484,10 +9494,1244 @@
       </p:grpSpPr>
       <p:sp useBgFill="1">
         <p:nvSpPr>
+          <p:cNvPr id="17" name="Rectangle 16">
+            <a:extLst>
+              <a:ext uri="{FF2B5EF4-FFF2-40B4-BE49-F238E27FC236}">
+                <a16:creationId xmlns:a16="http://schemas.microsoft.com/office/drawing/2014/main" id="{5EF17487-C386-4F99-B5EB-4FD3DF4236B2}"/>
+              </a:ext>
+              <a:ext uri="{C183D7F6-B498-43B3-948B-1728B52AA6E4}">
+                <adec:decorative xmlns:adec="http://schemas.microsoft.com/office/drawing/2017/decorative" val="1"/>
+              </a:ext>
+            </a:extLst>
+          </p:cNvPr>
+          <p:cNvSpPr>
+            <a:spLocks noGrp="1" noRot="1" noChangeAspect="1" noMove="1" noResize="1" noEditPoints="1" noAdjustHandles="1" noChangeArrowheads="1" noChangeShapeType="1" noTextEdit="1"/>
+          </p:cNvSpPr>
+          <p:nvPr>
+            <p:extLst>
+              <p:ext uri="{386F3935-93C4-4BCD-93E2-E3B085C9AB24}">
+                <p16:designElem xmlns:p16="http://schemas.microsoft.com/office/powerpoint/2015/main" val="1"/>
+              </p:ext>
+            </p:extLst>
+          </p:nvPr>
+        </p:nvSpPr>
+        <p:spPr>
+          <a:xfrm>
+            <a:off x="0" y="0"/>
+            <a:ext cx="12188952" cy="6858000"/>
+          </a:xfrm>
+          <a:prstGeom prst="rect">
+            <a:avLst/>
+          </a:prstGeom>
+          <a:ln>
+            <a:noFill/>
+          </a:ln>
+        </p:spPr>
+        <p:style>
+          <a:lnRef idx="2">
+            <a:schemeClr val="accent1">
+              <a:shade val="50000"/>
+            </a:schemeClr>
+          </a:lnRef>
+          <a:fillRef idx="1">
+            <a:schemeClr val="accent1"/>
+          </a:fillRef>
+          <a:effectRef idx="0">
+            <a:schemeClr val="accent1"/>
+          </a:effectRef>
+          <a:fontRef idx="minor">
+            <a:schemeClr val="lt1"/>
+          </a:fontRef>
+        </p:style>
+        <p:txBody>
+          <a:bodyPr rtlCol="0" anchor="ctr"/>
+          <a:lstStyle/>
+          <a:p>
+            <a:pPr algn="ctr"/>
+            <a:endParaRPr lang="en-US"/>
+          </a:p>
+        </p:txBody>
+      </p:sp>
+      <p:sp>
+        <p:nvSpPr>
+          <p:cNvPr id="19" name="Freeform: Shape 18">
+            <a:extLst>
+              <a:ext uri="{FF2B5EF4-FFF2-40B4-BE49-F238E27FC236}">
+                <a16:creationId xmlns:a16="http://schemas.microsoft.com/office/drawing/2014/main" id="{A0DE92DF-4769-4DE9-93FD-EE31271850CA}"/>
+              </a:ext>
+              <a:ext uri="{C183D7F6-B498-43B3-948B-1728B52AA6E4}">
+                <adec:decorative xmlns:adec="http://schemas.microsoft.com/office/drawing/2017/decorative" val="1"/>
+              </a:ext>
+            </a:extLst>
+          </p:cNvPr>
+          <p:cNvSpPr>
+            <a:spLocks noGrp="1" noRot="1" noChangeAspect="1" noMove="1" noResize="1" noEditPoints="1" noAdjustHandles="1" noChangeArrowheads="1" noChangeShapeType="1" noTextEdit="1"/>
+          </p:cNvSpPr>
+          <p:nvPr>
+            <p:extLst>
+              <p:ext uri="{386F3935-93C4-4BCD-93E2-E3B085C9AB24}">
+                <p16:designElem xmlns:p16="http://schemas.microsoft.com/office/powerpoint/2015/main" val="1"/>
+              </p:ext>
+            </p:extLst>
+          </p:nvPr>
+        </p:nvSpPr>
+        <p:spPr>
+          <a:xfrm flipH="1" flipV="1">
+            <a:off x="0" y="0"/>
+            <a:ext cx="7472381" cy="6858000"/>
+          </a:xfrm>
+          <a:custGeom>
+            <a:avLst/>
+            <a:gdLst>
+              <a:gd name="connsiteX0" fmla="*/ 1232666 w 7472381"/>
+              <a:gd name="connsiteY0" fmla="*/ 0 h 6886575"/>
+              <a:gd name="connsiteX1" fmla="*/ 7472381 w 7472381"/>
+              <a:gd name="connsiteY1" fmla="*/ 0 h 6886575"/>
+              <a:gd name="connsiteX2" fmla="*/ 7472381 w 7472381"/>
+              <a:gd name="connsiteY2" fmla="*/ 814388 h 6886575"/>
+              <a:gd name="connsiteX3" fmla="*/ 7472381 w 7472381"/>
+              <a:gd name="connsiteY3" fmla="*/ 6411516 h 6886575"/>
+              <a:gd name="connsiteX4" fmla="*/ 7472381 w 7472381"/>
+              <a:gd name="connsiteY4" fmla="*/ 6886575 h 6886575"/>
+              <a:gd name="connsiteX5" fmla="*/ 6992676 w 7472381"/>
+              <a:gd name="connsiteY5" fmla="*/ 6886575 h 6886575"/>
+              <a:gd name="connsiteX6" fmla="*/ 1946893 w 7472381"/>
+              <a:gd name="connsiteY6" fmla="*/ 6886575 h 6886575"/>
+              <a:gd name="connsiteX7" fmla="*/ 1506276 w 7472381"/>
+              <a:gd name="connsiteY7" fmla="*/ 6686550 h 6886575"/>
+              <a:gd name="connsiteX8" fmla="*/ 1314394 w 7472381"/>
+              <a:gd name="connsiteY8" fmla="*/ 6457949 h 6886575"/>
+              <a:gd name="connsiteX9" fmla="*/ 1246880 w 7472381"/>
+              <a:gd name="connsiteY9" fmla="*/ 6393656 h 6886575"/>
+              <a:gd name="connsiteX10" fmla="*/ 1079872 w 7472381"/>
+              <a:gd name="connsiteY10" fmla="*/ 6307931 h 6886575"/>
+              <a:gd name="connsiteX11" fmla="*/ 788495 w 7472381"/>
+              <a:gd name="connsiteY11" fmla="*/ 6125765 h 6886575"/>
+              <a:gd name="connsiteX12" fmla="*/ 895097 w 7472381"/>
+              <a:gd name="connsiteY12" fmla="*/ 6082903 h 6886575"/>
+              <a:gd name="connsiteX13" fmla="*/ 1204239 w 7472381"/>
+              <a:gd name="connsiteY13" fmla="*/ 6193631 h 6886575"/>
+              <a:gd name="connsiteX14" fmla="*/ 1428102 w 7472381"/>
+              <a:gd name="connsiteY14" fmla="*/ 6222206 h 6886575"/>
+              <a:gd name="connsiteX15" fmla="*/ 1111852 w 7472381"/>
+              <a:gd name="connsiteY15" fmla="*/ 6029325 h 6886575"/>
+              <a:gd name="connsiteX16" fmla="*/ 806262 w 7472381"/>
+              <a:gd name="connsiteY16" fmla="*/ 5779294 h 6886575"/>
+              <a:gd name="connsiteX17" fmla="*/ 1040785 w 7472381"/>
+              <a:gd name="connsiteY17" fmla="*/ 5825728 h 6886575"/>
+              <a:gd name="connsiteX18" fmla="*/ 1051445 w 7472381"/>
+              <a:gd name="connsiteY18" fmla="*/ 5793581 h 6886575"/>
+              <a:gd name="connsiteX19" fmla="*/ 845349 w 7472381"/>
+              <a:gd name="connsiteY19" fmla="*/ 5497115 h 6886575"/>
+              <a:gd name="connsiteX20" fmla="*/ 745855 w 7472381"/>
+              <a:gd name="connsiteY20" fmla="*/ 5375672 h 6886575"/>
+              <a:gd name="connsiteX21" fmla="*/ 291024 w 7472381"/>
+              <a:gd name="connsiteY21" fmla="*/ 5014913 h 6886575"/>
+              <a:gd name="connsiteX22" fmla="*/ 724535 w 7472381"/>
+              <a:gd name="connsiteY22" fmla="*/ 5175647 h 6886575"/>
+              <a:gd name="connsiteX23" fmla="*/ 276811 w 7472381"/>
+              <a:gd name="connsiteY23" fmla="*/ 4825603 h 6886575"/>
+              <a:gd name="connsiteX24" fmla="*/ 60055 w 7472381"/>
+              <a:gd name="connsiteY24" fmla="*/ 4697016 h 6886575"/>
+              <a:gd name="connsiteX25" fmla="*/ 6755 w 7472381"/>
+              <a:gd name="connsiteY25" fmla="*/ 4622006 h 6886575"/>
+              <a:gd name="connsiteX26" fmla="*/ 102696 w 7472381"/>
+              <a:gd name="connsiteY26" fmla="*/ 4604146 h 6886575"/>
+              <a:gd name="connsiteX27" fmla="*/ 397625 w 7472381"/>
+              <a:gd name="connsiteY27" fmla="*/ 4632722 h 6886575"/>
+              <a:gd name="connsiteX28" fmla="*/ 31628 w 7472381"/>
+              <a:gd name="connsiteY28" fmla="*/ 4396978 h 6886575"/>
+              <a:gd name="connsiteX29" fmla="*/ 305237 w 7472381"/>
+              <a:gd name="connsiteY29" fmla="*/ 4432697 h 6886575"/>
+              <a:gd name="connsiteX30" fmla="*/ 383412 w 7472381"/>
+              <a:gd name="connsiteY30" fmla="*/ 4339828 h 6886575"/>
+              <a:gd name="connsiteX31" fmla="*/ 511333 w 7472381"/>
+              <a:gd name="connsiteY31" fmla="*/ 4189810 h 6886575"/>
+              <a:gd name="connsiteX32" fmla="*/ 600167 w 7472381"/>
+              <a:gd name="connsiteY32" fmla="*/ 4107656 h 6886575"/>
+              <a:gd name="connsiteX33" fmla="*/ 635701 w 7472381"/>
+              <a:gd name="connsiteY33" fmla="*/ 3843337 h 6886575"/>
+              <a:gd name="connsiteX34" fmla="*/ 561080 w 7472381"/>
+              <a:gd name="connsiteY34" fmla="*/ 3554015 h 6886575"/>
+              <a:gd name="connsiteX35" fmla="*/ 354985 w 7472381"/>
+              <a:gd name="connsiteY35" fmla="*/ 3407569 h 6886575"/>
+              <a:gd name="connsiteX36" fmla="*/ 415392 w 7472381"/>
+              <a:gd name="connsiteY36" fmla="*/ 3243263 h 6886575"/>
+              <a:gd name="connsiteX37" fmla="*/ 852456 w 7472381"/>
+              <a:gd name="connsiteY37" fmla="*/ 3343275 h 6886575"/>
+              <a:gd name="connsiteX38" fmla="*/ 202190 w 7472381"/>
+              <a:gd name="connsiteY38" fmla="*/ 2953940 h 6886575"/>
+              <a:gd name="connsiteX39" fmla="*/ 312344 w 7472381"/>
+              <a:gd name="connsiteY39" fmla="*/ 2936081 h 6886575"/>
+              <a:gd name="connsiteX40" fmla="*/ 706768 w 7472381"/>
+              <a:gd name="connsiteY40" fmla="*/ 2714625 h 6886575"/>
+              <a:gd name="connsiteX41" fmla="*/ 728088 w 7472381"/>
+              <a:gd name="connsiteY41" fmla="*/ 2703909 h 6886575"/>
+              <a:gd name="connsiteX42" fmla="*/ 795602 w 7472381"/>
+              <a:gd name="connsiteY42" fmla="*/ 2564606 h 6886575"/>
+              <a:gd name="connsiteX43" fmla="*/ 1008804 w 7472381"/>
+              <a:gd name="connsiteY43" fmla="*/ 2543175 h 6886575"/>
+              <a:gd name="connsiteX44" fmla="*/ 1186473 w 7472381"/>
+              <a:gd name="connsiteY44" fmla="*/ 2575322 h 6886575"/>
+              <a:gd name="connsiteX45" fmla="*/ 1378355 w 7472381"/>
+              <a:gd name="connsiteY45" fmla="*/ 2536031 h 6886575"/>
+              <a:gd name="connsiteX46" fmla="*/ 1548916 w 7472381"/>
+              <a:gd name="connsiteY46" fmla="*/ 2553891 h 6886575"/>
+              <a:gd name="connsiteX47" fmla="*/ 1694604 w 7472381"/>
+              <a:gd name="connsiteY47" fmla="*/ 2528888 h 6886575"/>
+              <a:gd name="connsiteX48" fmla="*/ 1552469 w 7472381"/>
+              <a:gd name="connsiteY48" fmla="*/ 2411015 h 6886575"/>
+              <a:gd name="connsiteX49" fmla="*/ 1353481 w 7472381"/>
+              <a:gd name="connsiteY49" fmla="*/ 2411015 h 6886575"/>
+              <a:gd name="connsiteX50" fmla="*/ 1211346 w 7472381"/>
+              <a:gd name="connsiteY50" fmla="*/ 2336007 h 6886575"/>
+              <a:gd name="connsiteX51" fmla="*/ 1076318 w 7472381"/>
+              <a:gd name="connsiteY51" fmla="*/ 2200275 h 6886575"/>
+              <a:gd name="connsiteX52" fmla="*/ 600167 w 7472381"/>
+              <a:gd name="connsiteY52" fmla="*/ 1982390 h 6886575"/>
+              <a:gd name="connsiteX53" fmla="*/ 514886 w 7472381"/>
+              <a:gd name="connsiteY53" fmla="*/ 1900238 h 6886575"/>
+              <a:gd name="connsiteX54" fmla="*/ 1872273 w 7472381"/>
+              <a:gd name="connsiteY54" fmla="*/ 2218135 h 6886575"/>
+              <a:gd name="connsiteX55" fmla="*/ 1452975 w 7472381"/>
+              <a:gd name="connsiteY55" fmla="*/ 2085975 h 6886575"/>
+              <a:gd name="connsiteX56" fmla="*/ 1737245 w 7472381"/>
+              <a:gd name="connsiteY56" fmla="*/ 2110978 h 6886575"/>
+              <a:gd name="connsiteX57" fmla="*/ 1893593 w 7472381"/>
+              <a:gd name="connsiteY57" fmla="*/ 2021681 h 6886575"/>
+              <a:gd name="connsiteX58" fmla="*/ 1893593 w 7472381"/>
+              <a:gd name="connsiteY58" fmla="*/ 1993106 h 6886575"/>
+              <a:gd name="connsiteX59" fmla="*/ 1776332 w 7472381"/>
+              <a:gd name="connsiteY59" fmla="*/ 1910953 h 6886575"/>
+              <a:gd name="connsiteX60" fmla="*/ 1708818 w 7472381"/>
+              <a:gd name="connsiteY60" fmla="*/ 1857375 h 6886575"/>
+              <a:gd name="connsiteX61" fmla="*/ 1524043 w 7472381"/>
+              <a:gd name="connsiteY61" fmla="*/ 1664493 h 6886575"/>
+              <a:gd name="connsiteX62" fmla="*/ 1655517 w 7472381"/>
+              <a:gd name="connsiteY62" fmla="*/ 1643062 h 6886575"/>
+              <a:gd name="connsiteX63" fmla="*/ 1705264 w 7472381"/>
+              <a:gd name="connsiteY63" fmla="*/ 1603772 h 6886575"/>
+              <a:gd name="connsiteX64" fmla="*/ 1669731 w 7472381"/>
+              <a:gd name="connsiteY64" fmla="*/ 1546622 h 6886575"/>
+              <a:gd name="connsiteX65" fmla="*/ 1261093 w 7472381"/>
+              <a:gd name="connsiteY65" fmla="*/ 1371600 h 6886575"/>
+              <a:gd name="connsiteX66" fmla="*/ 1229113 w 7472381"/>
+              <a:gd name="connsiteY66" fmla="*/ 1235869 h 6886575"/>
+              <a:gd name="connsiteX67" fmla="*/ 1307287 w 7472381"/>
+              <a:gd name="connsiteY67" fmla="*/ 1214437 h 6886575"/>
+              <a:gd name="connsiteX68" fmla="*/ 1396121 w 7472381"/>
+              <a:gd name="connsiteY68" fmla="*/ 1225153 h 6886575"/>
+              <a:gd name="connsiteX69" fmla="*/ 1325054 w 7472381"/>
+              <a:gd name="connsiteY69" fmla="*/ 1117997 h 6886575"/>
+              <a:gd name="connsiteX70" fmla="*/ 1037231 w 7472381"/>
+              <a:gd name="connsiteY70" fmla="*/ 1010841 h 6886575"/>
+              <a:gd name="connsiteX71" fmla="*/ 983931 w 7472381"/>
+              <a:gd name="connsiteY71" fmla="*/ 953690 h 6886575"/>
+              <a:gd name="connsiteX72" fmla="*/ 1054998 w 7472381"/>
+              <a:gd name="connsiteY72" fmla="*/ 925115 h 6886575"/>
+              <a:gd name="connsiteX73" fmla="*/ 1108299 w 7472381"/>
+              <a:gd name="connsiteY73" fmla="*/ 914400 h 6886575"/>
+              <a:gd name="connsiteX74" fmla="*/ 6755 w 7472381"/>
+              <a:gd name="connsiteY74" fmla="*/ 467915 h 6886575"/>
+              <a:gd name="connsiteX75" fmla="*/ 255490 w 7472381"/>
+              <a:gd name="connsiteY75" fmla="*/ 464344 h 6886575"/>
+              <a:gd name="connsiteX76" fmla="*/ 500673 w 7472381"/>
+              <a:gd name="connsiteY76" fmla="*/ 535781 h 6886575"/>
+              <a:gd name="connsiteX77" fmla="*/ 760069 w 7472381"/>
+              <a:gd name="connsiteY77" fmla="*/ 525066 h 6886575"/>
+              <a:gd name="connsiteX78" fmla="*/ 1005251 w 7472381"/>
+              <a:gd name="connsiteY78" fmla="*/ 560785 h 6886575"/>
+              <a:gd name="connsiteX79" fmla="*/ 1218453 w 7472381"/>
+              <a:gd name="connsiteY79" fmla="*/ 560785 h 6886575"/>
+              <a:gd name="connsiteX80" fmla="*/ 1019464 w 7472381"/>
+              <a:gd name="connsiteY80" fmla="*/ 507206 h 6886575"/>
+              <a:gd name="connsiteX81" fmla="*/ 944844 w 7472381"/>
+              <a:gd name="connsiteY81" fmla="*/ 417909 h 6886575"/>
+              <a:gd name="connsiteX82" fmla="*/ 969717 w 7472381"/>
+              <a:gd name="connsiteY82" fmla="*/ 335757 h 6886575"/>
+              <a:gd name="connsiteX83" fmla="*/ 1051445 w 7472381"/>
+              <a:gd name="connsiteY83" fmla="*/ 360759 h 6886575"/>
+              <a:gd name="connsiteX84" fmla="*/ 1147386 w 7472381"/>
+              <a:gd name="connsiteY84" fmla="*/ 453629 h 6886575"/>
+              <a:gd name="connsiteX85" fmla="*/ 1168706 w 7472381"/>
+              <a:gd name="connsiteY85" fmla="*/ 396478 h 6886575"/>
+              <a:gd name="connsiteX86" fmla="*/ 1225560 w 7472381"/>
+              <a:gd name="connsiteY86" fmla="*/ 353615 h 6886575"/>
+              <a:gd name="connsiteX87" fmla="*/ 1552469 w 7472381"/>
+              <a:gd name="connsiteY87" fmla="*/ 375047 h 6886575"/>
+              <a:gd name="connsiteX88" fmla="*/ 1335714 w 7472381"/>
+              <a:gd name="connsiteY88" fmla="*/ 192881 h 6886575"/>
+              <a:gd name="connsiteX89" fmla="*/ 1197133 w 7472381"/>
+              <a:gd name="connsiteY89" fmla="*/ 164306 h 6886575"/>
+              <a:gd name="connsiteX90" fmla="*/ 1165153 w 7472381"/>
+              <a:gd name="connsiteY90" fmla="*/ 89297 h 6886575"/>
+              <a:gd name="connsiteX91" fmla="*/ 1229113 w 7472381"/>
+              <a:gd name="connsiteY91" fmla="*/ 71437 h 6886575"/>
+              <a:gd name="connsiteX92" fmla="*/ 1548916 w 7472381"/>
+              <a:gd name="connsiteY92" fmla="*/ 135731 h 6886575"/>
+              <a:gd name="connsiteX93" fmla="*/ 1602217 w 7472381"/>
+              <a:gd name="connsiteY93" fmla="*/ 110728 h 6886575"/>
+              <a:gd name="connsiteX94" fmla="*/ 1232666 w 7472381"/>
+              <a:gd name="connsiteY94" fmla="*/ 0 h 6886575"/>
+            </a:gdLst>
+            <a:ahLst/>
+            <a:cxnLst>
+              <a:cxn ang="0">
+                <a:pos x="connsiteX0" y="connsiteY0"/>
+              </a:cxn>
+              <a:cxn ang="0">
+                <a:pos x="connsiteX1" y="connsiteY1"/>
+              </a:cxn>
+              <a:cxn ang="0">
+                <a:pos x="connsiteX2" y="connsiteY2"/>
+              </a:cxn>
+              <a:cxn ang="0">
+                <a:pos x="connsiteX3" y="connsiteY3"/>
+              </a:cxn>
+              <a:cxn ang="0">
+                <a:pos x="connsiteX4" y="connsiteY4"/>
+              </a:cxn>
+              <a:cxn ang="0">
+                <a:pos x="connsiteX5" y="connsiteY5"/>
+              </a:cxn>
+              <a:cxn ang="0">
+                <a:pos x="connsiteX6" y="connsiteY6"/>
+              </a:cxn>
+              <a:cxn ang="0">
+                <a:pos x="connsiteX7" y="connsiteY7"/>
+              </a:cxn>
+              <a:cxn ang="0">
+                <a:pos x="connsiteX8" y="connsiteY8"/>
+              </a:cxn>
+              <a:cxn ang="0">
+                <a:pos x="connsiteX9" y="connsiteY9"/>
+              </a:cxn>
+              <a:cxn ang="0">
+                <a:pos x="connsiteX10" y="connsiteY10"/>
+              </a:cxn>
+              <a:cxn ang="0">
+                <a:pos x="connsiteX11" y="connsiteY11"/>
+              </a:cxn>
+              <a:cxn ang="0">
+                <a:pos x="connsiteX12" y="connsiteY12"/>
+              </a:cxn>
+              <a:cxn ang="0">
+                <a:pos x="connsiteX13" y="connsiteY13"/>
+              </a:cxn>
+              <a:cxn ang="0">
+                <a:pos x="connsiteX14" y="connsiteY14"/>
+              </a:cxn>
+              <a:cxn ang="0">
+                <a:pos x="connsiteX15" y="connsiteY15"/>
+              </a:cxn>
+              <a:cxn ang="0">
+                <a:pos x="connsiteX16" y="connsiteY16"/>
+              </a:cxn>
+              <a:cxn ang="0">
+                <a:pos x="connsiteX17" y="connsiteY17"/>
+              </a:cxn>
+              <a:cxn ang="0">
+                <a:pos x="connsiteX18" y="connsiteY18"/>
+              </a:cxn>
+              <a:cxn ang="0">
+                <a:pos x="connsiteX19" y="connsiteY19"/>
+              </a:cxn>
+              <a:cxn ang="0">
+                <a:pos x="connsiteX20" y="connsiteY20"/>
+              </a:cxn>
+              <a:cxn ang="0">
+                <a:pos x="connsiteX21" y="connsiteY21"/>
+              </a:cxn>
+              <a:cxn ang="0">
+                <a:pos x="connsiteX22" y="connsiteY22"/>
+              </a:cxn>
+              <a:cxn ang="0">
+                <a:pos x="connsiteX23" y="connsiteY23"/>
+              </a:cxn>
+              <a:cxn ang="0">
+                <a:pos x="connsiteX24" y="connsiteY24"/>
+              </a:cxn>
+              <a:cxn ang="0">
+                <a:pos x="connsiteX25" y="connsiteY25"/>
+              </a:cxn>
+              <a:cxn ang="0">
+                <a:pos x="connsiteX26" y="connsiteY26"/>
+              </a:cxn>
+              <a:cxn ang="0">
+                <a:pos x="connsiteX27" y="connsiteY27"/>
+              </a:cxn>
+              <a:cxn ang="0">
+                <a:pos x="connsiteX28" y="connsiteY28"/>
+              </a:cxn>
+              <a:cxn ang="0">
+                <a:pos x="connsiteX29" y="connsiteY29"/>
+              </a:cxn>
+              <a:cxn ang="0">
+                <a:pos x="connsiteX30" y="connsiteY30"/>
+              </a:cxn>
+              <a:cxn ang="0">
+                <a:pos x="connsiteX31" y="connsiteY31"/>
+              </a:cxn>
+              <a:cxn ang="0">
+                <a:pos x="connsiteX32" y="connsiteY32"/>
+              </a:cxn>
+              <a:cxn ang="0">
+                <a:pos x="connsiteX33" y="connsiteY33"/>
+              </a:cxn>
+              <a:cxn ang="0">
+                <a:pos x="connsiteX34" y="connsiteY34"/>
+              </a:cxn>
+              <a:cxn ang="0">
+                <a:pos x="connsiteX35" y="connsiteY35"/>
+              </a:cxn>
+              <a:cxn ang="0">
+                <a:pos x="connsiteX36" y="connsiteY36"/>
+              </a:cxn>
+              <a:cxn ang="0">
+                <a:pos x="connsiteX37" y="connsiteY37"/>
+              </a:cxn>
+              <a:cxn ang="0">
+                <a:pos x="connsiteX38" y="connsiteY38"/>
+              </a:cxn>
+              <a:cxn ang="0">
+                <a:pos x="connsiteX39" y="connsiteY39"/>
+              </a:cxn>
+              <a:cxn ang="0">
+                <a:pos x="connsiteX40" y="connsiteY40"/>
+              </a:cxn>
+              <a:cxn ang="0">
+                <a:pos x="connsiteX41" y="connsiteY41"/>
+              </a:cxn>
+              <a:cxn ang="0">
+                <a:pos x="connsiteX42" y="connsiteY42"/>
+              </a:cxn>
+              <a:cxn ang="0">
+                <a:pos x="connsiteX43" y="connsiteY43"/>
+              </a:cxn>
+              <a:cxn ang="0">
+                <a:pos x="connsiteX44" y="connsiteY44"/>
+              </a:cxn>
+              <a:cxn ang="0">
+                <a:pos x="connsiteX45" y="connsiteY45"/>
+              </a:cxn>
+              <a:cxn ang="0">
+                <a:pos x="connsiteX46" y="connsiteY46"/>
+              </a:cxn>
+              <a:cxn ang="0">
+                <a:pos x="connsiteX47" y="connsiteY47"/>
+              </a:cxn>
+              <a:cxn ang="0">
+                <a:pos x="connsiteX48" y="connsiteY48"/>
+              </a:cxn>
+              <a:cxn ang="0">
+                <a:pos x="connsiteX49" y="connsiteY49"/>
+              </a:cxn>
+              <a:cxn ang="0">
+                <a:pos x="connsiteX50" y="connsiteY50"/>
+              </a:cxn>
+              <a:cxn ang="0">
+                <a:pos x="connsiteX51" y="connsiteY51"/>
+              </a:cxn>
+              <a:cxn ang="0">
+                <a:pos x="connsiteX52" y="connsiteY52"/>
+              </a:cxn>
+              <a:cxn ang="0">
+                <a:pos x="connsiteX53" y="connsiteY53"/>
+              </a:cxn>
+              <a:cxn ang="0">
+                <a:pos x="connsiteX54" y="connsiteY54"/>
+              </a:cxn>
+              <a:cxn ang="0">
+                <a:pos x="connsiteX55" y="connsiteY55"/>
+              </a:cxn>
+              <a:cxn ang="0">
+                <a:pos x="connsiteX56" y="connsiteY56"/>
+              </a:cxn>
+              <a:cxn ang="0">
+                <a:pos x="connsiteX57" y="connsiteY57"/>
+              </a:cxn>
+              <a:cxn ang="0">
+                <a:pos x="connsiteX58" y="connsiteY58"/>
+              </a:cxn>
+              <a:cxn ang="0">
+                <a:pos x="connsiteX59" y="connsiteY59"/>
+              </a:cxn>
+              <a:cxn ang="0">
+                <a:pos x="connsiteX60" y="connsiteY60"/>
+              </a:cxn>
+              <a:cxn ang="0">
+                <a:pos x="connsiteX61" y="connsiteY61"/>
+              </a:cxn>
+              <a:cxn ang="0">
+                <a:pos x="connsiteX62" y="connsiteY62"/>
+              </a:cxn>
+              <a:cxn ang="0">
+                <a:pos x="connsiteX63" y="connsiteY63"/>
+              </a:cxn>
+              <a:cxn ang="0">
+                <a:pos x="connsiteX64" y="connsiteY64"/>
+              </a:cxn>
+              <a:cxn ang="0">
+                <a:pos x="connsiteX65" y="connsiteY65"/>
+              </a:cxn>
+              <a:cxn ang="0">
+                <a:pos x="connsiteX66" y="connsiteY66"/>
+              </a:cxn>
+              <a:cxn ang="0">
+                <a:pos x="connsiteX67" y="connsiteY67"/>
+              </a:cxn>
+              <a:cxn ang="0">
+                <a:pos x="connsiteX68" y="connsiteY68"/>
+              </a:cxn>
+              <a:cxn ang="0">
+                <a:pos x="connsiteX69" y="connsiteY69"/>
+              </a:cxn>
+              <a:cxn ang="0">
+                <a:pos x="connsiteX70" y="connsiteY70"/>
+              </a:cxn>
+              <a:cxn ang="0">
+                <a:pos x="connsiteX71" y="connsiteY71"/>
+              </a:cxn>
+              <a:cxn ang="0">
+                <a:pos x="connsiteX72" y="connsiteY72"/>
+              </a:cxn>
+              <a:cxn ang="0">
+                <a:pos x="connsiteX73" y="connsiteY73"/>
+              </a:cxn>
+              <a:cxn ang="0">
+                <a:pos x="connsiteX74" y="connsiteY74"/>
+              </a:cxn>
+              <a:cxn ang="0">
+                <a:pos x="connsiteX75" y="connsiteY75"/>
+              </a:cxn>
+              <a:cxn ang="0">
+                <a:pos x="connsiteX76" y="connsiteY76"/>
+              </a:cxn>
+              <a:cxn ang="0">
+                <a:pos x="connsiteX77" y="connsiteY77"/>
+              </a:cxn>
+              <a:cxn ang="0">
+                <a:pos x="connsiteX78" y="connsiteY78"/>
+              </a:cxn>
+              <a:cxn ang="0">
+                <a:pos x="connsiteX79" y="connsiteY79"/>
+              </a:cxn>
+              <a:cxn ang="0">
+                <a:pos x="connsiteX80" y="connsiteY80"/>
+              </a:cxn>
+              <a:cxn ang="0">
+                <a:pos x="connsiteX81" y="connsiteY81"/>
+              </a:cxn>
+              <a:cxn ang="0">
+                <a:pos x="connsiteX82" y="connsiteY82"/>
+              </a:cxn>
+              <a:cxn ang="0">
+                <a:pos x="connsiteX83" y="connsiteY83"/>
+              </a:cxn>
+              <a:cxn ang="0">
+                <a:pos x="connsiteX84" y="connsiteY84"/>
+              </a:cxn>
+              <a:cxn ang="0">
+                <a:pos x="connsiteX85" y="connsiteY85"/>
+              </a:cxn>
+              <a:cxn ang="0">
+                <a:pos x="connsiteX86" y="connsiteY86"/>
+              </a:cxn>
+              <a:cxn ang="0">
+                <a:pos x="connsiteX87" y="connsiteY87"/>
+              </a:cxn>
+              <a:cxn ang="0">
+                <a:pos x="connsiteX88" y="connsiteY88"/>
+              </a:cxn>
+              <a:cxn ang="0">
+                <a:pos x="connsiteX89" y="connsiteY89"/>
+              </a:cxn>
+              <a:cxn ang="0">
+                <a:pos x="connsiteX90" y="connsiteY90"/>
+              </a:cxn>
+              <a:cxn ang="0">
+                <a:pos x="connsiteX91" y="connsiteY91"/>
+              </a:cxn>
+              <a:cxn ang="0">
+                <a:pos x="connsiteX92" y="connsiteY92"/>
+              </a:cxn>
+              <a:cxn ang="0">
+                <a:pos x="connsiteX93" y="connsiteY93"/>
+              </a:cxn>
+              <a:cxn ang="0">
+                <a:pos x="connsiteX94" y="connsiteY94"/>
+              </a:cxn>
+            </a:cxnLst>
+            <a:rect l="l" t="t" r="r" b="b"/>
+            <a:pathLst>
+              <a:path w="7472381" h="6886575">
+                <a:moveTo>
+                  <a:pt x="1232666" y="0"/>
+                </a:moveTo>
+                <a:lnTo>
+                  <a:pt x="7472381" y="0"/>
+                </a:lnTo>
+                <a:lnTo>
+                  <a:pt x="7472381" y="814388"/>
+                </a:lnTo>
+                <a:lnTo>
+                  <a:pt x="7472381" y="6411516"/>
+                </a:lnTo>
+                <a:lnTo>
+                  <a:pt x="7472381" y="6886575"/>
+                </a:lnTo>
+                <a:lnTo>
+                  <a:pt x="6992676" y="6886575"/>
+                </a:lnTo>
+                <a:lnTo>
+                  <a:pt x="1946893" y="6886575"/>
+                </a:lnTo>
+                <a:cubicBezTo>
+                  <a:pt x="1801205" y="6815137"/>
+                  <a:pt x="1662624" y="6729412"/>
+                  <a:pt x="1506276" y="6686550"/>
+                </a:cubicBezTo>
+                <a:cubicBezTo>
+                  <a:pt x="1399675" y="6657975"/>
+                  <a:pt x="1296627" y="6607969"/>
+                  <a:pt x="1314394" y="6457949"/>
+                </a:cubicBezTo>
+                <a:cubicBezTo>
+                  <a:pt x="1317947" y="6415087"/>
+                  <a:pt x="1289520" y="6382941"/>
+                  <a:pt x="1246880" y="6393656"/>
+                </a:cubicBezTo>
+                <a:cubicBezTo>
+                  <a:pt x="1165153" y="6415087"/>
+                  <a:pt x="1126065" y="6354365"/>
+                  <a:pt x="1079872" y="6307931"/>
+                </a:cubicBezTo>
+                <a:cubicBezTo>
+                  <a:pt x="998144" y="6225779"/>
+                  <a:pt x="919970" y="6140052"/>
+                  <a:pt x="788495" y="6125765"/>
+                </a:cubicBezTo>
+                <a:cubicBezTo>
+                  <a:pt x="813369" y="6061471"/>
+                  <a:pt x="856009" y="6068615"/>
+                  <a:pt x="895097" y="6082903"/>
+                </a:cubicBezTo>
+                <a:cubicBezTo>
+                  <a:pt x="998144" y="6118622"/>
+                  <a:pt x="1101192" y="6157912"/>
+                  <a:pt x="1204239" y="6193631"/>
+                </a:cubicBezTo>
+                <a:cubicBezTo>
+                  <a:pt x="1271754" y="6215062"/>
+                  <a:pt x="1339267" y="6247209"/>
+                  <a:pt x="1428102" y="6222206"/>
+                </a:cubicBezTo>
+                <a:cubicBezTo>
+                  <a:pt x="1349928" y="6093619"/>
+                  <a:pt x="1218453" y="6068615"/>
+                  <a:pt x="1111852" y="6029325"/>
+                </a:cubicBezTo>
+                <a:cubicBezTo>
+                  <a:pt x="980377" y="5979319"/>
+                  <a:pt x="902203" y="5886450"/>
+                  <a:pt x="806262" y="5779294"/>
+                </a:cubicBezTo>
+                <a:cubicBezTo>
+                  <a:pt x="902203" y="5750719"/>
+                  <a:pt x="962610" y="5829300"/>
+                  <a:pt x="1040785" y="5825728"/>
+                </a:cubicBezTo>
+                <a:cubicBezTo>
+                  <a:pt x="1044338" y="5815012"/>
+                  <a:pt x="1051445" y="5793581"/>
+                  <a:pt x="1051445" y="5793581"/>
+                </a:cubicBezTo>
+                <a:cubicBezTo>
+                  <a:pt x="923523" y="5736431"/>
+                  <a:pt x="866670" y="5629275"/>
+                  <a:pt x="845349" y="5497115"/>
+                </a:cubicBezTo>
+                <a:cubicBezTo>
+                  <a:pt x="838243" y="5429250"/>
+                  <a:pt x="792049" y="5407819"/>
+                  <a:pt x="745855" y="5375672"/>
+                </a:cubicBezTo>
+                <a:cubicBezTo>
+                  <a:pt x="589507" y="5264943"/>
+                  <a:pt x="422499" y="5164931"/>
+                  <a:pt x="291024" y="5014913"/>
+                </a:cubicBezTo>
+                <a:cubicBezTo>
+                  <a:pt x="443819" y="5032771"/>
+                  <a:pt x="564633" y="5132784"/>
+                  <a:pt x="724535" y="5175647"/>
+                </a:cubicBezTo>
+                <a:cubicBezTo>
+                  <a:pt x="596614" y="5011340"/>
+                  <a:pt x="429605" y="4925615"/>
+                  <a:pt x="276811" y="4825603"/>
+                </a:cubicBezTo>
+                <a:cubicBezTo>
+                  <a:pt x="205743" y="4779169"/>
+                  <a:pt x="141783" y="4722018"/>
+                  <a:pt x="60055" y="4697016"/>
+                </a:cubicBezTo>
+                <a:cubicBezTo>
+                  <a:pt x="31628" y="4689872"/>
+                  <a:pt x="-18119" y="4672013"/>
+                  <a:pt x="6755" y="4622006"/>
+                </a:cubicBezTo>
+                <a:cubicBezTo>
+                  <a:pt x="28075" y="4579144"/>
+                  <a:pt x="67162" y="4593432"/>
+                  <a:pt x="102696" y="4604146"/>
+                </a:cubicBezTo>
+                <a:cubicBezTo>
+                  <a:pt x="187976" y="4632722"/>
+                  <a:pt x="280364" y="4632722"/>
+                  <a:pt x="397625" y="4632722"/>
+                </a:cubicBezTo>
+                <a:cubicBezTo>
+                  <a:pt x="298131" y="4496990"/>
+                  <a:pt x="116909" y="4539853"/>
+                  <a:pt x="31628" y="4396978"/>
+                </a:cubicBezTo>
+                <a:cubicBezTo>
+                  <a:pt x="138229" y="4371976"/>
+                  <a:pt x="219957" y="4421982"/>
+                  <a:pt x="305237" y="4432697"/>
+                </a:cubicBezTo>
+                <a:cubicBezTo>
+                  <a:pt x="383412" y="4443413"/>
+                  <a:pt x="401178" y="4418409"/>
+                  <a:pt x="383412" y="4339828"/>
+                </a:cubicBezTo>
+                <a:cubicBezTo>
+                  <a:pt x="354985" y="4218385"/>
+                  <a:pt x="397625" y="4157662"/>
+                  <a:pt x="511333" y="4189810"/>
+                </a:cubicBezTo>
+                <a:cubicBezTo>
+                  <a:pt x="617934" y="4221956"/>
+                  <a:pt x="628594" y="4175522"/>
+                  <a:pt x="600167" y="4107656"/>
+                </a:cubicBezTo>
+                <a:cubicBezTo>
+                  <a:pt x="557527" y="4007644"/>
+                  <a:pt x="603720" y="3929063"/>
+                  <a:pt x="635701" y="3843337"/>
+                </a:cubicBezTo>
+                <a:cubicBezTo>
+                  <a:pt x="685448" y="3714750"/>
+                  <a:pt x="664128" y="3650456"/>
+                  <a:pt x="561080" y="3554015"/>
+                </a:cubicBezTo>
+                <a:cubicBezTo>
+                  <a:pt x="500673" y="3500438"/>
+                  <a:pt x="440265" y="3454003"/>
+                  <a:pt x="354985" y="3407569"/>
+                </a:cubicBezTo>
+                <a:cubicBezTo>
+                  <a:pt x="550420" y="3382565"/>
+                  <a:pt x="347878" y="3296841"/>
+                  <a:pt x="415392" y="3243263"/>
+                </a:cubicBezTo>
+                <a:cubicBezTo>
+                  <a:pt x="553973" y="3221831"/>
+                  <a:pt x="664128" y="3393282"/>
+                  <a:pt x="852456" y="3343275"/>
+                </a:cubicBezTo>
+                <a:cubicBezTo>
+                  <a:pt x="625041" y="3196828"/>
+                  <a:pt x="369198" y="3150393"/>
+                  <a:pt x="202190" y="2953940"/>
+                </a:cubicBezTo>
+                <a:cubicBezTo>
+                  <a:pt x="241277" y="2911078"/>
+                  <a:pt x="280364" y="2953940"/>
+                  <a:pt x="312344" y="2936081"/>
+                </a:cubicBezTo>
+                <a:cubicBezTo>
+                  <a:pt x="312344" y="2925365"/>
+                  <a:pt x="685448" y="2993232"/>
+                  <a:pt x="706768" y="2714625"/>
+                </a:cubicBezTo>
+                <a:cubicBezTo>
+                  <a:pt x="713875" y="2714625"/>
+                  <a:pt x="720982" y="2714625"/>
+                  <a:pt x="728088" y="2703909"/>
+                </a:cubicBezTo>
+                <a:cubicBezTo>
+                  <a:pt x="767175" y="2664619"/>
+                  <a:pt x="731642" y="2571750"/>
+                  <a:pt x="795602" y="2564606"/>
+                </a:cubicBezTo>
+                <a:cubicBezTo>
+                  <a:pt x="866670" y="2557462"/>
+                  <a:pt x="934184" y="2525315"/>
+                  <a:pt x="1008804" y="2543175"/>
+                </a:cubicBezTo>
+                <a:cubicBezTo>
+                  <a:pt x="1065658" y="2557462"/>
+                  <a:pt x="1126065" y="2575322"/>
+                  <a:pt x="1186473" y="2575322"/>
+                </a:cubicBezTo>
+                <a:cubicBezTo>
+                  <a:pt x="1250433" y="2575322"/>
+                  <a:pt x="1339267" y="2696766"/>
+                  <a:pt x="1378355" y="2536031"/>
+                </a:cubicBezTo>
+                <a:cubicBezTo>
+                  <a:pt x="1378355" y="2528888"/>
+                  <a:pt x="1488509" y="2546747"/>
+                  <a:pt x="1548916" y="2553891"/>
+                </a:cubicBezTo>
+                <a:cubicBezTo>
+                  <a:pt x="1598663" y="2561035"/>
+                  <a:pt x="1659071" y="2593181"/>
+                  <a:pt x="1694604" y="2528888"/>
+                </a:cubicBezTo>
+                <a:cubicBezTo>
+                  <a:pt x="1712371" y="2489596"/>
+                  <a:pt x="1627090" y="2418159"/>
+                  <a:pt x="1552469" y="2411015"/>
+                </a:cubicBezTo>
+                <a:cubicBezTo>
+                  <a:pt x="1484956" y="2403872"/>
+                  <a:pt x="1417442" y="2396728"/>
+                  <a:pt x="1353481" y="2411015"/>
+                </a:cubicBezTo>
+                <a:cubicBezTo>
+                  <a:pt x="1275307" y="2428875"/>
+                  <a:pt x="1232666" y="2400300"/>
+                  <a:pt x="1211346" y="2336007"/>
+                </a:cubicBezTo>
+                <a:cubicBezTo>
+                  <a:pt x="1186473" y="2268141"/>
+                  <a:pt x="1140279" y="2232422"/>
+                  <a:pt x="1076318" y="2200275"/>
+                </a:cubicBezTo>
+                <a:cubicBezTo>
+                  <a:pt x="919970" y="2121694"/>
+                  <a:pt x="770729" y="2028825"/>
+                  <a:pt x="600167" y="1982390"/>
+                </a:cubicBezTo>
+                <a:cubicBezTo>
+                  <a:pt x="568187" y="1975246"/>
+                  <a:pt x="529100" y="1960959"/>
+                  <a:pt x="514886" y="1900238"/>
+                </a:cubicBezTo>
+                <a:cubicBezTo>
+                  <a:pt x="976824" y="1993106"/>
+                  <a:pt x="1396121" y="2232422"/>
+                  <a:pt x="1872273" y="2218135"/>
+                </a:cubicBezTo>
+                <a:cubicBezTo>
+                  <a:pt x="1744351" y="2143125"/>
+                  <a:pt x="1591557" y="2139554"/>
+                  <a:pt x="1452975" y="2085975"/>
+                </a:cubicBezTo>
+                <a:cubicBezTo>
+                  <a:pt x="1552469" y="2046685"/>
+                  <a:pt x="1644857" y="2089547"/>
+                  <a:pt x="1737245" y="2110978"/>
+                </a:cubicBezTo>
+                <a:cubicBezTo>
+                  <a:pt x="1815419" y="2128837"/>
+                  <a:pt x="1886486" y="2132410"/>
+                  <a:pt x="1893593" y="2021681"/>
+                </a:cubicBezTo>
+                <a:cubicBezTo>
+                  <a:pt x="1893593" y="2010965"/>
+                  <a:pt x="1893593" y="2003821"/>
+                  <a:pt x="1893593" y="1993106"/>
+                </a:cubicBezTo>
+                <a:cubicBezTo>
+                  <a:pt x="1865166" y="1946672"/>
+                  <a:pt x="1826079" y="1925240"/>
+                  <a:pt x="1776332" y="1910953"/>
+                </a:cubicBezTo>
+                <a:cubicBezTo>
+                  <a:pt x="1747905" y="1903809"/>
+                  <a:pt x="1708818" y="1889522"/>
+                  <a:pt x="1708818" y="1857375"/>
+                </a:cubicBezTo>
+                <a:cubicBezTo>
+                  <a:pt x="1712371" y="1735931"/>
+                  <a:pt x="1616430" y="1700212"/>
+                  <a:pt x="1524043" y="1664493"/>
+                </a:cubicBezTo>
+                <a:cubicBezTo>
+                  <a:pt x="1573790" y="1603772"/>
+                  <a:pt x="1616430" y="1646635"/>
+                  <a:pt x="1655517" y="1643062"/>
+                </a:cubicBezTo>
+                <a:cubicBezTo>
+                  <a:pt x="1680391" y="1639491"/>
+                  <a:pt x="1705264" y="1635919"/>
+                  <a:pt x="1705264" y="1603772"/>
+                </a:cubicBezTo>
+                <a:cubicBezTo>
+                  <a:pt x="1705264" y="1578769"/>
+                  <a:pt x="1694604" y="1546622"/>
+                  <a:pt x="1669731" y="1546622"/>
+                </a:cubicBezTo>
+                <a:cubicBezTo>
+                  <a:pt x="1513383" y="1543050"/>
+                  <a:pt x="1424548" y="1371600"/>
+                  <a:pt x="1261093" y="1371600"/>
+                </a:cubicBezTo>
+                <a:cubicBezTo>
+                  <a:pt x="1161599" y="1371600"/>
+                  <a:pt x="1310841" y="1275159"/>
+                  <a:pt x="1229113" y="1235869"/>
+                </a:cubicBezTo>
+                <a:cubicBezTo>
+                  <a:pt x="1211346" y="1225153"/>
+                  <a:pt x="1278860" y="1210866"/>
+                  <a:pt x="1307287" y="1214437"/>
+                </a:cubicBezTo>
+                <a:cubicBezTo>
+                  <a:pt x="1335714" y="1218009"/>
+                  <a:pt x="1360588" y="1243013"/>
+                  <a:pt x="1396121" y="1225153"/>
+                </a:cubicBezTo>
+                <a:cubicBezTo>
+                  <a:pt x="1413888" y="1160860"/>
+                  <a:pt x="1367694" y="1135856"/>
+                  <a:pt x="1325054" y="1117997"/>
+                </a:cubicBezTo>
+                <a:cubicBezTo>
+                  <a:pt x="1232666" y="1075135"/>
+                  <a:pt x="1140279" y="1025129"/>
+                  <a:pt x="1037231" y="1010841"/>
+                </a:cubicBezTo>
+                <a:cubicBezTo>
+                  <a:pt x="1001698" y="1007269"/>
+                  <a:pt x="980377" y="989409"/>
+                  <a:pt x="983931" y="953690"/>
+                </a:cubicBezTo>
+                <a:cubicBezTo>
+                  <a:pt x="991037" y="907256"/>
+                  <a:pt x="1026571" y="921544"/>
+                  <a:pt x="1054998" y="925115"/>
+                </a:cubicBezTo>
+                <a:cubicBezTo>
+                  <a:pt x="1072765" y="928688"/>
+                  <a:pt x="1090532" y="939403"/>
+                  <a:pt x="1108299" y="914400"/>
+                </a:cubicBezTo>
+                <a:cubicBezTo>
+                  <a:pt x="692555" y="660797"/>
+                  <a:pt x="472246" y="675085"/>
+                  <a:pt x="6755" y="467915"/>
+                </a:cubicBezTo>
+                <a:cubicBezTo>
+                  <a:pt x="109802" y="428625"/>
+                  <a:pt x="184423" y="457200"/>
+                  <a:pt x="255490" y="464344"/>
+                </a:cubicBezTo>
+                <a:cubicBezTo>
+                  <a:pt x="433159" y="482203"/>
+                  <a:pt x="323004" y="514350"/>
+                  <a:pt x="500673" y="535781"/>
+                </a:cubicBezTo>
+                <a:cubicBezTo>
+                  <a:pt x="585954" y="546497"/>
+                  <a:pt x="664128" y="582216"/>
+                  <a:pt x="760069" y="525066"/>
+                </a:cubicBezTo>
+                <a:cubicBezTo>
+                  <a:pt x="824029" y="485775"/>
+                  <a:pt x="927077" y="528637"/>
+                  <a:pt x="1005251" y="560785"/>
+                </a:cubicBezTo>
+                <a:cubicBezTo>
+                  <a:pt x="1069212" y="589360"/>
+                  <a:pt x="1133172" y="596503"/>
+                  <a:pt x="1218453" y="560785"/>
+                </a:cubicBezTo>
+                <a:cubicBezTo>
+                  <a:pt x="1140279" y="539354"/>
+                  <a:pt x="1079872" y="521494"/>
+                  <a:pt x="1019464" y="507206"/>
+                </a:cubicBezTo>
+                <a:cubicBezTo>
+                  <a:pt x="969717" y="496491"/>
+                  <a:pt x="941290" y="471488"/>
+                  <a:pt x="944844" y="417909"/>
+                </a:cubicBezTo>
+                <a:cubicBezTo>
+                  <a:pt x="944844" y="389334"/>
+                  <a:pt x="934184" y="350044"/>
+                  <a:pt x="969717" y="335757"/>
+                </a:cubicBezTo>
+                <a:cubicBezTo>
+                  <a:pt x="998144" y="321469"/>
+                  <a:pt x="1037231" y="335757"/>
+                  <a:pt x="1051445" y="360759"/>
+                </a:cubicBezTo>
+                <a:cubicBezTo>
+                  <a:pt x="1069212" y="407194"/>
+                  <a:pt x="1086978" y="450056"/>
+                  <a:pt x="1147386" y="453629"/>
+                </a:cubicBezTo>
+                <a:cubicBezTo>
+                  <a:pt x="1229113" y="460771"/>
+                  <a:pt x="1182919" y="432197"/>
+                  <a:pt x="1168706" y="396478"/>
+                </a:cubicBezTo>
+                <a:cubicBezTo>
+                  <a:pt x="1154492" y="357188"/>
+                  <a:pt x="1197133" y="346472"/>
+                  <a:pt x="1225560" y="353615"/>
+                </a:cubicBezTo>
+                <a:cubicBezTo>
+                  <a:pt x="1332161" y="385763"/>
+                  <a:pt x="1442315" y="328613"/>
+                  <a:pt x="1552469" y="375047"/>
+                </a:cubicBezTo>
+                <a:cubicBezTo>
+                  <a:pt x="1524043" y="260747"/>
+                  <a:pt x="1463635" y="210741"/>
+                  <a:pt x="1335714" y="192881"/>
+                </a:cubicBezTo>
+                <a:cubicBezTo>
+                  <a:pt x="1289520" y="189310"/>
+                  <a:pt x="1239773" y="196453"/>
+                  <a:pt x="1197133" y="164306"/>
+                </a:cubicBezTo>
+                <a:cubicBezTo>
+                  <a:pt x="1172259" y="146447"/>
+                  <a:pt x="1147386" y="125016"/>
+                  <a:pt x="1165153" y="89297"/>
+                </a:cubicBezTo>
+                <a:cubicBezTo>
+                  <a:pt x="1175813" y="64294"/>
+                  <a:pt x="1204239" y="64294"/>
+                  <a:pt x="1229113" y="71437"/>
+                </a:cubicBezTo>
+                <a:cubicBezTo>
+                  <a:pt x="1332161" y="110728"/>
+                  <a:pt x="1442315" y="121444"/>
+                  <a:pt x="1548916" y="135731"/>
+                </a:cubicBezTo>
+                <a:cubicBezTo>
+                  <a:pt x="1566683" y="139303"/>
+                  <a:pt x="1584450" y="146447"/>
+                  <a:pt x="1602217" y="110728"/>
+                </a:cubicBezTo>
+                <a:cubicBezTo>
+                  <a:pt x="1477849" y="78581"/>
+                  <a:pt x="1357034" y="35719"/>
+                  <a:pt x="1232666" y="0"/>
+                </a:cubicBezTo>
+                <a:close/>
+              </a:path>
+            </a:pathLst>
+          </a:custGeom>
+          <a:solidFill>
+            <a:schemeClr val="bg2">
+              <a:alpha val="50000"/>
+            </a:schemeClr>
+          </a:solidFill>
+          <a:ln w="32707" cap="flat">
+            <a:noFill/>
+            <a:prstDash val="solid"/>
+            <a:miter/>
+          </a:ln>
+        </p:spPr>
+        <p:txBody>
+          <a:bodyPr wrap="square" rtlCol="0" anchor="ctr">
+            <a:noAutofit/>
+          </a:bodyPr>
+          <a:lstStyle/>
+          <a:p>
+            <a:endParaRPr lang="en-US">
+              <a:solidFill>
+                <a:schemeClr val="tx1"/>
+              </a:solidFill>
+            </a:endParaRPr>
+          </a:p>
+        </p:txBody>
+      </p:sp>
+      <p:sp>
+        <p:nvSpPr>
+          <p:cNvPr id="2" name="Title 1">
+            <a:extLst>
+              <a:ext uri="{FF2B5EF4-FFF2-40B4-BE49-F238E27FC236}">
+                <a16:creationId xmlns:a16="http://schemas.microsoft.com/office/drawing/2014/main" id="{1D08055E-1275-DD72-B42E-F031A5BEEB8D}"/>
+              </a:ext>
+            </a:extLst>
+          </p:cNvPr>
+          <p:cNvSpPr>
+            <a:spLocks noGrp="1"/>
+          </p:cNvSpPr>
+          <p:nvPr>
+            <p:ph type="title"/>
+          </p:nvPr>
+        </p:nvSpPr>
+        <p:spPr>
+          <a:xfrm>
+            <a:off x="735410" y="16451"/>
+            <a:ext cx="4772975" cy="1800526"/>
+          </a:xfrm>
+        </p:spPr>
+        <p:txBody>
+          <a:bodyPr>
+            <a:normAutofit/>
+          </a:bodyPr>
+          <a:lstStyle/>
+          <a:p>
+            <a:r>
+              <a:rPr lang="en-US" dirty="0"/>
+              <a:t>Skewness</a:t>
+            </a:r>
+          </a:p>
+        </p:txBody>
+      </p:sp>
+      <p:sp>
+        <p:nvSpPr>
+          <p:cNvPr id="3" name="Content Placeholder 2">
+            <a:extLst>
+              <a:ext uri="{FF2B5EF4-FFF2-40B4-BE49-F238E27FC236}">
+                <a16:creationId xmlns:a16="http://schemas.microsoft.com/office/drawing/2014/main" id="{003694EB-1ABB-6238-E79F-6DBC33F6E940}"/>
+              </a:ext>
+            </a:extLst>
+          </p:cNvPr>
+          <p:cNvSpPr>
+            <a:spLocks noGrp="1"/>
+          </p:cNvSpPr>
+          <p:nvPr>
+            <p:ph idx="1"/>
+          </p:nvPr>
+        </p:nvSpPr>
+        <p:spPr>
+          <a:xfrm>
+            <a:off x="173643" y="1652209"/>
+            <a:ext cx="4772974" cy="3553581"/>
+          </a:xfrm>
+        </p:spPr>
+        <p:txBody>
+          <a:bodyPr>
+            <a:normAutofit/>
+          </a:bodyPr>
+          <a:lstStyle/>
+          <a:p>
+            <a:pPr marL="0" indent="0">
+              <a:buNone/>
+            </a:pPr>
+            <a:r>
+              <a:rPr lang="en-US" sz="2000" dirty="0"/>
+              <a:t>While exploring the dataset we found that 5 different features had a right skewed distribution, below are the distributions after performing a square root transformation</a:t>
+            </a:r>
+          </a:p>
+        </p:txBody>
+      </p:sp>
+      <p:pic>
+        <p:nvPicPr>
+          <p:cNvPr id="8" name="صورة 7">
+            <a:extLst>
+              <a:ext uri="{FF2B5EF4-FFF2-40B4-BE49-F238E27FC236}">
+                <a16:creationId xmlns:a16="http://schemas.microsoft.com/office/drawing/2014/main" id="{99517391-1C39-95D2-2AC0-62097BAE58A7}"/>
+              </a:ext>
+            </a:extLst>
+          </p:cNvPr>
+          <p:cNvPicPr>
+            <a:picLocks noChangeAspect="1"/>
+          </p:cNvPicPr>
+          <p:nvPr/>
+        </p:nvPicPr>
+        <p:blipFill>
+          <a:blip r:embed="rId2"/>
+          <a:stretch>
+            <a:fillRect/>
+          </a:stretch>
+        </p:blipFill>
+        <p:spPr>
+          <a:xfrm>
+            <a:off x="5820467" y="81765"/>
+            <a:ext cx="4523289" cy="3347235"/>
+          </a:xfrm>
+          <a:prstGeom prst="rect">
+            <a:avLst/>
+          </a:prstGeom>
+        </p:spPr>
+      </p:pic>
+      <p:pic>
+        <p:nvPicPr>
+          <p:cNvPr id="6" name="صورة 5">
+            <a:extLst>
+              <a:ext uri="{FF2B5EF4-FFF2-40B4-BE49-F238E27FC236}">
+                <a16:creationId xmlns:a16="http://schemas.microsoft.com/office/drawing/2014/main" id="{F225C290-4C47-2A7C-0046-CFB0CB01BB8C}"/>
+              </a:ext>
+            </a:extLst>
+          </p:cNvPr>
+          <p:cNvPicPr>
+            <a:picLocks noChangeAspect="1"/>
+          </p:cNvPicPr>
+          <p:nvPr/>
+        </p:nvPicPr>
+        <p:blipFill>
+          <a:blip r:embed="rId3"/>
+          <a:stretch>
+            <a:fillRect/>
+          </a:stretch>
+        </p:blipFill>
+        <p:spPr>
+          <a:xfrm>
+            <a:off x="5768216" y="3415170"/>
+            <a:ext cx="4526685" cy="3361065"/>
+          </a:xfrm>
+          <a:prstGeom prst="rect">
+            <a:avLst/>
+          </a:prstGeom>
+        </p:spPr>
+      </p:pic>
+    </p:spTree>
+    <p:extLst>
+      <p:ext uri="{BB962C8B-B14F-4D97-AF65-F5344CB8AC3E}">
+        <p14:creationId xmlns:p14="http://schemas.microsoft.com/office/powerpoint/2010/main" val="711108282"/>
+      </p:ext>
+    </p:extLst>
+  </p:cSld>
+  <p:clrMapOvr>
+    <a:masterClrMapping/>
+  </p:clrMapOvr>
+</p:sld>
+</file>
+
+<file path=ppt/slides/slide11.xml><?xml version="1.0" encoding="utf-8"?>
+<p:sld xmlns:a="http://schemas.openxmlformats.org/drawingml/2006/main" xmlns:r="http://schemas.openxmlformats.org/officeDocument/2006/relationships" xmlns:p="http://schemas.openxmlformats.org/presentationml/2006/main">
+  <p:cSld>
+    <p:bg>
+      <p:bgPr>
+        <a:solidFill>
+          <a:schemeClr val="bg1"/>
+        </a:solidFill>
+        <a:effectLst/>
+      </p:bgPr>
+    </p:bg>
+    <p:spTree>
+      <p:nvGrpSpPr>
+        <p:cNvPr id="1" name=""/>
+        <p:cNvGrpSpPr/>
+        <p:nvPr/>
+      </p:nvGrpSpPr>
+      <p:grpSpPr>
+        <a:xfrm>
+          <a:off x="0" y="0"/>
+          <a:ext cx="0" cy="0"/>
+          <a:chOff x="0" y="0"/>
+          <a:chExt cx="0" cy="0"/>
+        </a:xfrm>
+      </p:grpSpPr>
+      <p:sp useBgFill="1">
+        <p:nvSpPr>
           <p:cNvPr id="10" name="Rectangle 9">
             <a:extLst>
               <a:ext uri="{FF2B5EF4-FFF2-40B4-BE49-F238E27FC236}">
-                <a16:creationId xmlns:a16="http://schemas.microsoft.com/office/drawing/2014/main" id="{2B97F24A-32CE-4C1C-A50D-3016B394DCFB}"/>
+                <a16:creationId xmlns:a16="http://schemas.microsoft.com/office/drawing/2014/main" id="{665DBBEF-238B-476B-96AB-8AAC3224ECEA}"/>
               </a:ext>
               <a:ext uri="{C183D7F6-B498-43B3-948B-1728B52AA6E4}">
                 <adec:decorative xmlns:adec="http://schemas.microsoft.com/office/drawing/2017/decorative" val="1"/>
@@ -9547,7 +10791,7 @@
           <p:cNvPr id="2" name="Title 1">
             <a:extLst>
               <a:ext uri="{FF2B5EF4-FFF2-40B4-BE49-F238E27FC236}">
-                <a16:creationId xmlns:a16="http://schemas.microsoft.com/office/drawing/2014/main" id="{1D08055E-1275-DD72-B42E-F031A5BEEB8D}"/>
+                <a16:creationId xmlns:a16="http://schemas.microsoft.com/office/drawing/2014/main" id="{B573B52C-B960-669D-A4C3-A07CF319A3C0}"/>
               </a:ext>
             </a:extLst>
           </p:cNvPr>
@@ -9560,19 +10804,26 @@
         </p:nvSpPr>
         <p:spPr>
           <a:xfrm>
-            <a:off x="630936" y="639520"/>
-            <a:ext cx="3429000" cy="1719072"/>
+            <a:off x="638882" y="639193"/>
+            <a:ext cx="3571810" cy="3573516"/>
           </a:xfrm>
         </p:spPr>
         <p:txBody>
-          <a:bodyPr anchor="b">
+          <a:bodyPr vert="horz" lIns="91440" tIns="45720" rIns="91440" bIns="45720" rtlCol="0" anchor="b">
             <a:normAutofit/>
           </a:bodyPr>
           <a:lstStyle/>
           <a:p>
             <a:r>
-              <a:rPr lang="en-US" sz="5400"/>
-              <a:t>Skewness</a:t>
+              <a:rPr lang="en-US" sz="6600" kern="1200">
+                <a:solidFill>
+                  <a:schemeClr val="tx1"/>
+                </a:solidFill>
+                <a:latin typeface="+mj-lt"/>
+                <a:ea typeface="+mj-ea"/>
+                <a:cs typeface="+mj-cs"/>
+              </a:rPr>
+              <a:t>OLS model</a:t>
             </a:r>
           </a:p>
         </p:txBody>
@@ -9582,7 +10833,7 @@
           <p:cNvPr id="12" name="sketch line">
             <a:extLst>
               <a:ext uri="{FF2B5EF4-FFF2-40B4-BE49-F238E27FC236}">
-                <a16:creationId xmlns:a16="http://schemas.microsoft.com/office/drawing/2014/main" id="{CD8B4F24-440B-49E9-B85D-733523DC064B}"/>
+                <a16:creationId xmlns:a16="http://schemas.microsoft.com/office/drawing/2014/main" id="{3FCFB1DE-0B7E-48CC-BA90-B2AB0889F9D6}"/>
               </a:ext>
               <a:ext uri="{C183D7F6-B498-43B3-948B-1728B52AA6E4}">
                 <adec:decorative xmlns:adec="http://schemas.microsoft.com/office/drawing/2017/decorative" val="1"/>
@@ -9602,7 +10853,7 @@
         </p:nvSpPr>
         <p:spPr>
           <a:xfrm>
-            <a:off x="643278" y="2573756"/>
+            <a:off x="643278" y="4409267"/>
             <a:ext cx="3255095" cy="18288"/>
           </a:xfrm>
           <a:custGeom>
@@ -9850,50 +11101,12 @@
           </a:p>
         </p:txBody>
       </p:sp>
-      <p:sp>
-        <p:nvSpPr>
-          <p:cNvPr id="3" name="Content Placeholder 2">
+      <p:pic>
+        <p:nvPicPr>
+          <p:cNvPr id="5" name="صورة 4">
             <a:extLst>
               <a:ext uri="{FF2B5EF4-FFF2-40B4-BE49-F238E27FC236}">
-                <a16:creationId xmlns:a16="http://schemas.microsoft.com/office/drawing/2014/main" id="{003694EB-1ABB-6238-E79F-6DBC33F6E940}"/>
-              </a:ext>
-            </a:extLst>
-          </p:cNvPr>
-          <p:cNvSpPr>
-            <a:spLocks noGrp="1"/>
-          </p:cNvSpPr>
-          <p:nvPr>
-            <p:ph idx="1"/>
-          </p:nvPr>
-        </p:nvSpPr>
-        <p:spPr>
-          <a:xfrm>
-            <a:off x="630936" y="2807208"/>
-            <a:ext cx="3429000" cy="3410712"/>
-          </a:xfrm>
-        </p:spPr>
-        <p:txBody>
-          <a:bodyPr anchor="t">
-            <a:normAutofit/>
-          </a:bodyPr>
-          <a:lstStyle/>
-          <a:p>
-            <a:pPr marL="0" indent="0">
-              <a:buNone/>
-            </a:pPr>
-            <a:r>
-              <a:rPr lang="en-US" sz="2200"/>
-              <a:t>While exploring the dataset we found that 5 different features had a right skewed distribution, below are the distributions after performing a square root transformation</a:t>
-            </a:r>
-          </a:p>
-        </p:txBody>
-      </p:sp>
-      <p:pic>
-        <p:nvPicPr>
-          <p:cNvPr id="5" name="Picture 4" descr="Application&#10;&#10;Description automatically generated with medium confidence">
-            <a:extLst>
-              <a:ext uri="{FF2B5EF4-FFF2-40B4-BE49-F238E27FC236}">
-                <a16:creationId xmlns:a16="http://schemas.microsoft.com/office/drawing/2014/main" id="{D931C2E9-7C2F-4D74-997D-057DFA891FE9}"/>
+                <a16:creationId xmlns:a16="http://schemas.microsoft.com/office/drawing/2014/main" id="{09739494-7EE6-F70E-126C-98172890E16E}"/>
               </a:ext>
             </a:extLst>
           </p:cNvPr>
@@ -9903,110 +11116,21 @@
           <p:nvPr/>
         </p:nvPicPr>
         <p:blipFill>
-          <a:blip r:embed="rId2">
-            <a:extLst>
-              <a:ext uri="{28A0092B-C50C-407E-A947-70E740481C1C}">
-                <a14:useLocalDpi xmlns:a14="http://schemas.microsoft.com/office/drawing/2010/main" val="0"/>
-              </a:ext>
-            </a:extLst>
-          </a:blip>
+          <a:blip r:embed="rId2"/>
           <a:stretch>
             <a:fillRect/>
           </a:stretch>
         </p:blipFill>
         <p:spPr>
           <a:xfrm>
-            <a:off x="4654296" y="865994"/>
-            <a:ext cx="6903720" cy="5126012"/>
+            <a:off x="5695407" y="49530"/>
+            <a:ext cx="5225142" cy="6614106"/>
           </a:xfrm>
           <a:prstGeom prst="rect">
             <a:avLst/>
           </a:prstGeom>
         </p:spPr>
       </p:pic>
-    </p:spTree>
-    <p:extLst>
-      <p:ext uri="{BB962C8B-B14F-4D97-AF65-F5344CB8AC3E}">
-        <p14:creationId xmlns:p14="http://schemas.microsoft.com/office/powerpoint/2010/main" val="711108282"/>
-      </p:ext>
-    </p:extLst>
-  </p:cSld>
-  <p:clrMapOvr>
-    <a:masterClrMapping/>
-  </p:clrMapOvr>
-</p:sld>
-</file>
-
-<file path=ppt/slides/slide11.xml><?xml version="1.0" encoding="utf-8"?>
-<p:sld xmlns:a="http://schemas.openxmlformats.org/drawingml/2006/main" xmlns:r="http://schemas.openxmlformats.org/officeDocument/2006/relationships" xmlns:p="http://schemas.openxmlformats.org/presentationml/2006/main">
-  <p:cSld>
-    <p:spTree>
-      <p:nvGrpSpPr>
-        <p:cNvPr id="1" name=""/>
-        <p:cNvGrpSpPr/>
-        <p:nvPr/>
-      </p:nvGrpSpPr>
-      <p:grpSpPr>
-        <a:xfrm>
-          <a:off x="0" y="0"/>
-          <a:ext cx="0" cy="0"/>
-          <a:chOff x="0" y="0"/>
-          <a:chExt cx="0" cy="0"/>
-        </a:xfrm>
-      </p:grpSpPr>
-      <p:sp>
-        <p:nvSpPr>
-          <p:cNvPr id="2" name="Title 1">
-            <a:extLst>
-              <a:ext uri="{FF2B5EF4-FFF2-40B4-BE49-F238E27FC236}">
-                <a16:creationId xmlns:a16="http://schemas.microsoft.com/office/drawing/2014/main" id="{B573B52C-B960-669D-A4C3-A07CF319A3C0}"/>
-              </a:ext>
-            </a:extLst>
-          </p:cNvPr>
-          <p:cNvSpPr>
-            <a:spLocks noGrp="1"/>
-          </p:cNvSpPr>
-          <p:nvPr>
-            <p:ph type="title"/>
-          </p:nvPr>
-        </p:nvSpPr>
-        <p:spPr/>
-        <p:txBody>
-          <a:bodyPr/>
-          <a:lstStyle/>
-          <a:p>
-            <a:r>
-              <a:rPr lang="en-US" dirty="0"/>
-              <a:t>OLS model</a:t>
-            </a:r>
-          </a:p>
-        </p:txBody>
-      </p:sp>
-      <p:sp>
-        <p:nvSpPr>
-          <p:cNvPr id="3" name="Content Placeholder 2">
-            <a:extLst>
-              <a:ext uri="{FF2B5EF4-FFF2-40B4-BE49-F238E27FC236}">
-                <a16:creationId xmlns:a16="http://schemas.microsoft.com/office/drawing/2014/main" id="{848C1DA5-01B8-4E2E-5533-1761D23DCB92}"/>
-              </a:ext>
-            </a:extLst>
-          </p:cNvPr>
-          <p:cNvSpPr>
-            <a:spLocks noGrp="1"/>
-          </p:cNvSpPr>
-          <p:nvPr>
-            <p:ph idx="1"/>
-          </p:nvPr>
-        </p:nvSpPr>
-        <p:spPr/>
-        <p:txBody>
-          <a:bodyPr/>
-          <a:lstStyle/>
-          <a:p>
-            <a:endParaRPr lang="en-US"/>
-          </a:p>
-        </p:txBody>
-      </p:sp>
     </p:spTree>
     <p:extLst>
       <p:ext uri="{BB962C8B-B14F-4D97-AF65-F5344CB8AC3E}">
@@ -14878,6 +16002,1258 @@
 </p:sld>
 </file>
 
+<file path=ppt/slides/slide22.xml><?xml version="1.0" encoding="utf-8"?>
+<p:sld xmlns:a="http://schemas.openxmlformats.org/drawingml/2006/main" xmlns:r="http://schemas.openxmlformats.org/officeDocument/2006/relationships" xmlns:p="http://schemas.openxmlformats.org/presentationml/2006/main">
+  <p:cSld>
+    <p:spTree>
+      <p:nvGrpSpPr>
+        <p:cNvPr id="1" name=""/>
+        <p:cNvGrpSpPr/>
+        <p:nvPr/>
+      </p:nvGrpSpPr>
+      <p:grpSpPr>
+        <a:xfrm>
+          <a:off x="0" y="0"/>
+          <a:ext cx="0" cy="0"/>
+          <a:chOff x="0" y="0"/>
+          <a:chExt cx="0" cy="0"/>
+        </a:xfrm>
+      </p:grpSpPr>
+      <p:sp>
+        <p:nvSpPr>
+          <p:cNvPr id="2" name="عنوان 1">
+            <a:extLst>
+              <a:ext uri="{FF2B5EF4-FFF2-40B4-BE49-F238E27FC236}">
+                <a16:creationId xmlns:a16="http://schemas.microsoft.com/office/drawing/2014/main" id="{3AD33340-321B-DEAD-FD79-D0BDCD4A9A63}"/>
+              </a:ext>
+            </a:extLst>
+          </p:cNvPr>
+          <p:cNvSpPr>
+            <a:spLocks noGrp="1"/>
+          </p:cNvSpPr>
+          <p:nvPr>
+            <p:ph type="title"/>
+          </p:nvPr>
+        </p:nvSpPr>
+        <p:spPr>
+          <a:xfrm>
+            <a:off x="838199" y="365125"/>
+            <a:ext cx="11007705" cy="1325563"/>
+          </a:xfrm>
+        </p:spPr>
+        <p:txBody>
+          <a:bodyPr>
+            <a:noAutofit/>
+          </a:bodyPr>
+          <a:lstStyle/>
+          <a:p>
+            <a:r>
+              <a:rPr lang="en-US" sz="3600" dirty="0"/>
+              <a:t>Lasso: Least Absolute Shrinkage and Selection Operator</a:t>
+            </a:r>
+            <a:br>
+              <a:rPr lang="en-US" sz="3600" dirty="0"/>
+            </a:br>
+            <a:endParaRPr lang="en-US" sz="3600" dirty="0"/>
+          </a:p>
+        </p:txBody>
+      </p:sp>
+      <p:sp>
+        <p:nvSpPr>
+          <p:cNvPr id="3" name="عنصر نائب للمحتوى 2">
+            <a:extLst>
+              <a:ext uri="{FF2B5EF4-FFF2-40B4-BE49-F238E27FC236}">
+                <a16:creationId xmlns:a16="http://schemas.microsoft.com/office/drawing/2014/main" id="{9B2C4259-3F79-AF24-64B5-C1E3ADE0548D}"/>
+              </a:ext>
+            </a:extLst>
+          </p:cNvPr>
+          <p:cNvSpPr>
+            <a:spLocks noGrp="1"/>
+          </p:cNvSpPr>
+          <p:nvPr>
+            <p:ph idx="1"/>
+          </p:nvPr>
+        </p:nvSpPr>
+        <p:spPr/>
+        <p:txBody>
+          <a:bodyPr/>
+          <a:lstStyle/>
+          <a:p>
+            <a:r>
+              <a:rPr lang="en-US" sz="2400" dirty="0"/>
+              <a:t>Data split to train validation test</a:t>
+            </a:r>
+          </a:p>
+          <a:p>
+            <a:r>
+              <a:rPr lang="en-US" sz="2400" dirty="0"/>
+              <a:t>Lasso regression is a regularization technique used in feature selection using a Shrinkage method also referred to as the penalized regression method. </a:t>
+            </a:r>
+          </a:p>
+          <a:p>
+            <a:r>
+              <a:rPr lang="en-US" sz="2400" dirty="0"/>
+              <a:t>uses L1 regularization technique , adds absolute value of magnitude of coefficient as penalty</a:t>
+            </a:r>
+          </a:p>
+          <a:p>
+            <a:pPr marL="0" indent="0">
+              <a:buNone/>
+            </a:pPr>
+            <a:r>
+              <a:rPr lang="en-US" dirty="0"/>
+              <a:t>1- cross validation : 10 splits , 3 repeats</a:t>
+            </a:r>
+          </a:p>
+          <a:p>
+            <a:pPr marL="0" indent="0">
+              <a:buNone/>
+            </a:pPr>
+            <a:r>
+              <a:rPr lang="en-US" dirty="0"/>
+              <a:t>2- grid search to find best alpha</a:t>
+            </a:r>
+          </a:p>
+          <a:p>
+            <a:pPr marL="0" indent="0">
+              <a:buNone/>
+            </a:pPr>
+            <a:r>
+              <a:rPr lang="en-US" dirty="0"/>
+              <a:t>3- scaled data and fit it.</a:t>
+            </a:r>
+          </a:p>
+          <a:p>
+            <a:endParaRPr lang="en-US" dirty="0"/>
+          </a:p>
+        </p:txBody>
+      </p:sp>
+      <p:graphicFrame>
+        <p:nvGraphicFramePr>
+          <p:cNvPr id="4" name="جدول 4">
+            <a:extLst>
+              <a:ext uri="{FF2B5EF4-FFF2-40B4-BE49-F238E27FC236}">
+                <a16:creationId xmlns:a16="http://schemas.microsoft.com/office/drawing/2014/main" id="{80BA40FD-CA2D-58D3-88CB-3E5472A42706}"/>
+              </a:ext>
+            </a:extLst>
+          </p:cNvPr>
+          <p:cNvGraphicFramePr>
+            <a:graphicFrameLocks noGrp="1"/>
+          </p:cNvGraphicFramePr>
+          <p:nvPr>
+            <p:extLst>
+              <p:ext uri="{D42A27DB-BD31-4B8C-83A1-F6EECF244321}">
+                <p14:modId xmlns:p14="http://schemas.microsoft.com/office/powerpoint/2010/main" val="4115450995"/>
+              </p:ext>
+            </p:extLst>
+          </p:nvPr>
+        </p:nvGraphicFramePr>
+        <p:xfrm>
+          <a:off x="1672139" y="5422327"/>
+          <a:ext cx="5985225" cy="754636"/>
+        </p:xfrm>
+        <a:graphic>
+          <a:graphicData uri="http://schemas.openxmlformats.org/drawingml/2006/table">
+            <a:tbl>
+              <a:tblPr firstRow="1" bandRow="1">
+                <a:tableStyleId>{7DF18680-E054-41AD-8BC1-D1AEF772440D}</a:tableStyleId>
+              </a:tblPr>
+              <a:tblGrid>
+                <a:gridCol w="1995075">
+                  <a:extLst>
+                    <a:ext uri="{9D8B030D-6E8A-4147-A177-3AD203B41FA5}">
+                      <a16:colId xmlns:a16="http://schemas.microsoft.com/office/drawing/2014/main" val="1753085096"/>
+                    </a:ext>
+                  </a:extLst>
+                </a:gridCol>
+                <a:gridCol w="1995075">
+                  <a:extLst>
+                    <a:ext uri="{9D8B030D-6E8A-4147-A177-3AD203B41FA5}">
+                      <a16:colId xmlns:a16="http://schemas.microsoft.com/office/drawing/2014/main" val="3786953480"/>
+                    </a:ext>
+                  </a:extLst>
+                </a:gridCol>
+                <a:gridCol w="1995075">
+                  <a:extLst>
+                    <a:ext uri="{9D8B030D-6E8A-4147-A177-3AD203B41FA5}">
+                      <a16:colId xmlns:a16="http://schemas.microsoft.com/office/drawing/2014/main" val="265637589"/>
+                    </a:ext>
+                  </a:extLst>
+                </a:gridCol>
+              </a:tblGrid>
+              <a:tr h="383796">
+                <a:tc>
+                  <a:txBody>
+                    <a:bodyPr/>
+                    <a:lstStyle/>
+                    <a:p>
+                      <a:r>
+                        <a:rPr lang="en-US" dirty="0"/>
+                        <a:t>Train</a:t>
+                      </a:r>
+                    </a:p>
+                  </a:txBody>
+                  <a:tcPr/>
+                </a:tc>
+                <a:tc>
+                  <a:txBody>
+                    <a:bodyPr/>
+                    <a:lstStyle/>
+                    <a:p>
+                      <a:r>
+                        <a:rPr lang="en-US" dirty="0"/>
+                        <a:t>Validation </a:t>
+                      </a:r>
+                    </a:p>
+                  </a:txBody>
+                  <a:tcPr/>
+                </a:tc>
+                <a:tc>
+                  <a:txBody>
+                    <a:bodyPr/>
+                    <a:lstStyle/>
+                    <a:p>
+                      <a:r>
+                        <a:rPr lang="en-US" dirty="0"/>
+                        <a:t>RMSE</a:t>
+                      </a:r>
+                    </a:p>
+                  </a:txBody>
+                  <a:tcPr/>
+                </a:tc>
+                <a:extLst>
+                  <a:ext uri="{0D108BD9-81ED-4DB2-BD59-A6C34878D82A}">
+                    <a16:rowId xmlns:a16="http://schemas.microsoft.com/office/drawing/2014/main" val="2155109683"/>
+                  </a:ext>
+                </a:extLst>
+              </a:tr>
+              <a:tr h="370840">
+                <a:tc>
+                  <a:txBody>
+                    <a:bodyPr/>
+                    <a:lstStyle/>
+                    <a:p>
+                      <a:r>
+                        <a:rPr lang="en-US" sz="1800" b="0" i="0" kern="1200" dirty="0">
+                          <a:solidFill>
+                            <a:schemeClr val="dk1"/>
+                          </a:solidFill>
+                          <a:effectLst/>
+                          <a:latin typeface="+mn-lt"/>
+                          <a:ea typeface="+mn-ea"/>
+                          <a:cs typeface="+mn-cs"/>
+                        </a:rPr>
+                        <a:t>0.674</a:t>
+                      </a:r>
+                      <a:endParaRPr lang="en-US" dirty="0"/>
+                    </a:p>
+                  </a:txBody>
+                  <a:tcPr/>
+                </a:tc>
+                <a:tc>
+                  <a:txBody>
+                    <a:bodyPr/>
+                    <a:lstStyle/>
+                    <a:p>
+                      <a:r>
+                        <a:rPr lang="en-US" sz="1800" b="0" i="0" kern="1200" dirty="0">
+                          <a:solidFill>
+                            <a:schemeClr val="dk1"/>
+                          </a:solidFill>
+                          <a:effectLst/>
+                          <a:latin typeface="+mn-lt"/>
+                          <a:ea typeface="+mn-ea"/>
+                          <a:cs typeface="+mn-cs"/>
+                        </a:rPr>
+                        <a:t>0.688</a:t>
+                      </a:r>
+                      <a:endParaRPr lang="en-US" dirty="0"/>
+                    </a:p>
+                  </a:txBody>
+                  <a:tcPr/>
+                </a:tc>
+                <a:tc>
+                  <a:txBody>
+                    <a:bodyPr/>
+                    <a:lstStyle/>
+                    <a:p>
+                      <a:r>
+                        <a:rPr lang="en-US" sz="1800" b="0" i="0" kern="1200" dirty="0">
+                          <a:solidFill>
+                            <a:schemeClr val="dk1"/>
+                          </a:solidFill>
+                          <a:effectLst/>
+                          <a:latin typeface="+mn-lt"/>
+                          <a:ea typeface="+mn-ea"/>
+                          <a:cs typeface="+mn-cs"/>
+                        </a:rPr>
+                        <a:t>65.13</a:t>
+                      </a:r>
+                      <a:endParaRPr lang="en-US" dirty="0"/>
+                    </a:p>
+                  </a:txBody>
+                  <a:tcPr/>
+                </a:tc>
+                <a:extLst>
+                  <a:ext uri="{0D108BD9-81ED-4DB2-BD59-A6C34878D82A}">
+                    <a16:rowId xmlns:a16="http://schemas.microsoft.com/office/drawing/2014/main" val="2727651062"/>
+                  </a:ext>
+                </a:extLst>
+              </a:tr>
+            </a:tbl>
+          </a:graphicData>
+        </a:graphic>
+      </p:graphicFrame>
+    </p:spTree>
+    <p:extLst>
+      <p:ext uri="{BB962C8B-B14F-4D97-AF65-F5344CB8AC3E}">
+        <p14:creationId xmlns:p14="http://schemas.microsoft.com/office/powerpoint/2010/main" val="2540166618"/>
+      </p:ext>
+    </p:extLst>
+  </p:cSld>
+  <p:clrMapOvr>
+    <a:masterClrMapping/>
+  </p:clrMapOvr>
+</p:sld>
+</file>
+
+<file path=ppt/slides/slide23.xml><?xml version="1.0" encoding="utf-8"?>
+<p:sld xmlns:a="http://schemas.openxmlformats.org/drawingml/2006/main" xmlns:r="http://schemas.openxmlformats.org/officeDocument/2006/relationships" xmlns:p="http://schemas.openxmlformats.org/presentationml/2006/main">
+  <p:cSld>
+    <p:spTree>
+      <p:nvGrpSpPr>
+        <p:cNvPr id="1" name=""/>
+        <p:cNvGrpSpPr/>
+        <p:nvPr/>
+      </p:nvGrpSpPr>
+      <p:grpSpPr>
+        <a:xfrm>
+          <a:off x="0" y="0"/>
+          <a:ext cx="0" cy="0"/>
+          <a:chOff x="0" y="0"/>
+          <a:chExt cx="0" cy="0"/>
+        </a:xfrm>
+      </p:grpSpPr>
+      <p:sp>
+        <p:nvSpPr>
+          <p:cNvPr id="2" name="عنوان 1">
+            <a:extLst>
+              <a:ext uri="{FF2B5EF4-FFF2-40B4-BE49-F238E27FC236}">
+                <a16:creationId xmlns:a16="http://schemas.microsoft.com/office/drawing/2014/main" id="{16ED24AE-D677-922F-5644-13A96EA2C528}"/>
+              </a:ext>
+            </a:extLst>
+          </p:cNvPr>
+          <p:cNvSpPr>
+            <a:spLocks noGrp="1"/>
+          </p:cNvSpPr>
+          <p:nvPr>
+            <p:ph type="title"/>
+          </p:nvPr>
+        </p:nvSpPr>
+        <p:spPr/>
+        <p:txBody>
+          <a:bodyPr/>
+          <a:lstStyle/>
+          <a:p>
+            <a:r>
+              <a:rPr lang="en-US" dirty="0"/>
+              <a:t>Actual vs Predicted</a:t>
+            </a:r>
+          </a:p>
+        </p:txBody>
+      </p:sp>
+      <p:pic>
+        <p:nvPicPr>
+          <p:cNvPr id="7" name="صورة 6">
+            <a:extLst>
+              <a:ext uri="{FF2B5EF4-FFF2-40B4-BE49-F238E27FC236}">
+                <a16:creationId xmlns:a16="http://schemas.microsoft.com/office/drawing/2014/main" id="{0B70CDCD-11BC-30E6-7362-0C4425C7ED3D}"/>
+              </a:ext>
+            </a:extLst>
+          </p:cNvPr>
+          <p:cNvPicPr>
+            <a:picLocks noChangeAspect="1"/>
+          </p:cNvPicPr>
+          <p:nvPr/>
+        </p:nvPicPr>
+        <p:blipFill>
+          <a:blip r:embed="rId2"/>
+          <a:stretch>
+            <a:fillRect/>
+          </a:stretch>
+        </p:blipFill>
+        <p:spPr>
+          <a:xfrm>
+            <a:off x="942567" y="2653664"/>
+            <a:ext cx="4635273" cy="3262293"/>
+          </a:xfrm>
+          <a:prstGeom prst="rect">
+            <a:avLst/>
+          </a:prstGeom>
+        </p:spPr>
+      </p:pic>
+      <p:pic>
+        <p:nvPicPr>
+          <p:cNvPr id="9" name="صورة 8">
+            <a:extLst>
+              <a:ext uri="{FF2B5EF4-FFF2-40B4-BE49-F238E27FC236}">
+                <a16:creationId xmlns:a16="http://schemas.microsoft.com/office/drawing/2014/main" id="{6B52286A-4958-F731-1B3F-9311635CFBE5}"/>
+              </a:ext>
+            </a:extLst>
+          </p:cNvPr>
+          <p:cNvPicPr>
+            <a:picLocks noChangeAspect="1"/>
+          </p:cNvPicPr>
+          <p:nvPr/>
+        </p:nvPicPr>
+        <p:blipFill>
+          <a:blip r:embed="rId3"/>
+          <a:stretch>
+            <a:fillRect/>
+          </a:stretch>
+        </p:blipFill>
+        <p:spPr>
+          <a:xfrm>
+            <a:off x="6096000" y="2653664"/>
+            <a:ext cx="4563429" cy="3211730"/>
+          </a:xfrm>
+          <a:prstGeom prst="rect">
+            <a:avLst/>
+          </a:prstGeom>
+        </p:spPr>
+      </p:pic>
+    </p:spTree>
+    <p:extLst>
+      <p:ext uri="{BB962C8B-B14F-4D97-AF65-F5344CB8AC3E}">
+        <p14:creationId xmlns:p14="http://schemas.microsoft.com/office/powerpoint/2010/main" val="960017996"/>
+      </p:ext>
+    </p:extLst>
+  </p:cSld>
+  <p:clrMapOvr>
+    <a:masterClrMapping/>
+  </p:clrMapOvr>
+</p:sld>
+</file>
+
+<file path=ppt/slides/slide24.xml><?xml version="1.0" encoding="utf-8"?>
+<p:sld xmlns:a="http://schemas.openxmlformats.org/drawingml/2006/main" xmlns:r="http://schemas.openxmlformats.org/officeDocument/2006/relationships" xmlns:p="http://schemas.openxmlformats.org/presentationml/2006/main">
+  <p:cSld>
+    <p:spTree>
+      <p:nvGrpSpPr>
+        <p:cNvPr id="1" name=""/>
+        <p:cNvGrpSpPr/>
+        <p:nvPr/>
+      </p:nvGrpSpPr>
+      <p:grpSpPr>
+        <a:xfrm>
+          <a:off x="0" y="0"/>
+          <a:ext cx="0" cy="0"/>
+          <a:chOff x="0" y="0"/>
+          <a:chExt cx="0" cy="0"/>
+        </a:xfrm>
+      </p:grpSpPr>
+      <p:sp>
+        <p:nvSpPr>
+          <p:cNvPr id="2" name="عنوان 1">
+            <a:extLst>
+              <a:ext uri="{FF2B5EF4-FFF2-40B4-BE49-F238E27FC236}">
+                <a16:creationId xmlns:a16="http://schemas.microsoft.com/office/drawing/2014/main" id="{E60B706A-6230-B5A3-BA28-CB3B0BF19C32}"/>
+              </a:ext>
+            </a:extLst>
+          </p:cNvPr>
+          <p:cNvSpPr>
+            <a:spLocks noGrp="1"/>
+          </p:cNvSpPr>
+          <p:nvPr>
+            <p:ph type="title"/>
+          </p:nvPr>
+        </p:nvSpPr>
+        <p:spPr/>
+        <p:txBody>
+          <a:bodyPr/>
+          <a:lstStyle/>
+          <a:p>
+            <a:r>
+              <a:rPr lang="en-US" dirty="0"/>
+              <a:t>Ridge</a:t>
+            </a:r>
+          </a:p>
+        </p:txBody>
+      </p:sp>
+      <p:sp>
+        <p:nvSpPr>
+          <p:cNvPr id="3" name="عنصر نائب للمحتوى 2">
+            <a:extLst>
+              <a:ext uri="{FF2B5EF4-FFF2-40B4-BE49-F238E27FC236}">
+                <a16:creationId xmlns:a16="http://schemas.microsoft.com/office/drawing/2014/main" id="{FCD7C184-F26C-3513-28CC-88E8963A5896}"/>
+              </a:ext>
+            </a:extLst>
+          </p:cNvPr>
+          <p:cNvSpPr>
+            <a:spLocks noGrp="1"/>
+          </p:cNvSpPr>
+          <p:nvPr>
+            <p:ph idx="1"/>
+          </p:nvPr>
+        </p:nvSpPr>
+        <p:spPr/>
+        <p:txBody>
+          <a:bodyPr/>
+          <a:lstStyle/>
+          <a:p>
+            <a:r>
+              <a:rPr lang="en-US" sz="2400" dirty="0"/>
+              <a:t> </a:t>
+            </a:r>
+            <a:r>
+              <a:rPr lang="en-US" sz="2400" b="0" i="0" dirty="0">
+                <a:solidFill>
+                  <a:srgbClr val="05192D"/>
+                </a:solidFill>
+                <a:effectLst/>
+                <a:latin typeface="Studio-Feixen-Sans"/>
+              </a:rPr>
+              <a:t>Like the lasso regression, ridge regression puts a similar constraint on the coefficients by introducing a penalty factor.</a:t>
+            </a:r>
+            <a:endParaRPr lang="en-US" sz="2400" dirty="0"/>
+          </a:p>
+          <a:p>
+            <a:r>
+              <a:rPr lang="en-US" sz="2400" dirty="0"/>
+              <a:t>Ridge Regression is L2 regularization technique , adds squared magnitude of coefficient as penalty term </a:t>
+            </a:r>
+          </a:p>
+          <a:p>
+            <a:pPr marL="0" indent="0">
+              <a:buNone/>
+            </a:pPr>
+            <a:r>
+              <a:rPr lang="en-US" sz="2400" dirty="0"/>
+              <a:t>1- cross validation : 10 splits , 3 repeats</a:t>
+            </a:r>
+          </a:p>
+          <a:p>
+            <a:pPr marL="0" indent="0">
+              <a:buNone/>
+            </a:pPr>
+            <a:r>
+              <a:rPr lang="en-US" sz="2400" dirty="0"/>
+              <a:t>2- grid search to find best alpha</a:t>
+            </a:r>
+          </a:p>
+          <a:p>
+            <a:pPr marL="0" indent="0">
+              <a:buNone/>
+            </a:pPr>
+            <a:r>
+              <a:rPr lang="en-US" sz="2400" dirty="0"/>
+              <a:t>3- scaled data and fit it.</a:t>
+            </a:r>
+          </a:p>
+          <a:p>
+            <a:pPr marL="0" indent="0">
+              <a:buNone/>
+            </a:pPr>
+            <a:endParaRPr lang="en-US" dirty="0"/>
+          </a:p>
+        </p:txBody>
+      </p:sp>
+      <p:graphicFrame>
+        <p:nvGraphicFramePr>
+          <p:cNvPr id="4" name="جدول 4">
+            <a:extLst>
+              <a:ext uri="{FF2B5EF4-FFF2-40B4-BE49-F238E27FC236}">
+                <a16:creationId xmlns:a16="http://schemas.microsoft.com/office/drawing/2014/main" id="{A4E7AF74-C68A-9C10-B1C2-73D63A212DBE}"/>
+              </a:ext>
+            </a:extLst>
+          </p:cNvPr>
+          <p:cNvGraphicFramePr>
+            <a:graphicFrameLocks noGrp="1"/>
+          </p:cNvGraphicFramePr>
+          <p:nvPr>
+            <p:extLst>
+              <p:ext uri="{D42A27DB-BD31-4B8C-83A1-F6EECF244321}">
+                <p14:modId xmlns:p14="http://schemas.microsoft.com/office/powerpoint/2010/main" val="4130232325"/>
+              </p:ext>
+            </p:extLst>
+          </p:nvPr>
+        </p:nvGraphicFramePr>
+        <p:xfrm>
+          <a:off x="1701635" y="5292542"/>
+          <a:ext cx="5985225" cy="754636"/>
+        </p:xfrm>
+        <a:graphic>
+          <a:graphicData uri="http://schemas.openxmlformats.org/drawingml/2006/table">
+            <a:tbl>
+              <a:tblPr firstRow="1" bandRow="1">
+                <a:tableStyleId>{7DF18680-E054-41AD-8BC1-D1AEF772440D}</a:tableStyleId>
+              </a:tblPr>
+              <a:tblGrid>
+                <a:gridCol w="1995075">
+                  <a:extLst>
+                    <a:ext uri="{9D8B030D-6E8A-4147-A177-3AD203B41FA5}">
+                      <a16:colId xmlns:a16="http://schemas.microsoft.com/office/drawing/2014/main" val="1753085096"/>
+                    </a:ext>
+                  </a:extLst>
+                </a:gridCol>
+                <a:gridCol w="1995075">
+                  <a:extLst>
+                    <a:ext uri="{9D8B030D-6E8A-4147-A177-3AD203B41FA5}">
+                      <a16:colId xmlns:a16="http://schemas.microsoft.com/office/drawing/2014/main" val="3786953480"/>
+                    </a:ext>
+                  </a:extLst>
+                </a:gridCol>
+                <a:gridCol w="1995075">
+                  <a:extLst>
+                    <a:ext uri="{9D8B030D-6E8A-4147-A177-3AD203B41FA5}">
+                      <a16:colId xmlns:a16="http://schemas.microsoft.com/office/drawing/2014/main" val="265637589"/>
+                    </a:ext>
+                  </a:extLst>
+                </a:gridCol>
+              </a:tblGrid>
+              <a:tr h="383796">
+                <a:tc>
+                  <a:txBody>
+                    <a:bodyPr/>
+                    <a:lstStyle/>
+                    <a:p>
+                      <a:r>
+                        <a:rPr lang="en-US" dirty="0"/>
+                        <a:t>Train</a:t>
+                      </a:r>
+                    </a:p>
+                  </a:txBody>
+                  <a:tcPr/>
+                </a:tc>
+                <a:tc>
+                  <a:txBody>
+                    <a:bodyPr/>
+                    <a:lstStyle/>
+                    <a:p>
+                      <a:r>
+                        <a:rPr lang="en-US" dirty="0"/>
+                        <a:t>Validation </a:t>
+                      </a:r>
+                    </a:p>
+                  </a:txBody>
+                  <a:tcPr/>
+                </a:tc>
+                <a:tc>
+                  <a:txBody>
+                    <a:bodyPr/>
+                    <a:lstStyle/>
+                    <a:p>
+                      <a:r>
+                        <a:rPr lang="en-US" dirty="0"/>
+                        <a:t>RMSE</a:t>
+                      </a:r>
+                    </a:p>
+                  </a:txBody>
+                  <a:tcPr/>
+                </a:tc>
+                <a:extLst>
+                  <a:ext uri="{0D108BD9-81ED-4DB2-BD59-A6C34878D82A}">
+                    <a16:rowId xmlns:a16="http://schemas.microsoft.com/office/drawing/2014/main" val="2155109683"/>
+                  </a:ext>
+                </a:extLst>
+              </a:tr>
+              <a:tr h="370840">
+                <a:tc>
+                  <a:txBody>
+                    <a:bodyPr/>
+                    <a:lstStyle/>
+                    <a:p>
+                      <a:r>
+                        <a:rPr lang="en-US" sz="1800" b="0" i="0" kern="1200" dirty="0">
+                          <a:solidFill>
+                            <a:schemeClr val="dk1"/>
+                          </a:solidFill>
+                          <a:effectLst/>
+                          <a:latin typeface="+mn-lt"/>
+                          <a:ea typeface="+mn-ea"/>
+                          <a:cs typeface="+mn-cs"/>
+                        </a:rPr>
+                        <a:t>0.674</a:t>
+                      </a:r>
+                      <a:endParaRPr lang="en-US" dirty="0"/>
+                    </a:p>
+                  </a:txBody>
+                  <a:tcPr/>
+                </a:tc>
+                <a:tc>
+                  <a:txBody>
+                    <a:bodyPr/>
+                    <a:lstStyle/>
+                    <a:p>
+                      <a:r>
+                        <a:rPr lang="en-US" sz="1800" b="0" i="0" kern="1200" dirty="0">
+                          <a:solidFill>
+                            <a:schemeClr val="dk1"/>
+                          </a:solidFill>
+                          <a:effectLst/>
+                          <a:latin typeface="+mn-lt"/>
+                          <a:ea typeface="+mn-ea"/>
+                          <a:cs typeface="+mn-cs"/>
+                        </a:rPr>
+                        <a:t>0.688</a:t>
+                      </a:r>
+                      <a:endParaRPr lang="en-US" dirty="0"/>
+                    </a:p>
+                  </a:txBody>
+                  <a:tcPr/>
+                </a:tc>
+                <a:tc>
+                  <a:txBody>
+                    <a:bodyPr/>
+                    <a:lstStyle/>
+                    <a:p>
+                      <a:r>
+                        <a:rPr lang="en-US" sz="1800" b="0" i="0" kern="1200" dirty="0">
+                          <a:solidFill>
+                            <a:schemeClr val="dk1"/>
+                          </a:solidFill>
+                          <a:effectLst/>
+                          <a:latin typeface="+mn-lt"/>
+                          <a:ea typeface="+mn-ea"/>
+                          <a:cs typeface="+mn-cs"/>
+                        </a:rPr>
+                        <a:t>65.13</a:t>
+                      </a:r>
+                      <a:endParaRPr lang="en-US" dirty="0"/>
+                    </a:p>
+                  </a:txBody>
+                  <a:tcPr/>
+                </a:tc>
+                <a:extLst>
+                  <a:ext uri="{0D108BD9-81ED-4DB2-BD59-A6C34878D82A}">
+                    <a16:rowId xmlns:a16="http://schemas.microsoft.com/office/drawing/2014/main" val="2727651062"/>
+                  </a:ext>
+                </a:extLst>
+              </a:tr>
+            </a:tbl>
+          </a:graphicData>
+        </a:graphic>
+      </p:graphicFrame>
+    </p:spTree>
+    <p:extLst>
+      <p:ext uri="{BB962C8B-B14F-4D97-AF65-F5344CB8AC3E}">
+        <p14:creationId xmlns:p14="http://schemas.microsoft.com/office/powerpoint/2010/main" val="3800036397"/>
+      </p:ext>
+    </p:extLst>
+  </p:cSld>
+  <p:clrMapOvr>
+    <a:masterClrMapping/>
+  </p:clrMapOvr>
+</p:sld>
+</file>
+
+<file path=ppt/slides/slide25.xml><?xml version="1.0" encoding="utf-8"?>
+<p:sld xmlns:a="http://schemas.openxmlformats.org/drawingml/2006/main" xmlns:r="http://schemas.openxmlformats.org/officeDocument/2006/relationships" xmlns:p="http://schemas.openxmlformats.org/presentationml/2006/main">
+  <p:cSld>
+    <p:spTree>
+      <p:nvGrpSpPr>
+        <p:cNvPr id="1" name=""/>
+        <p:cNvGrpSpPr/>
+        <p:nvPr/>
+      </p:nvGrpSpPr>
+      <p:grpSpPr>
+        <a:xfrm>
+          <a:off x="0" y="0"/>
+          <a:ext cx="0" cy="0"/>
+          <a:chOff x="0" y="0"/>
+          <a:chExt cx="0" cy="0"/>
+        </a:xfrm>
+      </p:grpSpPr>
+      <p:sp>
+        <p:nvSpPr>
+          <p:cNvPr id="2" name="عنوان 1">
+            <a:extLst>
+              <a:ext uri="{FF2B5EF4-FFF2-40B4-BE49-F238E27FC236}">
+                <a16:creationId xmlns:a16="http://schemas.microsoft.com/office/drawing/2014/main" id="{886D17BD-44B2-98CF-55BA-46C7F2E737EB}"/>
+              </a:ext>
+            </a:extLst>
+          </p:cNvPr>
+          <p:cNvSpPr>
+            <a:spLocks noGrp="1"/>
+          </p:cNvSpPr>
+          <p:nvPr>
+            <p:ph type="title"/>
+          </p:nvPr>
+        </p:nvSpPr>
+        <p:spPr/>
+        <p:txBody>
+          <a:bodyPr/>
+          <a:lstStyle/>
+          <a:p>
+            <a:r>
+              <a:rPr lang="en-US" dirty="0"/>
+              <a:t>Polynomial</a:t>
+            </a:r>
+          </a:p>
+        </p:txBody>
+      </p:sp>
+      <p:sp>
+        <p:nvSpPr>
+          <p:cNvPr id="3" name="عنصر نائب للمحتوى 2">
+            <a:extLst>
+              <a:ext uri="{FF2B5EF4-FFF2-40B4-BE49-F238E27FC236}">
+                <a16:creationId xmlns:a16="http://schemas.microsoft.com/office/drawing/2014/main" id="{903367D6-B35A-D868-0DB6-A3A9F2DA98B2}"/>
+              </a:ext>
+            </a:extLst>
+          </p:cNvPr>
+          <p:cNvSpPr>
+            <a:spLocks noGrp="1"/>
+          </p:cNvSpPr>
+          <p:nvPr>
+            <p:ph idx="1"/>
+          </p:nvPr>
+        </p:nvSpPr>
+        <p:spPr/>
+        <p:txBody>
+          <a:bodyPr>
+            <a:normAutofit/>
+          </a:bodyPr>
+          <a:lstStyle/>
+          <a:p>
+            <a:r>
+              <a:rPr lang="en-US" sz="2000" dirty="0"/>
+              <a:t> is a form of regression analysis in which the relationship between the independent variable x and the dependent variable y is modelled as an nth degree polynomial in x</a:t>
+            </a:r>
+          </a:p>
+          <a:p>
+            <a:r>
+              <a:rPr lang="en-US" sz="2000" dirty="0"/>
+              <a:t>Polynomial features are those features created by raising existing features to an exponent.</a:t>
+            </a:r>
+          </a:p>
+          <a:p>
+            <a:r>
+              <a:rPr lang="en-US" sz="2000" dirty="0"/>
+              <a:t>polynomial features are a type of feature engineering, e.g. the creation of new input features based on the existing features.</a:t>
+            </a:r>
+          </a:p>
+          <a:p>
+            <a:r>
+              <a:rPr lang="en-US" sz="2000" dirty="0"/>
+              <a:t>Polynomial with 3</a:t>
+            </a:r>
+            <a:r>
+              <a:rPr lang="en-US" sz="2000" baseline="30000" dirty="0"/>
+              <a:t>rd</a:t>
+            </a:r>
+            <a:r>
+              <a:rPr lang="en-US" sz="2000" dirty="0"/>
+              <a:t> degree</a:t>
+            </a:r>
+          </a:p>
+          <a:p>
+            <a:pPr marL="0" indent="0">
+              <a:buNone/>
+            </a:pPr>
+            <a:endParaRPr lang="en-US" sz="2000" dirty="0"/>
+          </a:p>
+        </p:txBody>
+      </p:sp>
+      <p:graphicFrame>
+        <p:nvGraphicFramePr>
+          <p:cNvPr id="4" name="جدول 4">
+            <a:extLst>
+              <a:ext uri="{FF2B5EF4-FFF2-40B4-BE49-F238E27FC236}">
+                <a16:creationId xmlns:a16="http://schemas.microsoft.com/office/drawing/2014/main" id="{F532866B-FCA4-9E03-CA1A-A325E69F20F8}"/>
+              </a:ext>
+            </a:extLst>
+          </p:cNvPr>
+          <p:cNvGraphicFramePr>
+            <a:graphicFrameLocks noGrp="1"/>
+          </p:cNvGraphicFramePr>
+          <p:nvPr>
+            <p:extLst>
+              <p:ext uri="{D42A27DB-BD31-4B8C-83A1-F6EECF244321}">
+                <p14:modId xmlns:p14="http://schemas.microsoft.com/office/powerpoint/2010/main" val="3300546866"/>
+              </p:ext>
+            </p:extLst>
+          </p:nvPr>
+        </p:nvGraphicFramePr>
+        <p:xfrm>
+          <a:off x="1701635" y="5292542"/>
+          <a:ext cx="5637164" cy="754636"/>
+        </p:xfrm>
+        <a:graphic>
+          <a:graphicData uri="http://schemas.openxmlformats.org/drawingml/2006/table">
+            <a:tbl>
+              <a:tblPr firstRow="1" bandRow="1">
+                <a:tableStyleId>{7DF18680-E054-41AD-8BC1-D1AEF772440D}</a:tableStyleId>
+              </a:tblPr>
+              <a:tblGrid>
+                <a:gridCol w="1409291">
+                  <a:extLst>
+                    <a:ext uri="{9D8B030D-6E8A-4147-A177-3AD203B41FA5}">
+                      <a16:colId xmlns:a16="http://schemas.microsoft.com/office/drawing/2014/main" val="1753085096"/>
+                    </a:ext>
+                  </a:extLst>
+                </a:gridCol>
+                <a:gridCol w="1409291">
+                  <a:extLst>
+                    <a:ext uri="{9D8B030D-6E8A-4147-A177-3AD203B41FA5}">
+                      <a16:colId xmlns:a16="http://schemas.microsoft.com/office/drawing/2014/main" val="3786953480"/>
+                    </a:ext>
+                  </a:extLst>
+                </a:gridCol>
+                <a:gridCol w="1409291">
+                  <a:extLst>
+                    <a:ext uri="{9D8B030D-6E8A-4147-A177-3AD203B41FA5}">
+                      <a16:colId xmlns:a16="http://schemas.microsoft.com/office/drawing/2014/main" val="265637589"/>
+                    </a:ext>
+                  </a:extLst>
+                </a:gridCol>
+                <a:gridCol w="1409291">
+                  <a:extLst>
+                    <a:ext uri="{9D8B030D-6E8A-4147-A177-3AD203B41FA5}">
+                      <a16:colId xmlns:a16="http://schemas.microsoft.com/office/drawing/2014/main" val="863077756"/>
+                    </a:ext>
+                  </a:extLst>
+                </a:gridCol>
+              </a:tblGrid>
+              <a:tr h="383796">
+                <a:tc>
+                  <a:txBody>
+                    <a:bodyPr/>
+                    <a:lstStyle/>
+                    <a:p>
+                      <a:r>
+                        <a:rPr lang="en-US" dirty="0"/>
+                        <a:t>Train</a:t>
+                      </a:r>
+                    </a:p>
+                  </a:txBody>
+                  <a:tcPr/>
+                </a:tc>
+                <a:tc>
+                  <a:txBody>
+                    <a:bodyPr/>
+                    <a:lstStyle/>
+                    <a:p>
+                      <a:r>
+                        <a:rPr lang="en-US" dirty="0"/>
+                        <a:t>Validation </a:t>
+                      </a:r>
+                    </a:p>
+                  </a:txBody>
+                  <a:tcPr/>
+                </a:tc>
+                <a:tc>
+                  <a:txBody>
+                    <a:bodyPr/>
+                    <a:lstStyle/>
+                    <a:p>
+                      <a:r>
+                        <a:rPr lang="en-US" dirty="0"/>
+                        <a:t>test</a:t>
+                      </a:r>
+                    </a:p>
+                  </a:txBody>
+                  <a:tcPr/>
+                </a:tc>
+                <a:tc>
+                  <a:txBody>
+                    <a:bodyPr/>
+                    <a:lstStyle/>
+                    <a:p>
+                      <a:r>
+                        <a:rPr lang="en-US" dirty="0"/>
+                        <a:t>RMSE</a:t>
+                      </a:r>
+                    </a:p>
+                  </a:txBody>
+                  <a:tcPr/>
+                </a:tc>
+                <a:extLst>
+                  <a:ext uri="{0D108BD9-81ED-4DB2-BD59-A6C34878D82A}">
+                    <a16:rowId xmlns:a16="http://schemas.microsoft.com/office/drawing/2014/main" val="2155109683"/>
+                  </a:ext>
+                </a:extLst>
+              </a:tr>
+              <a:tr h="370840">
+                <a:tc>
+                  <a:txBody>
+                    <a:bodyPr/>
+                    <a:lstStyle/>
+                    <a:p>
+                      <a:r>
+                        <a:rPr lang="en-US" sz="1800" b="0" i="0" kern="1200" dirty="0">
+                          <a:solidFill>
+                            <a:schemeClr val="dk1"/>
+                          </a:solidFill>
+                          <a:effectLst/>
+                          <a:latin typeface="+mn-lt"/>
+                          <a:ea typeface="+mn-ea"/>
+                          <a:cs typeface="+mn-cs"/>
+                        </a:rPr>
+                        <a:t>0.770</a:t>
+                      </a:r>
+                      <a:endParaRPr lang="en-US" dirty="0"/>
+                    </a:p>
+                  </a:txBody>
+                  <a:tcPr/>
+                </a:tc>
+                <a:tc>
+                  <a:txBody>
+                    <a:bodyPr/>
+                    <a:lstStyle/>
+                    <a:p>
+                      <a:r>
+                        <a:rPr lang="en-US" sz="1800" b="0" i="0" kern="1200" dirty="0">
+                          <a:solidFill>
+                            <a:schemeClr val="dk1"/>
+                          </a:solidFill>
+                          <a:effectLst/>
+                          <a:latin typeface="+mn-lt"/>
+                          <a:ea typeface="+mn-ea"/>
+                          <a:cs typeface="+mn-cs"/>
+                        </a:rPr>
+                        <a:t>0.762</a:t>
+                      </a:r>
+                      <a:endParaRPr lang="en-US" dirty="0"/>
+                    </a:p>
+                  </a:txBody>
+                  <a:tcPr/>
+                </a:tc>
+                <a:tc>
+                  <a:txBody>
+                    <a:bodyPr/>
+                    <a:lstStyle/>
+                    <a:p>
+                      <a:r>
+                        <a:rPr lang="en-US" sz="1800" b="0" i="0" kern="1200" dirty="0">
+                          <a:solidFill>
+                            <a:schemeClr val="dk1"/>
+                          </a:solidFill>
+                          <a:effectLst/>
+                          <a:latin typeface="+mn-lt"/>
+                          <a:ea typeface="+mn-ea"/>
+                          <a:cs typeface="+mn-cs"/>
+                        </a:rPr>
+                        <a:t>0.723</a:t>
+                      </a:r>
+                      <a:endParaRPr lang="en-US" dirty="0"/>
+                    </a:p>
+                  </a:txBody>
+                  <a:tcPr/>
+                </a:tc>
+                <a:tc>
+                  <a:txBody>
+                    <a:bodyPr/>
+                    <a:lstStyle/>
+                    <a:p>
+                      <a:r>
+                        <a:rPr lang="en-US" sz="1800" b="0" i="0" kern="1200" dirty="0">
+                          <a:solidFill>
+                            <a:schemeClr val="dk1"/>
+                          </a:solidFill>
+                          <a:effectLst/>
+                          <a:latin typeface="+mn-lt"/>
+                          <a:ea typeface="+mn-ea"/>
+                          <a:cs typeface="+mn-cs"/>
+                        </a:rPr>
+                        <a:t>61.28</a:t>
+                      </a:r>
+                      <a:endParaRPr lang="en-US" dirty="0"/>
+                    </a:p>
+                  </a:txBody>
+                  <a:tcPr/>
+                </a:tc>
+                <a:extLst>
+                  <a:ext uri="{0D108BD9-81ED-4DB2-BD59-A6C34878D82A}">
+                    <a16:rowId xmlns:a16="http://schemas.microsoft.com/office/drawing/2014/main" val="2727651062"/>
+                  </a:ext>
+                </a:extLst>
+              </a:tr>
+            </a:tbl>
+          </a:graphicData>
+        </a:graphic>
+      </p:graphicFrame>
+    </p:spTree>
+    <p:extLst>
+      <p:ext uri="{BB962C8B-B14F-4D97-AF65-F5344CB8AC3E}">
+        <p14:creationId xmlns:p14="http://schemas.microsoft.com/office/powerpoint/2010/main" val="2400337523"/>
+      </p:ext>
+    </p:extLst>
+  </p:cSld>
+  <p:clrMapOvr>
+    <a:masterClrMapping/>
+  </p:clrMapOvr>
+</p:sld>
+</file>
+
+<file path=ppt/slides/slide26.xml><?xml version="1.0" encoding="utf-8"?>
+<p:sld xmlns:a="http://schemas.openxmlformats.org/drawingml/2006/main" xmlns:r="http://schemas.openxmlformats.org/officeDocument/2006/relationships" xmlns:p="http://schemas.openxmlformats.org/presentationml/2006/main">
+  <p:cSld>
+    <p:spTree>
+      <p:nvGrpSpPr>
+        <p:cNvPr id="1" name=""/>
+        <p:cNvGrpSpPr/>
+        <p:nvPr/>
+      </p:nvGrpSpPr>
+      <p:grpSpPr>
+        <a:xfrm>
+          <a:off x="0" y="0"/>
+          <a:ext cx="0" cy="0"/>
+          <a:chOff x="0" y="0"/>
+          <a:chExt cx="0" cy="0"/>
+        </a:xfrm>
+      </p:grpSpPr>
+      <p:sp>
+        <p:nvSpPr>
+          <p:cNvPr id="2" name="عنوان 1">
+            <a:extLst>
+              <a:ext uri="{FF2B5EF4-FFF2-40B4-BE49-F238E27FC236}">
+                <a16:creationId xmlns:a16="http://schemas.microsoft.com/office/drawing/2014/main" id="{DD5D75CA-8492-7A4E-BE40-D9D38B123FC0}"/>
+              </a:ext>
+            </a:extLst>
+          </p:cNvPr>
+          <p:cNvSpPr>
+            <a:spLocks noGrp="1"/>
+          </p:cNvSpPr>
+          <p:nvPr>
+            <p:ph type="title"/>
+          </p:nvPr>
+        </p:nvSpPr>
+        <p:spPr/>
+        <p:txBody>
+          <a:bodyPr/>
+          <a:lstStyle/>
+          <a:p>
+            <a:r>
+              <a:rPr lang="en-US" dirty="0"/>
+              <a:t>Conclusion</a:t>
+            </a:r>
+          </a:p>
+        </p:txBody>
+      </p:sp>
+      <p:sp>
+        <p:nvSpPr>
+          <p:cNvPr id="3" name="عنصر نائب للمحتوى 2">
+            <a:extLst>
+              <a:ext uri="{FF2B5EF4-FFF2-40B4-BE49-F238E27FC236}">
+                <a16:creationId xmlns:a16="http://schemas.microsoft.com/office/drawing/2014/main" id="{74597133-1633-1DB6-FCDF-5AE12675DB7E}"/>
+              </a:ext>
+            </a:extLst>
+          </p:cNvPr>
+          <p:cNvSpPr>
+            <a:spLocks noGrp="1"/>
+          </p:cNvSpPr>
+          <p:nvPr>
+            <p:ph idx="1"/>
+          </p:nvPr>
+        </p:nvSpPr>
+        <p:spPr/>
+        <p:txBody>
+          <a:bodyPr>
+            <a:normAutofit/>
+          </a:bodyPr>
+          <a:lstStyle/>
+          <a:p>
+            <a:r>
+              <a:rPr lang="en-US" sz="2400" b="0" dirty="0">
+                <a:effectLst/>
+                <a:latin typeface="Consolas" panose="020B0609020204030204" pitchFamily="49" charset="0"/>
+              </a:rPr>
+              <a:t>regularization models all have the same accuracy</a:t>
+            </a:r>
+          </a:p>
+          <a:p>
+            <a:r>
+              <a:rPr lang="en-US" sz="2400" b="0" dirty="0">
+                <a:effectLst/>
+                <a:latin typeface="Consolas" panose="020B0609020204030204" pitchFamily="49" charset="0"/>
+              </a:rPr>
+              <a:t>Polynomial regression performed butter and its the one we choose to test</a:t>
+            </a:r>
+          </a:p>
+          <a:p>
+            <a:r>
+              <a:rPr lang="en-US" sz="2400" b="0" dirty="0">
+                <a:effectLst/>
+                <a:latin typeface="Consolas" panose="020B0609020204030204" pitchFamily="49" charset="0"/>
+              </a:rPr>
+              <a:t>it seems there is overfitting in Polynomial regression accuracy</a:t>
+            </a:r>
+          </a:p>
+          <a:p>
+            <a:r>
+              <a:rPr lang="en-US" sz="2400" b="0" dirty="0">
+                <a:effectLst/>
+                <a:latin typeface="Consolas" panose="020B0609020204030204" pitchFamily="49" charset="0"/>
+              </a:rPr>
+              <a:t>for more feature work we want to improve our accuracy:</a:t>
+            </a:r>
+          </a:p>
+          <a:p>
+            <a:pPr marL="0" indent="0">
+              <a:buNone/>
+            </a:pPr>
+            <a:r>
+              <a:rPr lang="en-US" sz="2400" b="0" dirty="0">
+                <a:effectLst/>
+                <a:latin typeface="Consolas" panose="020B0609020204030204" pitchFamily="49" charset="0"/>
+              </a:rPr>
+              <a:t>  - adding more data.</a:t>
+            </a:r>
+          </a:p>
+          <a:p>
+            <a:pPr marL="0" indent="0">
+              <a:buNone/>
+            </a:pPr>
+            <a:r>
+              <a:rPr lang="en-US" sz="2400" b="0" dirty="0">
+                <a:effectLst/>
+                <a:latin typeface="Consolas" panose="020B0609020204030204" pitchFamily="49" charset="0"/>
+              </a:rPr>
+              <a:t>  - feature engineering.</a:t>
+            </a:r>
+          </a:p>
+          <a:p>
+            <a:pPr marL="0" indent="0">
+              <a:buNone/>
+            </a:pPr>
+            <a:r>
+              <a:rPr lang="en-US" sz="2400" b="0" dirty="0">
+                <a:effectLst/>
+                <a:latin typeface="Consolas" panose="020B0609020204030204" pitchFamily="49" charset="0"/>
+              </a:rPr>
+              <a:t>  - try other models.</a:t>
+            </a:r>
+          </a:p>
+          <a:p>
+            <a:pPr marL="0" indent="0">
+              <a:buNone/>
+            </a:pPr>
+            <a:endParaRPr lang="en-US" b="0" dirty="0">
+              <a:solidFill>
+                <a:srgbClr val="ABB2BF"/>
+              </a:solidFill>
+              <a:effectLst/>
+              <a:latin typeface="Consolas" panose="020B0609020204030204" pitchFamily="49" charset="0"/>
+            </a:endParaRPr>
+          </a:p>
+          <a:p>
+            <a:endParaRPr lang="en-US" dirty="0"/>
+          </a:p>
+        </p:txBody>
+      </p:sp>
+    </p:spTree>
+    <p:extLst>
+      <p:ext uri="{BB962C8B-B14F-4D97-AF65-F5344CB8AC3E}">
+        <p14:creationId xmlns:p14="http://schemas.microsoft.com/office/powerpoint/2010/main" val="3200206802"/>
+      </p:ext>
+    </p:extLst>
+  </p:cSld>
+  <p:clrMapOvr>
+    <a:masterClrMapping/>
+  </p:clrMapOvr>
+</p:sld>
+</file>
+
 <file path=ppt/slides/slide3.xml><?xml version="1.0" encoding="utf-8"?>
 <p:sld xmlns:a="http://schemas.openxmlformats.org/drawingml/2006/main" xmlns:r="http://schemas.openxmlformats.org/officeDocument/2006/relationships" xmlns:p="http://schemas.openxmlformats.org/presentationml/2006/main">
   <p:cSld>
@@ -15900,43 +18276,64 @@
             </a:pPr>
             <a:r>
               <a:rPr lang="en-US" sz="2200" dirty="0"/>
-              <a:t>Median house value and median income are highly correlated</a:t>
+              <a:t>Median house value and median income are highly  positive correlated.</a:t>
+            </a:r>
+          </a:p>
+          <a:p>
+            <a:pPr indent="-228600">
+              <a:lnSpc>
+                <a:spcPct val="90000"/>
+              </a:lnSpc>
+              <a:spcAft>
+                <a:spcPts val="600"/>
+              </a:spcAft>
+              <a:buFont typeface="Arial" panose="020B0604020202020204" pitchFamily="34" charset="0"/>
+              <a:buChar char="•"/>
+            </a:pPr>
+            <a:endParaRPr lang="en-US" sz="2200" dirty="0"/>
+          </a:p>
+          <a:p>
+            <a:pPr indent="-228600">
+              <a:lnSpc>
+                <a:spcPct val="90000"/>
+              </a:lnSpc>
+              <a:spcAft>
+                <a:spcPts val="600"/>
+              </a:spcAft>
+              <a:buFont typeface="Arial" panose="020B0604020202020204" pitchFamily="34" charset="0"/>
+              <a:buChar char="•"/>
+            </a:pPr>
+            <a:r>
+              <a:rPr lang="en-US" sz="2200" dirty="0"/>
+              <a:t>Median house value and ocean proximity inland are highly negative corelated.</a:t>
             </a:r>
           </a:p>
         </p:txBody>
       </p:sp>
       <p:pic>
         <p:nvPicPr>
-          <p:cNvPr id="5" name="Content Placeholder 4" descr="Graphical user interface, text, application&#10;&#10;Description automatically generated">
+          <p:cNvPr id="4" name="صورة 3">
             <a:extLst>
               <a:ext uri="{FF2B5EF4-FFF2-40B4-BE49-F238E27FC236}">
-                <a16:creationId xmlns:a16="http://schemas.microsoft.com/office/drawing/2014/main" id="{C2BA7232-0B6F-31CF-2550-C574FF8DC23D}"/>
+                <a16:creationId xmlns:a16="http://schemas.microsoft.com/office/drawing/2014/main" id="{7E515648-5E17-BC25-8087-495892FC6976}"/>
               </a:ext>
             </a:extLst>
           </p:cNvPr>
           <p:cNvPicPr>
-            <a:picLocks noGrp="1" noChangeAspect="1"/>
+            <a:picLocks noChangeAspect="1"/>
           </p:cNvPicPr>
-          <p:nvPr>
-            <p:ph idx="1"/>
-          </p:nvPr>
+          <p:nvPr/>
         </p:nvPicPr>
         <p:blipFill>
-          <a:blip r:embed="rId2">
-            <a:extLst>
-              <a:ext uri="{28A0092B-C50C-407E-A947-70E740481C1C}">
-                <a14:useLocalDpi xmlns:a14="http://schemas.microsoft.com/office/drawing/2010/main" val="0"/>
-              </a:ext>
-            </a:extLst>
-          </a:blip>
+          <a:blip r:embed="rId2"/>
           <a:stretch>
             <a:fillRect/>
           </a:stretch>
         </p:blipFill>
         <p:spPr>
           <a:xfrm>
-            <a:off x="4654296" y="848735"/>
-            <a:ext cx="6903720" cy="5160529"/>
+            <a:off x="5368299" y="152400"/>
+            <a:ext cx="5676900" cy="6553200"/>
           </a:xfrm>
           <a:prstGeom prst="rect">
             <a:avLst/>
@@ -16082,6 +18479,14 @@
 <file path=ppt/slides/slide7.xml><?xml version="1.0" encoding="utf-8"?>
 <p:sld xmlns:a="http://schemas.openxmlformats.org/drawingml/2006/main" xmlns:r="http://schemas.openxmlformats.org/officeDocument/2006/relationships" xmlns:p="http://schemas.openxmlformats.org/presentationml/2006/main">
   <p:cSld>
+    <p:bg>
+      <p:bgPr>
+        <a:solidFill>
+          <a:schemeClr val="bg1"/>
+        </a:solidFill>
+        <a:effectLst/>
+      </p:bgPr>
+    </p:bg>
     <p:spTree>
       <p:nvGrpSpPr>
         <p:cNvPr id="1" name=""/>
@@ -16096,6 +18501,66 @@
           <a:chExt cx="0" cy="0"/>
         </a:xfrm>
       </p:grpSpPr>
+      <p:sp useBgFill="1">
+        <p:nvSpPr>
+          <p:cNvPr id="10" name="Rectangle 9">
+            <a:extLst>
+              <a:ext uri="{FF2B5EF4-FFF2-40B4-BE49-F238E27FC236}">
+                <a16:creationId xmlns:a16="http://schemas.microsoft.com/office/drawing/2014/main" id="{665DBBEF-238B-476B-96AB-8AAC3224ECEA}"/>
+              </a:ext>
+              <a:ext uri="{C183D7F6-B498-43B3-948B-1728B52AA6E4}">
+                <adec:decorative xmlns:adec="http://schemas.microsoft.com/office/drawing/2017/decorative" val="1"/>
+              </a:ext>
+            </a:extLst>
+          </p:cNvPr>
+          <p:cNvSpPr>
+            <a:spLocks noGrp="1" noRot="1" noChangeAspect="1" noMove="1" noResize="1" noEditPoints="1" noAdjustHandles="1" noChangeArrowheads="1" noChangeShapeType="1" noTextEdit="1"/>
+          </p:cNvSpPr>
+          <p:nvPr>
+            <p:extLst>
+              <p:ext uri="{386F3935-93C4-4BCD-93E2-E3B085C9AB24}">
+                <p16:designElem xmlns:p16="http://schemas.microsoft.com/office/powerpoint/2015/main" val="1"/>
+              </p:ext>
+            </p:extLst>
+          </p:nvPr>
+        </p:nvSpPr>
+        <p:spPr>
+          <a:xfrm>
+            <a:off x="0" y="0"/>
+            <a:ext cx="12192000" cy="6858000"/>
+          </a:xfrm>
+          <a:prstGeom prst="rect">
+            <a:avLst/>
+          </a:prstGeom>
+          <a:ln>
+            <a:noFill/>
+          </a:ln>
+        </p:spPr>
+        <p:style>
+          <a:lnRef idx="2">
+            <a:schemeClr val="accent1">
+              <a:shade val="50000"/>
+            </a:schemeClr>
+          </a:lnRef>
+          <a:fillRef idx="1">
+            <a:schemeClr val="accent1"/>
+          </a:fillRef>
+          <a:effectRef idx="0">
+            <a:schemeClr val="accent1"/>
+          </a:effectRef>
+          <a:fontRef idx="minor">
+            <a:schemeClr val="lt1"/>
+          </a:fontRef>
+        </p:style>
+        <p:txBody>
+          <a:bodyPr rtlCol="0" anchor="ctr"/>
+          <a:lstStyle/>
+          <a:p>
+            <a:pPr algn="ctr"/>
+            <a:endParaRPr lang="en-US"/>
+          </a:p>
+        </p:txBody>
+      </p:sp>
       <p:sp>
         <p:nvSpPr>
           <p:cNvPr id="2" name="Title 1">
@@ -16112,13 +18577,27 @@
             <p:ph type="title"/>
           </p:nvPr>
         </p:nvSpPr>
-        <p:spPr/>
+        <p:spPr>
+          <a:xfrm>
+            <a:off x="638882" y="639193"/>
+            <a:ext cx="3571810" cy="3573516"/>
+          </a:xfrm>
+        </p:spPr>
         <p:txBody>
-          <a:bodyPr/>
+          <a:bodyPr vert="horz" lIns="91440" tIns="45720" rIns="91440" bIns="45720" rtlCol="0" anchor="b">
+            <a:normAutofit/>
+          </a:bodyPr>
           <a:lstStyle/>
           <a:p>
             <a:r>
-              <a:rPr lang="en-US" dirty="0"/>
+              <a:rPr lang="en-US" sz="6600" kern="1200" dirty="0">
+                <a:solidFill>
+                  <a:schemeClr val="tx1"/>
+                </a:solidFill>
+                <a:latin typeface="+mj-lt"/>
+                <a:ea typeface="+mj-ea"/>
+                <a:cs typeface="+mj-cs"/>
+              </a:rPr>
               <a:t>OLS model</a:t>
             </a:r>
           </a:p>
@@ -16126,29 +18605,307 @@
       </p:sp>
       <p:sp>
         <p:nvSpPr>
-          <p:cNvPr id="3" name="Content Placeholder 2">
+          <p:cNvPr id="12" name="sketch line">
             <a:extLst>
               <a:ext uri="{FF2B5EF4-FFF2-40B4-BE49-F238E27FC236}">
-                <a16:creationId xmlns:a16="http://schemas.microsoft.com/office/drawing/2014/main" id="{D5BFC62D-CA65-2A82-53EE-113B40E2374A}"/>
+                <a16:creationId xmlns:a16="http://schemas.microsoft.com/office/drawing/2014/main" id="{3FCFB1DE-0B7E-48CC-BA90-B2AB0889F9D6}"/>
+              </a:ext>
+              <a:ext uri="{C183D7F6-B498-43B3-948B-1728B52AA6E4}">
+                <adec:decorative xmlns:adec="http://schemas.microsoft.com/office/drawing/2017/decorative" val="1"/>
               </a:ext>
             </a:extLst>
           </p:cNvPr>
           <p:cNvSpPr>
-            <a:spLocks noGrp="1"/>
+            <a:spLocks noGrp="1" noRot="1" noChangeAspect="1" noMove="1" noResize="1" noEditPoints="1" noAdjustHandles="1" noChangeArrowheads="1" noChangeShapeType="1" noTextEdit="1"/>
           </p:cNvSpPr>
           <p:nvPr>
-            <p:ph idx="1"/>
+            <p:extLst>
+              <p:ext uri="{386F3935-93C4-4BCD-93E2-E3B085C9AB24}">
+                <p16:designElem xmlns:p16="http://schemas.microsoft.com/office/powerpoint/2015/main" val="1"/>
+              </p:ext>
+            </p:extLst>
           </p:nvPr>
         </p:nvSpPr>
-        <p:spPr/>
+        <p:spPr>
+          <a:xfrm>
+            <a:off x="643278" y="4409267"/>
+            <a:ext cx="3255095" cy="18288"/>
+          </a:xfrm>
+          <a:custGeom>
+            <a:avLst/>
+            <a:gdLst>
+              <a:gd name="connsiteX0" fmla="*/ 0 w 3255095"/>
+              <a:gd name="connsiteY0" fmla="*/ 0 h 18288"/>
+              <a:gd name="connsiteX1" fmla="*/ 618468 w 3255095"/>
+              <a:gd name="connsiteY1" fmla="*/ 0 h 18288"/>
+              <a:gd name="connsiteX2" fmla="*/ 1269487 w 3255095"/>
+              <a:gd name="connsiteY2" fmla="*/ 0 h 18288"/>
+              <a:gd name="connsiteX3" fmla="*/ 1953057 w 3255095"/>
+              <a:gd name="connsiteY3" fmla="*/ 0 h 18288"/>
+              <a:gd name="connsiteX4" fmla="*/ 2636627 w 3255095"/>
+              <a:gd name="connsiteY4" fmla="*/ 0 h 18288"/>
+              <a:gd name="connsiteX5" fmla="*/ 3255095 w 3255095"/>
+              <a:gd name="connsiteY5" fmla="*/ 0 h 18288"/>
+              <a:gd name="connsiteX6" fmla="*/ 3255095 w 3255095"/>
+              <a:gd name="connsiteY6" fmla="*/ 18288 h 18288"/>
+              <a:gd name="connsiteX7" fmla="*/ 2538974 w 3255095"/>
+              <a:gd name="connsiteY7" fmla="*/ 18288 h 18288"/>
+              <a:gd name="connsiteX8" fmla="*/ 1822853 w 3255095"/>
+              <a:gd name="connsiteY8" fmla="*/ 18288 h 18288"/>
+              <a:gd name="connsiteX9" fmla="*/ 1171834 w 3255095"/>
+              <a:gd name="connsiteY9" fmla="*/ 18288 h 18288"/>
+              <a:gd name="connsiteX10" fmla="*/ 0 w 3255095"/>
+              <a:gd name="connsiteY10" fmla="*/ 18288 h 18288"/>
+              <a:gd name="connsiteX11" fmla="*/ 0 w 3255095"/>
+              <a:gd name="connsiteY11" fmla="*/ 0 h 18288"/>
+            </a:gdLst>
+            <a:ahLst/>
+            <a:cxnLst>
+              <a:cxn ang="0">
+                <a:pos x="connsiteX0" y="connsiteY0"/>
+              </a:cxn>
+              <a:cxn ang="0">
+                <a:pos x="connsiteX1" y="connsiteY1"/>
+              </a:cxn>
+              <a:cxn ang="0">
+                <a:pos x="connsiteX2" y="connsiteY2"/>
+              </a:cxn>
+              <a:cxn ang="0">
+                <a:pos x="connsiteX3" y="connsiteY3"/>
+              </a:cxn>
+              <a:cxn ang="0">
+                <a:pos x="connsiteX4" y="connsiteY4"/>
+              </a:cxn>
+              <a:cxn ang="0">
+                <a:pos x="connsiteX5" y="connsiteY5"/>
+              </a:cxn>
+              <a:cxn ang="0">
+                <a:pos x="connsiteX6" y="connsiteY6"/>
+              </a:cxn>
+              <a:cxn ang="0">
+                <a:pos x="connsiteX7" y="connsiteY7"/>
+              </a:cxn>
+              <a:cxn ang="0">
+                <a:pos x="connsiteX8" y="connsiteY8"/>
+              </a:cxn>
+              <a:cxn ang="0">
+                <a:pos x="connsiteX9" y="connsiteY9"/>
+              </a:cxn>
+              <a:cxn ang="0">
+                <a:pos x="connsiteX10" y="connsiteY10"/>
+              </a:cxn>
+              <a:cxn ang="0">
+                <a:pos x="connsiteX11" y="connsiteY11"/>
+              </a:cxn>
+            </a:cxnLst>
+            <a:rect l="l" t="t" r="r" b="b"/>
+            <a:pathLst>
+              <a:path w="3255095" h="18288" fill="none" extrusionOk="0">
+                <a:moveTo>
+                  <a:pt x="0" y="0"/>
+                </a:moveTo>
+                <a:cubicBezTo>
+                  <a:pt x="240201" y="-22123"/>
+                  <a:pt x="462021" y="-19623"/>
+                  <a:pt x="618468" y="0"/>
+                </a:cubicBezTo>
+                <a:cubicBezTo>
+                  <a:pt x="774915" y="19623"/>
+                  <a:pt x="974734" y="2035"/>
+                  <a:pt x="1269487" y="0"/>
+                </a:cubicBezTo>
+                <a:cubicBezTo>
+                  <a:pt x="1564240" y="-2035"/>
+                  <a:pt x="1733579" y="10639"/>
+                  <a:pt x="1953057" y="0"/>
+                </a:cubicBezTo>
+                <a:cubicBezTo>
+                  <a:pt x="2172535" y="-10639"/>
+                  <a:pt x="2453962" y="14018"/>
+                  <a:pt x="2636627" y="0"/>
+                </a:cubicBezTo>
+                <a:cubicBezTo>
+                  <a:pt x="2819292" y="-14018"/>
+                  <a:pt x="3121375" y="5399"/>
+                  <a:pt x="3255095" y="0"/>
+                </a:cubicBezTo>
+                <a:cubicBezTo>
+                  <a:pt x="3254386" y="8157"/>
+                  <a:pt x="3254682" y="12125"/>
+                  <a:pt x="3255095" y="18288"/>
+                </a:cubicBezTo>
+                <a:cubicBezTo>
+                  <a:pt x="3088545" y="23203"/>
+                  <a:pt x="2687475" y="7419"/>
+                  <a:pt x="2538974" y="18288"/>
+                </a:cubicBezTo>
+                <a:cubicBezTo>
+                  <a:pt x="2390473" y="29157"/>
+                  <a:pt x="2137381" y="-8959"/>
+                  <a:pt x="1822853" y="18288"/>
+                </a:cubicBezTo>
+                <a:cubicBezTo>
+                  <a:pt x="1508325" y="45535"/>
+                  <a:pt x="1466437" y="20385"/>
+                  <a:pt x="1171834" y="18288"/>
+                </a:cubicBezTo>
+                <a:cubicBezTo>
+                  <a:pt x="877231" y="16191"/>
+                  <a:pt x="561097" y="37643"/>
+                  <a:pt x="0" y="18288"/>
+                </a:cubicBezTo>
+                <a:cubicBezTo>
+                  <a:pt x="-46" y="12483"/>
+                  <a:pt x="-203" y="6491"/>
+                  <a:pt x="0" y="0"/>
+                </a:cubicBezTo>
+                <a:close/>
+              </a:path>
+              <a:path w="3255095" h="18288" stroke="0" extrusionOk="0">
+                <a:moveTo>
+                  <a:pt x="0" y="0"/>
+                </a:moveTo>
+                <a:cubicBezTo>
+                  <a:pt x="291965" y="19429"/>
+                  <a:pt x="363155" y="8568"/>
+                  <a:pt x="618468" y="0"/>
+                </a:cubicBezTo>
+                <a:cubicBezTo>
+                  <a:pt x="873781" y="-8568"/>
+                  <a:pt x="904459" y="-19505"/>
+                  <a:pt x="1171834" y="0"/>
+                </a:cubicBezTo>
+                <a:cubicBezTo>
+                  <a:pt x="1439209" y="19505"/>
+                  <a:pt x="1744369" y="9790"/>
+                  <a:pt x="1887955" y="0"/>
+                </a:cubicBezTo>
+                <a:cubicBezTo>
+                  <a:pt x="2031541" y="-9790"/>
+                  <a:pt x="2346378" y="21240"/>
+                  <a:pt x="2506423" y="0"/>
+                </a:cubicBezTo>
+                <a:cubicBezTo>
+                  <a:pt x="2666468" y="-21240"/>
+                  <a:pt x="2990257" y="30414"/>
+                  <a:pt x="3255095" y="0"/>
+                </a:cubicBezTo>
+                <a:cubicBezTo>
+                  <a:pt x="3254831" y="4493"/>
+                  <a:pt x="3255479" y="9472"/>
+                  <a:pt x="3255095" y="18288"/>
+                </a:cubicBezTo>
+                <a:cubicBezTo>
+                  <a:pt x="3120743" y="16690"/>
+                  <a:pt x="2759628" y="42462"/>
+                  <a:pt x="2604076" y="18288"/>
+                </a:cubicBezTo>
+                <a:cubicBezTo>
+                  <a:pt x="2448524" y="-5886"/>
+                  <a:pt x="2184336" y="19599"/>
+                  <a:pt x="1887955" y="18288"/>
+                </a:cubicBezTo>
+                <a:cubicBezTo>
+                  <a:pt x="1591574" y="16977"/>
+                  <a:pt x="1548845" y="6870"/>
+                  <a:pt x="1334589" y="18288"/>
+                </a:cubicBezTo>
+                <a:cubicBezTo>
+                  <a:pt x="1120333" y="29706"/>
+                  <a:pt x="996014" y="9662"/>
+                  <a:pt x="683570" y="18288"/>
+                </a:cubicBezTo>
+                <a:cubicBezTo>
+                  <a:pt x="371126" y="26914"/>
+                  <a:pt x="198687" y="16167"/>
+                  <a:pt x="0" y="18288"/>
+                </a:cubicBezTo>
+                <a:cubicBezTo>
+                  <a:pt x="843" y="9577"/>
+                  <a:pt x="371" y="6900"/>
+                  <a:pt x="0" y="0"/>
+                </a:cubicBezTo>
+                <a:close/>
+              </a:path>
+            </a:pathLst>
+          </a:custGeom>
+          <a:solidFill>
+            <a:schemeClr val="accent2"/>
+          </a:solidFill>
+          <a:ln w="38100" cap="rnd">
+            <a:solidFill>
+              <a:schemeClr val="accent2"/>
+            </a:solidFill>
+            <a:round/>
+            <a:extLst>
+              <a:ext uri="{C807C97D-BFC1-408E-A445-0C87EB9F89A2}">
+                <ask:lineSketchStyleProps xmlns:ask="http://schemas.microsoft.com/office/drawing/2018/sketchyshapes" sd="1219033472">
+                  <a:prstGeom prst="rect">
+                    <a:avLst/>
+                  </a:prstGeom>
+                  <ask:type>
+                    <ask:lineSketchFreehand/>
+                  </ask:type>
+                </ask:lineSketchStyleProps>
+              </a:ext>
+            </a:extLst>
+          </a:ln>
+        </p:spPr>
+        <p:style>
+          <a:lnRef idx="2">
+            <a:schemeClr val="accent1">
+              <a:shade val="50000"/>
+            </a:schemeClr>
+          </a:lnRef>
+          <a:fillRef idx="1">
+            <a:schemeClr val="accent1"/>
+          </a:fillRef>
+          <a:effectRef idx="0">
+            <a:schemeClr val="accent1"/>
+          </a:effectRef>
+          <a:fontRef idx="minor">
+            <a:schemeClr val="lt1"/>
+          </a:fontRef>
+        </p:style>
         <p:txBody>
-          <a:bodyPr/>
+          <a:bodyPr rtlCol="0" anchor="ctr"/>
           <a:lstStyle/>
           <a:p>
+            <a:pPr algn="ctr"/>
             <a:endParaRPr lang="en-US"/>
           </a:p>
         </p:txBody>
       </p:sp>
+      <p:pic>
+        <p:nvPicPr>
+          <p:cNvPr id="5" name="صورة 4">
+            <a:extLst>
+              <a:ext uri="{FF2B5EF4-FFF2-40B4-BE49-F238E27FC236}">
+                <a16:creationId xmlns:a16="http://schemas.microsoft.com/office/drawing/2014/main" id="{E0E32C2E-88BB-5455-B6E2-3FAE51FEE8AF}"/>
+              </a:ext>
+            </a:extLst>
+          </p:cNvPr>
+          <p:cNvPicPr>
+            <a:picLocks noChangeAspect="1"/>
+          </p:cNvPicPr>
+          <p:nvPr/>
+        </p:nvPicPr>
+        <p:blipFill>
+          <a:blip r:embed="rId2"/>
+          <a:stretch>
+            <a:fillRect/>
+          </a:stretch>
+        </p:blipFill>
+        <p:spPr>
+          <a:xfrm>
+            <a:off x="5701937" y="281023"/>
+            <a:ext cx="5035732" cy="6374346"/>
+          </a:xfrm>
+          <a:prstGeom prst="rect">
+            <a:avLst/>
+          </a:prstGeom>
+        </p:spPr>
+      </p:pic>
     </p:spTree>
     <p:extLst>
       <p:ext uri="{BB962C8B-B14F-4D97-AF65-F5344CB8AC3E}">

--- a/California Housing Prices.pptx
+++ b/California Housing Prices.pptx
@@ -30,7 +30,8 @@
     <p:sldId id="281" r:id="rId24"/>
     <p:sldId id="280" r:id="rId25"/>
     <p:sldId id="282" r:id="rId26"/>
-    <p:sldId id="283" r:id="rId27"/>
+    <p:sldId id="284" r:id="rId27"/>
+    <p:sldId id="283" r:id="rId28"/>
   </p:sldIdLst>
   <p:sldSz cx="12192000" cy="6858000"/>
   <p:notesSz cx="6858000" cy="9144000"/>
@@ -17107,6 +17108,124 @@
           <p:cNvPr id="2" name="عنوان 1">
             <a:extLst>
               <a:ext uri="{FF2B5EF4-FFF2-40B4-BE49-F238E27FC236}">
+                <a16:creationId xmlns:a16="http://schemas.microsoft.com/office/drawing/2014/main" id="{17555020-2463-21BC-4606-47718EA0ADBD}"/>
+              </a:ext>
+            </a:extLst>
+          </p:cNvPr>
+          <p:cNvSpPr>
+            <a:spLocks noGrp="1"/>
+          </p:cNvSpPr>
+          <p:nvPr>
+            <p:ph type="title"/>
+          </p:nvPr>
+        </p:nvSpPr>
+        <p:spPr/>
+        <p:txBody>
+          <a:bodyPr/>
+          <a:lstStyle/>
+          <a:p>
+            <a:r>
+              <a:rPr lang="en-US" dirty="0"/>
+              <a:t>Actual vs Predicted</a:t>
+            </a:r>
+          </a:p>
+        </p:txBody>
+      </p:sp>
+      <p:pic>
+        <p:nvPicPr>
+          <p:cNvPr id="7" name="صورة 6">
+            <a:extLst>
+              <a:ext uri="{FF2B5EF4-FFF2-40B4-BE49-F238E27FC236}">
+                <a16:creationId xmlns:a16="http://schemas.microsoft.com/office/drawing/2014/main" id="{66875EFE-F8AD-A40D-6169-F737DB9F2372}"/>
+              </a:ext>
+            </a:extLst>
+          </p:cNvPr>
+          <p:cNvPicPr>
+            <a:picLocks noChangeAspect="1"/>
+          </p:cNvPicPr>
+          <p:nvPr/>
+        </p:nvPicPr>
+        <p:blipFill>
+          <a:blip r:embed="rId2"/>
+          <a:stretch>
+            <a:fillRect/>
+          </a:stretch>
+        </p:blipFill>
+        <p:spPr>
+          <a:xfrm>
+            <a:off x="838200" y="2565174"/>
+            <a:ext cx="4857206" cy="3471217"/>
+          </a:xfrm>
+          <a:prstGeom prst="rect">
+            <a:avLst/>
+          </a:prstGeom>
+        </p:spPr>
+      </p:pic>
+      <p:pic>
+        <p:nvPicPr>
+          <p:cNvPr id="9" name="صورة 8">
+            <a:extLst>
+              <a:ext uri="{FF2B5EF4-FFF2-40B4-BE49-F238E27FC236}">
+                <a16:creationId xmlns:a16="http://schemas.microsoft.com/office/drawing/2014/main" id="{3D8840B2-A412-75F2-32BB-9DB74D791ACF}"/>
+              </a:ext>
+            </a:extLst>
+          </p:cNvPr>
+          <p:cNvPicPr>
+            <a:picLocks noChangeAspect="1"/>
+          </p:cNvPicPr>
+          <p:nvPr/>
+        </p:nvPicPr>
+        <p:blipFill>
+          <a:blip r:embed="rId3"/>
+          <a:stretch>
+            <a:fillRect/>
+          </a:stretch>
+        </p:blipFill>
+        <p:spPr>
+          <a:xfrm>
+            <a:off x="6096000" y="2565174"/>
+            <a:ext cx="4802641" cy="3432222"/>
+          </a:xfrm>
+          <a:prstGeom prst="rect">
+            <a:avLst/>
+          </a:prstGeom>
+        </p:spPr>
+      </p:pic>
+    </p:spTree>
+    <p:extLst>
+      <p:ext uri="{BB962C8B-B14F-4D97-AF65-F5344CB8AC3E}">
+        <p14:creationId xmlns:p14="http://schemas.microsoft.com/office/powerpoint/2010/main" val="2834327412"/>
+      </p:ext>
+    </p:extLst>
+  </p:cSld>
+  <p:clrMapOvr>
+    <a:masterClrMapping/>
+  </p:clrMapOvr>
+</p:sld>
+</file>
+
+<file path=ppt/slides/slide27.xml><?xml version="1.0" encoding="utf-8"?>
+<p:sld xmlns:a="http://schemas.openxmlformats.org/drawingml/2006/main" xmlns:r="http://schemas.openxmlformats.org/officeDocument/2006/relationships" xmlns:p="http://schemas.openxmlformats.org/presentationml/2006/main">
+  <p:cSld>
+    <p:spTree>
+      <p:nvGrpSpPr>
+        <p:cNvPr id="1" name=""/>
+        <p:cNvGrpSpPr/>
+        <p:nvPr/>
+      </p:nvGrpSpPr>
+      <p:grpSpPr>
+        <a:xfrm>
+          <a:off x="0" y="0"/>
+          <a:ext cx="0" cy="0"/>
+          <a:chOff x="0" y="0"/>
+          <a:chExt cx="0" cy="0"/>
+        </a:xfrm>
+      </p:grpSpPr>
+      <p:sp>
+        <p:nvSpPr>
+          <p:cNvPr id="2" name="عنوان 1">
+            <a:extLst>
+              <a:ext uri="{FF2B5EF4-FFF2-40B4-BE49-F238E27FC236}">
                 <a16:creationId xmlns:a16="http://schemas.microsoft.com/office/drawing/2014/main" id="{DD5D75CA-8492-7A4E-BE40-D9D38B123FC0}"/>
               </a:ext>
             </a:extLst>

--- a/California Housing Prices.pptx
+++ b/California Housing Prices.pptx
@@ -21,17 +21,20 @@
     <p:sldId id="269" r:id="rId15"/>
     <p:sldId id="272" r:id="rId16"/>
     <p:sldId id="273" r:id="rId17"/>
-    <p:sldId id="274" r:id="rId18"/>
-    <p:sldId id="275" r:id="rId19"/>
-    <p:sldId id="276" r:id="rId20"/>
-    <p:sldId id="277" r:id="rId21"/>
-    <p:sldId id="278" r:id="rId22"/>
-    <p:sldId id="279" r:id="rId23"/>
-    <p:sldId id="281" r:id="rId24"/>
-    <p:sldId id="280" r:id="rId25"/>
-    <p:sldId id="282" r:id="rId26"/>
-    <p:sldId id="284" r:id="rId27"/>
-    <p:sldId id="283" r:id="rId28"/>
+    <p:sldId id="285" r:id="rId18"/>
+    <p:sldId id="274" r:id="rId19"/>
+    <p:sldId id="286" r:id="rId20"/>
+    <p:sldId id="287" r:id="rId21"/>
+    <p:sldId id="275" r:id="rId22"/>
+    <p:sldId id="276" r:id="rId23"/>
+    <p:sldId id="277" r:id="rId24"/>
+    <p:sldId id="278" r:id="rId25"/>
+    <p:sldId id="279" r:id="rId26"/>
+    <p:sldId id="281" r:id="rId27"/>
+    <p:sldId id="280" r:id="rId28"/>
+    <p:sldId id="282" r:id="rId29"/>
+    <p:sldId id="284" r:id="rId30"/>
+    <p:sldId id="283" r:id="rId31"/>
   </p:sldIdLst>
   <p:sldSz cx="12192000" cy="6858000"/>
   <p:notesSz cx="6858000" cy="9144000"/>
@@ -136,6 +139,32 @@
     </p:ext>
   </p:extLst>
 </p:presentation>
+</file>
+
+<file path=ppt/commentAuthors.xml><?xml version="1.0" encoding="utf-8"?>
+<p:cmAuthorLst xmlns:a="http://schemas.openxmlformats.org/drawingml/2006/main" xmlns:r="http://schemas.openxmlformats.org/officeDocument/2006/relationships" xmlns:p="http://schemas.openxmlformats.org/presentationml/2006/main">
+  <p:cmAuthor id="1" name="moneera aldossari" initials="ma" lastIdx="1" clrIdx="0">
+    <p:extLst>
+      <p:ext uri="{19B8F6BF-5375-455C-9EA6-DF929625EA0E}">
+        <p15:presenceInfo xmlns:p15="http://schemas.microsoft.com/office/powerpoint/2012/main" userId="70ebde32d183b5c3" providerId="Windows Live"/>
+      </p:ext>
+    </p:extLst>
+  </p:cmAuthor>
+</p:cmAuthorLst>
+</file>
+
+<file path=ppt/comments/comment1.xml><?xml version="1.0" encoding="utf-8"?>
+<p:cmLst xmlns:a="http://schemas.openxmlformats.org/drawingml/2006/main" xmlns:r="http://schemas.openxmlformats.org/officeDocument/2006/relationships" xmlns:p="http://schemas.openxmlformats.org/presentationml/2006/main">
+  <p:cm authorId="1" dt="2022-11-30T09:08:35.790" idx="1">
+    <p:pos x="3616" y="408"/>
+    <p:text/>
+    <p:extLst>
+      <p:ext uri="{C676402C-5697-4E1C-873F-D02D1690AC5C}">
+        <p15:threadingInfo xmlns:p15="http://schemas.microsoft.com/office/powerpoint/2012/main" timeZoneBias="-180"/>
+      </p:ext>
+    </p:extLst>
+  </p:cm>
+</p:cmLst>
 </file>
 
 <file path=ppt/diagrams/colors1.xml><?xml version="1.0" encoding="utf-8"?>
@@ -2004,10 +2033,10 @@
   </dgm:ptLst>
   <dgm:cxnLst>
     <dgm:cxn modelId="{9F426538-D00C-42DE-8022-6A1B63C5612C}" type="presOf" srcId="{5434FA0E-32EA-4504-BED2-36A565F33C61}" destId="{6BFCA3E7-1584-4EEE-9A6F-93DA91FC27ED}" srcOrd="0" destOrd="0" presId="urn:microsoft.com/office/officeart/2008/layout/IncreasingCircleProcess"/>
+    <dgm:cxn modelId="{0D3EFF42-C45E-4667-B026-D06825AAE4AC}" type="presOf" srcId="{77C52B94-85AB-4B71-9281-1E5D127DB592}" destId="{24D34025-503E-4F67-A3C7-6CD7AC820585}" srcOrd="0" destOrd="0" presId="urn:microsoft.com/office/officeart/2008/layout/IncreasingCircleProcess"/>
     <dgm:cxn modelId="{11F3B65C-C110-4B26-B0AA-70217803E151}" type="presOf" srcId="{196C2F0C-48ED-4CD8-AE37-0C2BDAF5A175}" destId="{C1F58402-0C5F-4D3A-A779-395C6FCB4A28}" srcOrd="0" destOrd="0" presId="urn:microsoft.com/office/officeart/2008/layout/IncreasingCircleProcess"/>
     <dgm:cxn modelId="{8EE2AB5F-D017-4044-9134-D17C2ED6BB3E}" srcId="{003700CD-847A-431A-A53A-FF13AD133BA6}" destId="{EF620143-7BF3-4ABD-8073-04785AE0622E}" srcOrd="0" destOrd="0" parTransId="{4A382EF8-6100-4543-B2F4-7DE7EE06981A}" sibTransId="{C457C228-8973-4595-9190-AAFA5BB02BE2}"/>
     <dgm:cxn modelId="{EC9E9161-EA26-46B9-9A4F-003B412AF5C0}" type="presOf" srcId="{EF620143-7BF3-4ABD-8073-04785AE0622E}" destId="{924FA416-BBA6-408A-AE3B-532B79F2DDD5}" srcOrd="0" destOrd="0" presId="urn:microsoft.com/office/officeart/2008/layout/IncreasingCircleProcess"/>
-    <dgm:cxn modelId="{0D3EFF42-C45E-4667-B026-D06825AAE4AC}" type="presOf" srcId="{77C52B94-85AB-4B71-9281-1E5D127DB592}" destId="{24D34025-503E-4F67-A3C7-6CD7AC820585}" srcOrd="0" destOrd="0" presId="urn:microsoft.com/office/officeart/2008/layout/IncreasingCircleProcess"/>
     <dgm:cxn modelId="{A3BA067B-6165-4C6D-92B9-CE752D7B2BC3}" type="presOf" srcId="{75B43C5D-04BB-419B-8A37-52FCC7973686}" destId="{9EB63B9D-DCE3-44B0-9B89-F2307C274220}" srcOrd="0" destOrd="0" presId="urn:microsoft.com/office/officeart/2008/layout/IncreasingCircleProcess"/>
     <dgm:cxn modelId="{FB9E8885-6EA2-4045-9F3B-F2A4938125C6}" srcId="{5434FA0E-32EA-4504-BED2-36A565F33C61}" destId="{196C2F0C-48ED-4CD8-AE37-0C2BDAF5A175}" srcOrd="0" destOrd="0" parTransId="{E45135B7-CC98-4043-B344-DB4B7D6C2FDB}" sibTransId="{F87758CC-9DB8-4D96-BAD6-61653E1BC79C}"/>
     <dgm:cxn modelId="{3E00EB8A-64C7-4D9E-AC2C-821399170952}" type="presOf" srcId="{003700CD-847A-431A-A53A-FF13AD133BA6}" destId="{56E75360-A0F7-43D4-9611-1EF75A2A47BC}" srcOrd="0" destOrd="0" presId="urn:microsoft.com/office/officeart/2008/layout/IncreasingCircleProcess"/>
@@ -5965,7 +5994,7 @@
           <a:p>
             <a:fld id="{A9290C59-5DE1-4EB1-B975-5871D58E6995}" type="datetimeFigureOut">
               <a:rPr lang="en-US" smtClean="0"/>
-              <a:t>11/30/2022</a:t>
+              <a:t>11/30/22</a:t>
             </a:fld>
             <a:endParaRPr lang="en-US"/>
           </a:p>
@@ -6163,7 +6192,7 @@
           <a:p>
             <a:fld id="{A9290C59-5DE1-4EB1-B975-5871D58E6995}" type="datetimeFigureOut">
               <a:rPr lang="en-US" smtClean="0"/>
-              <a:t>11/30/2022</a:t>
+              <a:t>11/30/22</a:t>
             </a:fld>
             <a:endParaRPr lang="en-US"/>
           </a:p>
@@ -6371,7 +6400,7 @@
           <a:p>
             <a:fld id="{A9290C59-5DE1-4EB1-B975-5871D58E6995}" type="datetimeFigureOut">
               <a:rPr lang="en-US" smtClean="0"/>
-              <a:t>11/30/2022</a:t>
+              <a:t>11/30/22</a:t>
             </a:fld>
             <a:endParaRPr lang="en-US"/>
           </a:p>
@@ -6569,7 +6598,7 @@
           <a:p>
             <a:fld id="{A9290C59-5DE1-4EB1-B975-5871D58E6995}" type="datetimeFigureOut">
               <a:rPr lang="en-US" smtClean="0"/>
-              <a:t>11/30/2022</a:t>
+              <a:t>11/30/22</a:t>
             </a:fld>
             <a:endParaRPr lang="en-US"/>
           </a:p>
@@ -6844,7 +6873,7 @@
           <a:p>
             <a:fld id="{A9290C59-5DE1-4EB1-B975-5871D58E6995}" type="datetimeFigureOut">
               <a:rPr lang="en-US" smtClean="0"/>
-              <a:t>11/30/2022</a:t>
+              <a:t>11/30/22</a:t>
             </a:fld>
             <a:endParaRPr lang="en-US"/>
           </a:p>
@@ -7109,7 +7138,7 @@
           <a:p>
             <a:fld id="{A9290C59-5DE1-4EB1-B975-5871D58E6995}" type="datetimeFigureOut">
               <a:rPr lang="en-US" smtClean="0"/>
-              <a:t>11/30/2022</a:t>
+              <a:t>11/30/22</a:t>
             </a:fld>
             <a:endParaRPr lang="en-US"/>
           </a:p>
@@ -7521,7 +7550,7 @@
           <a:p>
             <a:fld id="{A9290C59-5DE1-4EB1-B975-5871D58E6995}" type="datetimeFigureOut">
               <a:rPr lang="en-US" smtClean="0"/>
-              <a:t>11/30/2022</a:t>
+              <a:t>11/30/22</a:t>
             </a:fld>
             <a:endParaRPr lang="en-US"/>
           </a:p>
@@ -7662,7 +7691,7 @@
           <a:p>
             <a:fld id="{A9290C59-5DE1-4EB1-B975-5871D58E6995}" type="datetimeFigureOut">
               <a:rPr lang="en-US" smtClean="0"/>
-              <a:t>11/30/2022</a:t>
+              <a:t>11/30/22</a:t>
             </a:fld>
             <a:endParaRPr lang="en-US"/>
           </a:p>
@@ -7775,7 +7804,7 @@
           <a:p>
             <a:fld id="{A9290C59-5DE1-4EB1-B975-5871D58E6995}" type="datetimeFigureOut">
               <a:rPr lang="en-US" smtClean="0"/>
-              <a:t>11/30/2022</a:t>
+              <a:t>11/30/22</a:t>
             </a:fld>
             <a:endParaRPr lang="en-US"/>
           </a:p>
@@ -8086,7 +8115,7 @@
           <a:p>
             <a:fld id="{A9290C59-5DE1-4EB1-B975-5871D58E6995}" type="datetimeFigureOut">
               <a:rPr lang="en-US" smtClean="0"/>
-              <a:t>11/30/2022</a:t>
+              <a:t>11/30/22</a:t>
             </a:fld>
             <a:endParaRPr lang="en-US"/>
           </a:p>
@@ -8374,7 +8403,7 @@
           <a:p>
             <a:fld id="{A9290C59-5DE1-4EB1-B975-5871D58E6995}" type="datetimeFigureOut">
               <a:rPr lang="en-US" smtClean="0"/>
-              <a:t>11/30/2022</a:t>
+              <a:t>11/30/22</a:t>
             </a:fld>
             <a:endParaRPr lang="en-US"/>
           </a:p>
@@ -8615,7 +8644,7 @@
           <a:p>
             <a:fld id="{A9290C59-5DE1-4EB1-B975-5871D58E6995}" type="datetimeFigureOut">
               <a:rPr lang="en-US" smtClean="0"/>
-              <a:t>11/30/2022</a:t>
+              <a:t>11/30/22</a:t>
             </a:fld>
             <a:endParaRPr lang="en-US"/>
           </a:p>
@@ -13011,8 +13040,8 @@
           <a:lstStyle/>
           <a:p>
             <a:r>
-              <a:rPr lang="en-US" sz="5400"/>
-              <a:t>XGBRegressor</a:t>
+              <a:rPr lang="en-US" sz="5400" dirty="0"/>
+              <a:t>Linear Regression</a:t>
             </a:r>
           </a:p>
         </p:txBody>
@@ -13688,7 +13717,7 @@
             </a:pPr>
             <a:r>
               <a:rPr lang="en-US" sz="2200" dirty="0"/>
-              <a:t>Trained and fit the model with default hyperparameters</a:t>
+              <a:t>Trained and fit the model with default parameters</a:t>
             </a:r>
           </a:p>
           <a:p>
@@ -13701,112 +13730,47 @@
               <a:rPr lang="en-US" sz="2200" b="0" i="0" dirty="0">
                 <a:effectLst/>
               </a:rPr>
-              <a:t>49.0087</a:t>
-            </a:r>
-          </a:p>
-          <a:p>
-            <a:pPr marL="514350" indent="-514350">
-              <a:buFont typeface="+mj-lt"/>
-              <a:buAutoNum type="arabicPeriod"/>
-            </a:pPr>
-            <a:r>
-              <a:rPr lang="en-US" sz="2200" dirty="0"/>
-              <a:t>Performed random search and got the following best parameters:</a:t>
-            </a:r>
-          </a:p>
-          <a:p>
-            <a:pPr lvl="1"/>
-            <a:r>
-              <a:rPr lang="en-US" sz="1600" b="0" i="0" dirty="0">
-                <a:solidFill>
-                  <a:schemeClr val="accent2"/>
-                </a:solidFill>
-                <a:effectLst/>
-                <a:latin typeface="Consolas" panose="020B0609020204030204" pitchFamily="49" charset="0"/>
-              </a:rPr>
-              <a:t>{'</a:t>
-            </a:r>
-            <a:r>
-              <a:rPr lang="en-US" sz="1600" b="0" i="0" dirty="0" err="1">
-                <a:solidFill>
-                  <a:schemeClr val="accent2"/>
-                </a:solidFill>
-                <a:effectLst/>
-                <a:latin typeface="Consolas" panose="020B0609020204030204" pitchFamily="49" charset="0"/>
-              </a:rPr>
-              <a:t>n_estimator</a:t>
-            </a:r>
-            <a:r>
-              <a:rPr lang="en-US" sz="1600" b="0" i="0" dirty="0">
-                <a:solidFill>
-                  <a:schemeClr val="accent2"/>
-                </a:solidFill>
-                <a:effectLst/>
-                <a:latin typeface="Consolas" panose="020B0609020204030204" pitchFamily="49" charset="0"/>
-              </a:rPr>
-              <a:t>': 3, '</a:t>
-            </a:r>
-            <a:r>
-              <a:rPr lang="en-US" sz="1600" b="0" i="0" dirty="0" err="1">
-                <a:solidFill>
-                  <a:schemeClr val="accent2"/>
-                </a:solidFill>
-                <a:effectLst/>
-                <a:latin typeface="Consolas" panose="020B0609020204030204" pitchFamily="49" charset="0"/>
-              </a:rPr>
-              <a:t>max_depth</a:t>
-            </a:r>
-            <a:r>
-              <a:rPr lang="en-US" sz="1600" b="0" i="0" dirty="0">
-                <a:solidFill>
-                  <a:schemeClr val="accent2"/>
-                </a:solidFill>
-                <a:effectLst/>
-                <a:latin typeface="Consolas" panose="020B0609020204030204" pitchFamily="49" charset="0"/>
-              </a:rPr>
-              <a:t>': 7, 'eta': 0.1}</a:t>
-            </a:r>
-          </a:p>
-          <a:p>
-            <a:pPr marL="514350" indent="-514350">
-              <a:buFont typeface="+mj-lt"/>
-              <a:buAutoNum type="arabicPeriod"/>
-            </a:pPr>
-            <a:r>
-              <a:rPr lang="en-US" sz="2200" b="0" i="0" dirty="0">
-                <a:effectLst/>
-              </a:rPr>
-              <a:t>Used best parameters</a:t>
-            </a:r>
-          </a:p>
-          <a:p>
-            <a:pPr lvl="1"/>
-            <a:r>
-              <a:rPr lang="en-US" sz="2200" dirty="0"/>
-              <a:t>Got RMSE of </a:t>
-            </a:r>
-            <a:r>
-              <a:rPr lang="en-US" sz="2200" b="0" i="0" dirty="0">
-                <a:effectLst/>
-              </a:rPr>
-              <a:t>325.9228</a:t>
-            </a:r>
-            <a:endParaRPr lang="en-US" sz="2200" dirty="0"/>
-          </a:p>
-          <a:p>
-            <a:pPr marL="514350" indent="-514350">
-              <a:buFont typeface="+mj-lt"/>
-              <a:buAutoNum type="arabicPeriod"/>
-            </a:pPr>
-            <a:r>
-              <a:rPr lang="en-US" sz="2200" b="0" i="0" dirty="0">
-                <a:effectLst/>
-              </a:rPr>
-              <a:t>Performed grid search and got the same parameters</a:t>
+              <a:t>0.309</a:t>
             </a:r>
           </a:p>
         </p:txBody>
       </p:sp>
+      <p:pic>
+        <p:nvPicPr>
+          <p:cNvPr id="7" name="Picture 6">
+            <a:extLst>
+              <a:ext uri="{FF2B5EF4-FFF2-40B4-BE49-F238E27FC236}">
+                <a16:creationId xmlns:a16="http://schemas.microsoft.com/office/drawing/2014/main" id="{11641850-59F6-0AA7-09E3-1051E92A6853}"/>
+              </a:ext>
+            </a:extLst>
+          </p:cNvPr>
+          <p:cNvPicPr>
+            <a:picLocks noChangeAspect="1"/>
+          </p:cNvPicPr>
+          <p:nvPr/>
+        </p:nvPicPr>
+        <p:blipFill>
+          <a:blip r:embed="rId2">
+            <a:extLst>
+              <a:ext uri="{28A0092B-C50C-407E-A947-70E740481C1C}">
+                <a14:useLocalDpi xmlns:a14="http://schemas.microsoft.com/office/drawing/2010/main" val="0"/>
+              </a:ext>
+            </a:extLst>
+          </a:blip>
+          <a:stretch>
+            <a:fillRect/>
+          </a:stretch>
+        </p:blipFill>
+        <p:spPr>
+          <a:xfrm>
+            <a:off x="2981119" y="3002936"/>
+            <a:ext cx="4987224" cy="3430772"/>
+          </a:xfrm>
+          <a:prstGeom prst="rect">
+            <a:avLst/>
+          </a:prstGeom>
+        </p:spPr>
+      </p:pic>
     </p:spTree>
     <p:extLst>
       <p:ext uri="{BB962C8B-B14F-4D97-AF65-F5344CB8AC3E}">
@@ -13821,192 +13785,6 @@
 </file>
 
 <file path=ppt/slides/slide17.xml><?xml version="1.0" encoding="utf-8"?>
-<p:sld xmlns:a="http://schemas.openxmlformats.org/drawingml/2006/main" xmlns:r="http://schemas.openxmlformats.org/officeDocument/2006/relationships" xmlns:p="http://schemas.openxmlformats.org/presentationml/2006/main">
-  <p:cSld>
-    <p:bg>
-      <p:bgPr>
-        <a:solidFill>
-          <a:schemeClr val="bg1"/>
-        </a:solidFill>
-        <a:effectLst/>
-      </p:bgPr>
-    </p:bg>
-    <p:spTree>
-      <p:nvGrpSpPr>
-        <p:cNvPr id="1" name=""/>
-        <p:cNvGrpSpPr/>
-        <p:nvPr/>
-      </p:nvGrpSpPr>
-      <p:grpSpPr>
-        <a:xfrm>
-          <a:off x="0" y="0"/>
-          <a:ext cx="0" cy="0"/>
-          <a:chOff x="0" y="0"/>
-          <a:chExt cx="0" cy="0"/>
-        </a:xfrm>
-      </p:grpSpPr>
-      <p:sp>
-        <p:nvSpPr>
-          <p:cNvPr id="10" name="Down Arrow 7">
-            <a:extLst>
-              <a:ext uri="{FF2B5EF4-FFF2-40B4-BE49-F238E27FC236}">
-                <a16:creationId xmlns:a16="http://schemas.microsoft.com/office/drawing/2014/main" id="{D4771268-CB57-404A-9271-370EB28F6090}"/>
-              </a:ext>
-              <a:ext uri="{C183D7F6-B498-43B3-948B-1728B52AA6E4}">
-                <adec:decorative xmlns:adec="http://schemas.microsoft.com/office/drawing/2017/decorative" val="1"/>
-              </a:ext>
-            </a:extLst>
-          </p:cNvPr>
-          <p:cNvSpPr>
-            <a:spLocks noGrp="1" noRot="1" noChangeAspect="1" noMove="1" noResize="1" noEditPoints="1" noAdjustHandles="1" noChangeArrowheads="1" noChangeShapeType="1" noTextEdit="1"/>
-          </p:cNvSpPr>
-          <p:nvPr>
-            <p:extLst>
-              <p:ext uri="{386F3935-93C4-4BCD-93E2-E3B085C9AB24}">
-                <p16:designElem xmlns:p16="http://schemas.microsoft.com/office/powerpoint/2015/main" val="1"/>
-              </p:ext>
-            </p:extLst>
-          </p:nvPr>
-        </p:nvSpPr>
-        <p:spPr>
-          <a:xfrm rot="16200000">
-            <a:off x="800100" y="1491343"/>
-            <a:ext cx="3333749" cy="3499103"/>
-          </a:xfrm>
-          <a:prstGeom prst="downArrow">
-            <a:avLst>
-              <a:gd name="adj1" fmla="val 100000"/>
-              <a:gd name="adj2" fmla="val 15788"/>
-            </a:avLst>
-          </a:prstGeom>
-          <a:solidFill>
-            <a:srgbClr val="404040"/>
-          </a:solidFill>
-          <a:ln w="53975">
-            <a:noFill/>
-          </a:ln>
-        </p:spPr>
-        <p:style>
-          <a:lnRef idx="2">
-            <a:schemeClr val="accent1">
-              <a:shade val="50000"/>
-            </a:schemeClr>
-          </a:lnRef>
-          <a:fillRef idx="1">
-            <a:schemeClr val="accent1"/>
-          </a:fillRef>
-          <a:effectRef idx="0">
-            <a:schemeClr val="accent1"/>
-          </a:effectRef>
-          <a:fontRef idx="minor">
-            <a:schemeClr val="lt1"/>
-          </a:fontRef>
-        </p:style>
-        <p:txBody>
-          <a:bodyPr rtlCol="0" anchor="ctr"/>
-          <a:lstStyle/>
-          <a:p>
-            <a:pPr algn="ctr"/>
-            <a:endParaRPr lang="en-US"/>
-          </a:p>
-        </p:txBody>
-      </p:sp>
-      <p:sp>
-        <p:nvSpPr>
-          <p:cNvPr id="2" name="Title 1">
-            <a:extLst>
-              <a:ext uri="{FF2B5EF4-FFF2-40B4-BE49-F238E27FC236}">
-                <a16:creationId xmlns:a16="http://schemas.microsoft.com/office/drawing/2014/main" id="{4FB8DE5B-C758-83FE-98A3-9BABF9C2AA13}"/>
-              </a:ext>
-            </a:extLst>
-          </p:cNvPr>
-          <p:cNvSpPr>
-            <a:spLocks noGrp="1"/>
-          </p:cNvSpPr>
-          <p:nvPr>
-            <p:ph type="title"/>
-          </p:nvPr>
-        </p:nvSpPr>
-        <p:spPr>
-          <a:xfrm>
-            <a:off x="1028700" y="1967266"/>
-            <a:ext cx="2628900" cy="2547257"/>
-          </a:xfrm>
-          <a:noFill/>
-        </p:spPr>
-        <p:txBody>
-          <a:bodyPr vert="horz" lIns="91440" tIns="45720" rIns="91440" bIns="45720" rtlCol="0" anchor="ctr">
-            <a:normAutofit/>
-          </a:bodyPr>
-          <a:lstStyle/>
-          <a:p>
-            <a:pPr algn="ctr"/>
-            <a:r>
-              <a:rPr lang="en-US" sz="3300" kern="1200">
-                <a:solidFill>
-                  <a:srgbClr val="FFFFFF"/>
-                </a:solidFill>
-                <a:latin typeface="+mj-lt"/>
-                <a:ea typeface="+mj-ea"/>
-                <a:cs typeface="+mj-cs"/>
-              </a:rPr>
-              <a:t>XGBRegressor</a:t>
-            </a:r>
-          </a:p>
-        </p:txBody>
-      </p:sp>
-      <p:pic>
-        <p:nvPicPr>
-          <p:cNvPr id="5" name="Content Placeholder 4" descr="Chart, line chart&#10;&#10;Description automatically generated">
-            <a:extLst>
-              <a:ext uri="{FF2B5EF4-FFF2-40B4-BE49-F238E27FC236}">
-                <a16:creationId xmlns:a16="http://schemas.microsoft.com/office/drawing/2014/main" id="{D3DCD492-F41F-3118-6F79-DD2FE5CE9151}"/>
-              </a:ext>
-            </a:extLst>
-          </p:cNvPr>
-          <p:cNvPicPr>
-            <a:picLocks noGrp="1" noChangeAspect="1"/>
-          </p:cNvPicPr>
-          <p:nvPr>
-            <p:ph idx="1"/>
-          </p:nvPr>
-        </p:nvPicPr>
-        <p:blipFill>
-          <a:blip r:embed="rId2">
-            <a:extLst>
-              <a:ext uri="{28A0092B-C50C-407E-A947-70E740481C1C}">
-                <a14:useLocalDpi xmlns:a14="http://schemas.microsoft.com/office/drawing/2010/main" val="0"/>
-              </a:ext>
-            </a:extLst>
-          </a:blip>
-          <a:stretch>
-            <a:fillRect/>
-          </a:stretch>
-        </p:blipFill>
-        <p:spPr>
-          <a:xfrm>
-            <a:off x="5390257" y="643466"/>
-            <a:ext cx="5554817" cy="5568739"/>
-          </a:xfrm>
-          <a:prstGeom prst="rect">
-            <a:avLst/>
-          </a:prstGeom>
-        </p:spPr>
-      </p:pic>
-    </p:spTree>
-    <p:extLst>
-      <p:ext uri="{BB962C8B-B14F-4D97-AF65-F5344CB8AC3E}">
-        <p14:creationId xmlns:p14="http://schemas.microsoft.com/office/powerpoint/2010/main" val="3384352534"/>
-      </p:ext>
-    </p:extLst>
-  </p:cSld>
-  <p:clrMapOvr>
-    <a:masterClrMapping/>
-  </p:clrMapOvr>
-</p:sld>
-</file>
-
-<file path=ppt/slides/slide18.xml><?xml version="1.0" encoding="utf-8"?>
 <p:sld xmlns:a="http://schemas.openxmlformats.org/drawingml/2006/main" xmlns:r="http://schemas.openxmlformats.org/officeDocument/2006/relationships" xmlns:p="http://schemas.openxmlformats.org/presentationml/2006/main">
   <p:cSld>
     <p:bg>
@@ -14121,7 +13899,7 @@
           <a:p>
             <a:r>
               <a:rPr lang="en-US" sz="5400" dirty="0"/>
-              <a:t>Random Forest Regressor </a:t>
+              <a:t>Decision Tree</a:t>
             </a:r>
           </a:p>
         </p:txBody>
@@ -14783,12 +14561,12 @@
         <p:spPr>
           <a:xfrm>
             <a:off x="838200" y="1929384"/>
-            <a:ext cx="10515600" cy="4928616"/>
+            <a:ext cx="10515600" cy="4251960"/>
           </a:xfrm>
         </p:spPr>
         <p:txBody>
           <a:bodyPr>
-            <a:noAutofit/>
+            <a:normAutofit/>
           </a:bodyPr>
           <a:lstStyle/>
           <a:p>
@@ -14810,11 +14588,11 @@
               <a:rPr lang="en-US" sz="2200" b="0" i="0" dirty="0">
                 <a:effectLst/>
               </a:rPr>
-              <a:t>50.3976</a:t>
-            </a:r>
-          </a:p>
-          <a:p>
-            <a:pPr marL="514350" indent="-514350">
+              <a:t>0.324</a:t>
+            </a:r>
+          </a:p>
+          <a:p>
+            <a:pPr marL="457200" indent="-457200">
               <a:buFont typeface="+mj-lt"/>
               <a:buAutoNum type="arabicPeriod"/>
             </a:pPr>
@@ -14843,7 +14621,7 @@
                 <a:effectLst/>
                 <a:latin typeface="Consolas" panose="020B0609020204030204" pitchFamily="49" charset="0"/>
               </a:rPr>
-              <a:t>n_estimators</a:t>
+              <a:t>min_samples_split</a:t>
             </a:r>
             <a:r>
               <a:rPr lang="en-US" sz="1600" b="0" i="0" dirty="0">
@@ -14853,27 +14631,7 @@
                 <a:effectLst/>
                 <a:latin typeface="Consolas" panose="020B0609020204030204" pitchFamily="49" charset="0"/>
               </a:rPr>
-              <a:t>’: 100, '</a:t>
-            </a:r>
-            <a:r>
-              <a:rPr lang="en-US" sz="1600" b="0" i="0" dirty="0" err="1">
-                <a:solidFill>
-                  <a:schemeClr val="accent2"/>
-                </a:solidFill>
-                <a:effectLst/>
-                <a:latin typeface="Consolas" panose="020B0609020204030204" pitchFamily="49" charset="0"/>
-              </a:rPr>
-              <a:t>min_samples_split</a:t>
-            </a:r>
-            <a:r>
-              <a:rPr lang="en-US" sz="1600" b="0" i="0" dirty="0">
-                <a:solidFill>
-                  <a:schemeClr val="accent2"/>
-                </a:solidFill>
-                <a:effectLst/>
-                <a:latin typeface="Consolas" panose="020B0609020204030204" pitchFamily="49" charset="0"/>
-              </a:rPr>
-              <a:t>': 5, '</a:t>
+              <a:t>': 9, '</a:t>
             </a:r>
             <a:r>
               <a:rPr lang="en-US" sz="1600" b="0" i="0" dirty="0" err="1">
@@ -14893,7 +14651,7 @@
                 <a:effectLst/>
                 <a:latin typeface="Consolas" panose="020B0609020204030204" pitchFamily="49" charset="0"/>
               </a:rPr>
-              <a:t>': 2, '</a:t>
+              <a:t>': 3, '</a:t>
             </a:r>
             <a:r>
               <a:rPr lang="en-US" sz="1600" b="0" i="0" dirty="0" err="1">
@@ -14913,7 +14671,7 @@
                 <a:effectLst/>
                 <a:latin typeface="Consolas" panose="020B0609020204030204" pitchFamily="49" charset="0"/>
               </a:rPr>
-              <a:t>': ‘sqrt', '</a:t>
+              <a:t>': 'auto', '</a:t>
             </a:r>
             <a:r>
               <a:rPr lang="en-US" sz="1600" b="0" i="0" dirty="0" err="1">
@@ -14933,58 +14691,18 @@
                 <a:effectLst/>
                 <a:latin typeface="Consolas" panose="020B0609020204030204" pitchFamily="49" charset="0"/>
               </a:rPr>
-              <a:t>’: 30, 'bootstrap’: False}</a:t>
-            </a:r>
-          </a:p>
-          <a:p>
-            <a:pPr marL="514350" indent="-514350">
-              <a:buFont typeface="+mj-lt"/>
-              <a:buAutoNum type="arabicPeriod"/>
-            </a:pPr>
-            <a:r>
-              <a:rPr lang="en-US" sz="2200" b="0" i="0" dirty="0">
+              <a:t>': 9, 'criterion': '</a:t>
+            </a:r>
+            <a:r>
+              <a:rPr lang="en-US" sz="1600" b="0" i="0" dirty="0" err="1">
+                <a:solidFill>
+                  <a:schemeClr val="accent2"/>
+                </a:solidFill>
                 <a:effectLst/>
+                <a:latin typeface="Consolas" panose="020B0609020204030204" pitchFamily="49" charset="0"/>
               </a:rPr>
-              <a:t>Used </a:t>
-            </a:r>
-            <a:r>
-              <a:rPr lang="en-US" sz="2200" b="0" i="1" dirty="0">
-                <a:effectLst/>
-              </a:rPr>
-              <a:t>random search </a:t>
-            </a:r>
-            <a:r>
-              <a:rPr lang="en-US" sz="2200" b="0" i="0" dirty="0">
-                <a:effectLst/>
-              </a:rPr>
-              <a:t>best parameters</a:t>
-            </a:r>
-          </a:p>
-          <a:p>
-            <a:pPr lvl="1"/>
-            <a:r>
-              <a:rPr lang="en-US" sz="2200" dirty="0"/>
-              <a:t>Got RMSE of 66</a:t>
-            </a:r>
-            <a:r>
-              <a:rPr lang="en-US" sz="2200" b="0" i="0" dirty="0">
-                <a:effectLst/>
-              </a:rPr>
-              <a:t>.0274</a:t>
-            </a:r>
-          </a:p>
-          <a:p>
-            <a:pPr marL="514350" indent="-514350">
-              <a:buFont typeface="+mj-lt"/>
-              <a:buAutoNum type="arabicPeriod"/>
-            </a:pPr>
-            <a:r>
-              <a:rPr lang="en-US" sz="2200" dirty="0"/>
-              <a:t>Performed grid search and got the following parameters</a:t>
-            </a:r>
-          </a:p>
-          <a:p>
-            <a:pPr lvl="1"/>
+              <a:t>friedman_mse</a:t>
+            </a:r>
             <a:r>
               <a:rPr lang="en-US" sz="1600" b="0" i="0" dirty="0">
                 <a:solidFill>
@@ -14993,107 +14711,7 @@
                 <a:effectLst/>
                 <a:latin typeface="Consolas" panose="020B0609020204030204" pitchFamily="49" charset="0"/>
               </a:rPr>
-              <a:t>{'bootstrap’: False, '</a:t>
-            </a:r>
-            <a:r>
-              <a:rPr lang="en-US" sz="1600" b="0" i="0" dirty="0" err="1">
-                <a:solidFill>
-                  <a:schemeClr val="accent2"/>
-                </a:solidFill>
-                <a:effectLst/>
-                <a:latin typeface="Consolas" panose="020B0609020204030204" pitchFamily="49" charset="0"/>
-              </a:rPr>
-              <a:t>max_depth</a:t>
-            </a:r>
-            <a:r>
-              <a:rPr lang="en-US" sz="1600" b="0" i="0" dirty="0">
-                <a:solidFill>
-                  <a:schemeClr val="accent2"/>
-                </a:solidFill>
-                <a:effectLst/>
-                <a:latin typeface="Consolas" panose="020B0609020204030204" pitchFamily="49" charset="0"/>
-              </a:rPr>
-              <a:t>’: 30, '</a:t>
-            </a:r>
-            <a:r>
-              <a:rPr lang="en-US" sz="1600" b="0" i="0" dirty="0" err="1">
-                <a:solidFill>
-                  <a:schemeClr val="accent2"/>
-                </a:solidFill>
-                <a:effectLst/>
-                <a:latin typeface="Consolas" panose="020B0609020204030204" pitchFamily="49" charset="0"/>
-              </a:rPr>
-              <a:t>max_features</a:t>
-            </a:r>
-            <a:r>
-              <a:rPr lang="en-US" sz="1600" b="0" i="0" dirty="0">
-                <a:solidFill>
-                  <a:schemeClr val="accent2"/>
-                </a:solidFill>
-                <a:effectLst/>
-                <a:latin typeface="Consolas" panose="020B0609020204030204" pitchFamily="49" charset="0"/>
-              </a:rPr>
-              <a:t>': ‘sqrt', '</a:t>
-            </a:r>
-            <a:r>
-              <a:rPr lang="en-US" sz="1600" b="0" i="0" dirty="0" err="1">
-                <a:solidFill>
-                  <a:schemeClr val="accent2"/>
-                </a:solidFill>
-                <a:effectLst/>
-                <a:latin typeface="Consolas" panose="020B0609020204030204" pitchFamily="49" charset="0"/>
-              </a:rPr>
-              <a:t>min_samples_leaf</a:t>
-            </a:r>
-            <a:r>
-              <a:rPr lang="en-US" sz="1600" b="0" i="0" dirty="0">
-                <a:solidFill>
-                  <a:schemeClr val="accent2"/>
-                </a:solidFill>
-                <a:effectLst/>
-                <a:latin typeface="Consolas" panose="020B0609020204030204" pitchFamily="49" charset="0"/>
-              </a:rPr>
-              <a:t>’: 1, '</a:t>
-            </a:r>
-            <a:r>
-              <a:rPr lang="en-US" sz="1600" b="0" i="0" dirty="0" err="1">
-                <a:solidFill>
-                  <a:schemeClr val="accent2"/>
-                </a:solidFill>
-                <a:effectLst/>
-                <a:latin typeface="Consolas" panose="020B0609020204030204" pitchFamily="49" charset="0"/>
-              </a:rPr>
-              <a:t>min_samples_split</a:t>
-            </a:r>
-            <a:r>
-              <a:rPr lang="en-US" sz="1600" b="0" i="0" dirty="0">
-                <a:solidFill>
-                  <a:schemeClr val="accent2"/>
-                </a:solidFill>
-                <a:effectLst/>
-                <a:latin typeface="Consolas" panose="020B0609020204030204" pitchFamily="49" charset="0"/>
-              </a:rPr>
-              <a:t>’: 2, '</a:t>
-            </a:r>
-            <a:r>
-              <a:rPr lang="en-US" sz="1600" b="0" i="0" dirty="0" err="1">
-                <a:solidFill>
-                  <a:schemeClr val="accent2"/>
-                </a:solidFill>
-                <a:effectLst/>
-                <a:latin typeface="Consolas" panose="020B0609020204030204" pitchFamily="49" charset="0"/>
-              </a:rPr>
-              <a:t>n_estimators</a:t>
-            </a:r>
-            <a:r>
-              <a:rPr lang="en-US" sz="1600" b="0" i="0" dirty="0">
-                <a:solidFill>
-                  <a:schemeClr val="accent2"/>
-                </a:solidFill>
-                <a:effectLst/>
-                <a:latin typeface="Consolas" panose="020B0609020204030204" pitchFamily="49" charset="0"/>
-              </a:rPr>
-              <a:t>': 100}</a:t>
+              <a:t>’}</a:t>
             </a:r>
           </a:p>
           <a:p>
@@ -15102,51 +14720,31 @@
               <a:buAutoNum type="arabicPeriod"/>
             </a:pPr>
             <a:r>
-              <a:rPr lang="en-US" sz="2200" dirty="0">
-                <a:solidFill>
-                  <a:srgbClr val="000000"/>
-                </a:solidFill>
-              </a:rPr>
-              <a:t>Used </a:t>
-            </a:r>
-            <a:r>
-              <a:rPr lang="en-US" sz="2200" i="1" dirty="0">
-                <a:solidFill>
-                  <a:srgbClr val="000000"/>
-                </a:solidFill>
-              </a:rPr>
-              <a:t>grid search </a:t>
-            </a:r>
-            <a:r>
-              <a:rPr lang="en-US" sz="2200" dirty="0">
-                <a:solidFill>
-                  <a:srgbClr val="000000"/>
-                </a:solidFill>
-              </a:rPr>
-              <a:t>best parameters</a:t>
-            </a:r>
-          </a:p>
-          <a:p>
-            <a:pPr lvl="1"/>
-            <a:r>
               <a:rPr lang="en-US" sz="2200" b="0" i="0" dirty="0">
-                <a:solidFill>
-                  <a:srgbClr val="000000"/>
-                </a:solidFill>
                 <a:effectLst/>
               </a:rPr>
-              <a:t>Got RMSE of 65.2006</a:t>
-            </a:r>
-            <a:endParaRPr lang="en-US" sz="2200" b="0" i="0" dirty="0">
-              <a:effectLst/>
-            </a:endParaRPr>
+              <a:t>Used best parameters</a:t>
+            </a:r>
+          </a:p>
+          <a:p>
+            <a:pPr lvl="1"/>
+            <a:r>
+              <a:rPr lang="en-US" sz="2200" dirty="0"/>
+              <a:t>Got RMSE of </a:t>
+            </a:r>
+            <a:r>
+              <a:rPr lang="en-US" sz="2200" b="0" i="0" dirty="0">
+                <a:effectLst/>
+              </a:rPr>
+              <a:t>0.282</a:t>
+            </a:r>
           </a:p>
         </p:txBody>
       </p:sp>
     </p:spTree>
     <p:extLst>
       <p:ext uri="{BB962C8B-B14F-4D97-AF65-F5344CB8AC3E}">
-        <p14:creationId xmlns:p14="http://schemas.microsoft.com/office/powerpoint/2010/main" val="2883117769"/>
+        <p14:creationId xmlns:p14="http://schemas.microsoft.com/office/powerpoint/2010/main" val="340544693"/>
       </p:ext>
     </p:extLst>
   </p:cSld>
@@ -15156,7 +14754,7 @@
 </p:sld>
 </file>
 
-<file path=ppt/slides/slide19.xml><?xml version="1.0" encoding="utf-8"?>
+<file path=ppt/slides/slide18.xml><?xml version="1.0" encoding="utf-8"?>
 <p:sld xmlns:a="http://schemas.openxmlformats.org/drawingml/2006/main" xmlns:r="http://schemas.openxmlformats.org/officeDocument/2006/relationships" xmlns:p="http://schemas.openxmlformats.org/presentationml/2006/main">
   <p:cSld>
     <p:bg>
@@ -15183,7 +14781,7 @@
       </p:grpSpPr>
       <p:sp>
         <p:nvSpPr>
-          <p:cNvPr id="22" name="Down Arrow 7">
+          <p:cNvPr id="10" name="Down Arrow 7">
             <a:extLst>
               <a:ext uri="{FF2B5EF4-FFF2-40B4-BE49-F238E27FC236}">
                 <a16:creationId xmlns:a16="http://schemas.microsoft.com/office/drawing/2014/main" id="{D4771268-CB57-404A-9271-370EB28F6090}"/>
@@ -15252,7 +14850,7 @@
           <p:cNvPr id="2" name="Title 1">
             <a:extLst>
               <a:ext uri="{FF2B5EF4-FFF2-40B4-BE49-F238E27FC236}">
-                <a16:creationId xmlns:a16="http://schemas.microsoft.com/office/drawing/2014/main" id="{0C9DE083-BFDD-6225-767A-237CAA3912AF}"/>
+                <a16:creationId xmlns:a16="http://schemas.microsoft.com/office/drawing/2014/main" id="{4FB8DE5B-C758-83FE-98A3-9BABF9C2AA13}"/>
               </a:ext>
             </a:extLst>
           </p:cNvPr>
@@ -15278,7 +14876,7 @@
           <a:p>
             <a:pPr algn="ctr"/>
             <a:r>
-              <a:rPr lang="en-US" sz="3600" kern="1200">
+              <a:rPr lang="en-US" sz="3300" kern="1200" dirty="0">
                 <a:solidFill>
                   <a:srgbClr val="FFFFFF"/>
                 </a:solidFill>
@@ -15286,17 +14884,17 @@
                 <a:ea typeface="+mj-ea"/>
                 <a:cs typeface="+mj-cs"/>
               </a:rPr>
-              <a:t>RFR with Grid Search</a:t>
+              <a:t>Decision Tree</a:t>
             </a:r>
           </a:p>
         </p:txBody>
       </p:sp>
       <p:pic>
         <p:nvPicPr>
-          <p:cNvPr id="10" name="Picture 9" descr="Chart, line chart, histogram&#10;&#10;Description automatically generated">
+          <p:cNvPr id="6" name="Picture 5">
             <a:extLst>
               <a:ext uri="{FF2B5EF4-FFF2-40B4-BE49-F238E27FC236}">
-                <a16:creationId xmlns:a16="http://schemas.microsoft.com/office/drawing/2014/main" id="{35CDFA6D-4E7C-F9F3-E36E-07D6C0D7FC4E}"/>
+                <a16:creationId xmlns:a16="http://schemas.microsoft.com/office/drawing/2014/main" id="{6C2EDF35-09E0-0030-8DAB-AEE343A097C4}"/>
               </a:ext>
             </a:extLst>
           </p:cNvPr>
@@ -15319,8 +14917,8 @@
         </p:blipFill>
         <p:spPr>
           <a:xfrm>
-            <a:off x="5340895" y="643466"/>
-            <a:ext cx="5653541" cy="5568739"/>
+            <a:off x="5607178" y="1340493"/>
+            <a:ext cx="5867400" cy="4177013"/>
           </a:xfrm>
           <a:prstGeom prst="rect">
             <a:avLst/>
@@ -15330,7 +14928,931 @@
     </p:spTree>
     <p:extLst>
       <p:ext uri="{BB962C8B-B14F-4D97-AF65-F5344CB8AC3E}">
-        <p14:creationId xmlns:p14="http://schemas.microsoft.com/office/powerpoint/2010/main" val="3019949918"/>
+        <p14:creationId xmlns:p14="http://schemas.microsoft.com/office/powerpoint/2010/main" val="3384352534"/>
+      </p:ext>
+    </p:extLst>
+  </p:cSld>
+  <p:clrMapOvr>
+    <a:masterClrMapping/>
+  </p:clrMapOvr>
+</p:sld>
+</file>
+
+<file path=ppt/slides/slide19.xml><?xml version="1.0" encoding="utf-8"?>
+<p:sld xmlns:a="http://schemas.openxmlformats.org/drawingml/2006/main" xmlns:r="http://schemas.openxmlformats.org/officeDocument/2006/relationships" xmlns:p="http://schemas.openxmlformats.org/presentationml/2006/main">
+  <p:cSld>
+    <p:bg>
+      <p:bgPr>
+        <a:solidFill>
+          <a:schemeClr val="bg1"/>
+        </a:solidFill>
+        <a:effectLst/>
+      </p:bgPr>
+    </p:bg>
+    <p:spTree>
+      <p:nvGrpSpPr>
+        <p:cNvPr id="1" name=""/>
+        <p:cNvGrpSpPr/>
+        <p:nvPr/>
+      </p:nvGrpSpPr>
+      <p:grpSpPr>
+        <a:xfrm>
+          <a:off x="0" y="0"/>
+          <a:ext cx="0" cy="0"/>
+          <a:chOff x="0" y="0"/>
+          <a:chExt cx="0" cy="0"/>
+        </a:xfrm>
+      </p:grpSpPr>
+      <p:sp useBgFill="1">
+        <p:nvSpPr>
+          <p:cNvPr id="8" name="Rectangle 7">
+            <a:extLst>
+              <a:ext uri="{FF2B5EF4-FFF2-40B4-BE49-F238E27FC236}">
+                <a16:creationId xmlns:a16="http://schemas.microsoft.com/office/drawing/2014/main" id="{100EDD19-6802-4EC3-95CE-CFFAB042CFD6}"/>
+              </a:ext>
+              <a:ext uri="{C183D7F6-B498-43B3-948B-1728B52AA6E4}">
+                <adec:decorative xmlns:adec="http://schemas.microsoft.com/office/drawing/2017/decorative" val="1"/>
+              </a:ext>
+            </a:extLst>
+          </p:cNvPr>
+          <p:cNvSpPr>
+            <a:spLocks noGrp="1" noRot="1" noChangeAspect="1" noMove="1" noResize="1" noEditPoints="1" noAdjustHandles="1" noChangeArrowheads="1" noChangeShapeType="1" noTextEdit="1"/>
+          </p:cNvSpPr>
+          <p:nvPr>
+            <p:extLst>
+              <p:ext uri="{386F3935-93C4-4BCD-93E2-E3B085C9AB24}">
+                <p16:designElem xmlns:p16="http://schemas.microsoft.com/office/powerpoint/2015/main" val="1"/>
+              </p:ext>
+            </p:extLst>
+          </p:nvPr>
+        </p:nvSpPr>
+        <p:spPr>
+          <a:xfrm>
+            <a:off x="0" y="0"/>
+            <a:ext cx="12188952" cy="6858000"/>
+          </a:xfrm>
+          <a:prstGeom prst="rect">
+            <a:avLst/>
+          </a:prstGeom>
+          <a:ln>
+            <a:noFill/>
+          </a:ln>
+        </p:spPr>
+        <p:style>
+          <a:lnRef idx="2">
+            <a:schemeClr val="accent1">
+              <a:shade val="50000"/>
+            </a:schemeClr>
+          </a:lnRef>
+          <a:fillRef idx="1">
+            <a:schemeClr val="accent1"/>
+          </a:fillRef>
+          <a:effectRef idx="0">
+            <a:schemeClr val="accent1"/>
+          </a:effectRef>
+          <a:fontRef idx="minor">
+            <a:schemeClr val="lt1"/>
+          </a:fontRef>
+        </p:style>
+        <p:txBody>
+          <a:bodyPr rtlCol="0" anchor="ctr"/>
+          <a:lstStyle/>
+          <a:p>
+            <a:pPr algn="ctr"/>
+            <a:endParaRPr lang="en-US"/>
+          </a:p>
+        </p:txBody>
+      </p:sp>
+      <p:sp>
+        <p:nvSpPr>
+          <p:cNvPr id="2" name="Title 1">
+            <a:extLst>
+              <a:ext uri="{FF2B5EF4-FFF2-40B4-BE49-F238E27FC236}">
+                <a16:creationId xmlns:a16="http://schemas.microsoft.com/office/drawing/2014/main" id="{4FB8DE5B-C758-83FE-98A3-9BABF9C2AA13}"/>
+              </a:ext>
+            </a:extLst>
+          </p:cNvPr>
+          <p:cNvSpPr>
+            <a:spLocks noGrp="1"/>
+          </p:cNvSpPr>
+          <p:nvPr>
+            <p:ph type="title"/>
+          </p:nvPr>
+        </p:nvSpPr>
+        <p:spPr>
+          <a:xfrm>
+            <a:off x="838200" y="365125"/>
+            <a:ext cx="10515600" cy="1325563"/>
+          </a:xfrm>
+        </p:spPr>
+        <p:txBody>
+          <a:bodyPr>
+            <a:normAutofit/>
+          </a:bodyPr>
+          <a:lstStyle/>
+          <a:p>
+            <a:r>
+              <a:rPr lang="en-US" sz="5400" dirty="0" err="1"/>
+              <a:t>XGBRegressor</a:t>
+            </a:r>
+            <a:endParaRPr lang="en-US" sz="5400" dirty="0"/>
+          </a:p>
+        </p:txBody>
+      </p:sp>
+      <p:sp>
+        <p:nvSpPr>
+          <p:cNvPr id="10" name="sketch line">
+            <a:extLst>
+              <a:ext uri="{FF2B5EF4-FFF2-40B4-BE49-F238E27FC236}">
+                <a16:creationId xmlns:a16="http://schemas.microsoft.com/office/drawing/2014/main" id="{DB17E863-922E-4C26-BD64-E8FD41D28661}"/>
+              </a:ext>
+              <a:ext uri="{C183D7F6-B498-43B3-948B-1728B52AA6E4}">
+                <adec:decorative xmlns:adec="http://schemas.microsoft.com/office/drawing/2017/decorative" val="1"/>
+              </a:ext>
+            </a:extLst>
+          </p:cNvPr>
+          <p:cNvSpPr>
+            <a:spLocks noGrp="1" noRot="1" noChangeAspect="1" noMove="1" noResize="1" noEditPoints="1" noAdjustHandles="1" noChangeArrowheads="1" noChangeShapeType="1" noTextEdit="1"/>
+          </p:cNvSpPr>
+          <p:nvPr>
+            <p:extLst>
+              <p:ext uri="{386F3935-93C4-4BCD-93E2-E3B085C9AB24}">
+                <p16:designElem xmlns:p16="http://schemas.microsoft.com/office/powerpoint/2015/main" val="1"/>
+              </p:ext>
+            </p:extLst>
+          </p:nvPr>
+        </p:nvSpPr>
+        <p:spPr>
+          <a:xfrm>
+            <a:off x="669036" y="1677373"/>
+            <a:ext cx="10853928" cy="18288"/>
+          </a:xfrm>
+          <a:custGeom>
+            <a:avLst/>
+            <a:gdLst>
+              <a:gd name="connsiteX0" fmla="*/ 0 w 10853928"/>
+              <a:gd name="connsiteY0" fmla="*/ 0 h 18288"/>
+              <a:gd name="connsiteX1" fmla="*/ 461292 w 10853928"/>
+              <a:gd name="connsiteY1" fmla="*/ 0 h 18288"/>
+              <a:gd name="connsiteX2" fmla="*/ 1139662 w 10853928"/>
+              <a:gd name="connsiteY2" fmla="*/ 0 h 18288"/>
+              <a:gd name="connsiteX3" fmla="*/ 1926572 w 10853928"/>
+              <a:gd name="connsiteY3" fmla="*/ 0 h 18288"/>
+              <a:gd name="connsiteX4" fmla="*/ 2279325 w 10853928"/>
+              <a:gd name="connsiteY4" fmla="*/ 0 h 18288"/>
+              <a:gd name="connsiteX5" fmla="*/ 2632078 w 10853928"/>
+              <a:gd name="connsiteY5" fmla="*/ 0 h 18288"/>
+              <a:gd name="connsiteX6" fmla="*/ 3527527 w 10853928"/>
+              <a:gd name="connsiteY6" fmla="*/ 0 h 18288"/>
+              <a:gd name="connsiteX7" fmla="*/ 4205897 w 10853928"/>
+              <a:gd name="connsiteY7" fmla="*/ 0 h 18288"/>
+              <a:gd name="connsiteX8" fmla="*/ 4558650 w 10853928"/>
+              <a:gd name="connsiteY8" fmla="*/ 0 h 18288"/>
+              <a:gd name="connsiteX9" fmla="*/ 5237020 w 10853928"/>
+              <a:gd name="connsiteY9" fmla="*/ 0 h 18288"/>
+              <a:gd name="connsiteX10" fmla="*/ 6132469 w 10853928"/>
+              <a:gd name="connsiteY10" fmla="*/ 0 h 18288"/>
+              <a:gd name="connsiteX11" fmla="*/ 6702301 w 10853928"/>
+              <a:gd name="connsiteY11" fmla="*/ 0 h 18288"/>
+              <a:gd name="connsiteX12" fmla="*/ 7272132 w 10853928"/>
+              <a:gd name="connsiteY12" fmla="*/ 0 h 18288"/>
+              <a:gd name="connsiteX13" fmla="*/ 7950502 w 10853928"/>
+              <a:gd name="connsiteY13" fmla="*/ 0 h 18288"/>
+              <a:gd name="connsiteX14" fmla="*/ 8737412 w 10853928"/>
+              <a:gd name="connsiteY14" fmla="*/ 0 h 18288"/>
+              <a:gd name="connsiteX15" fmla="*/ 9524322 w 10853928"/>
+              <a:gd name="connsiteY15" fmla="*/ 0 h 18288"/>
+              <a:gd name="connsiteX16" fmla="*/ 10853928 w 10853928"/>
+              <a:gd name="connsiteY16" fmla="*/ 0 h 18288"/>
+              <a:gd name="connsiteX17" fmla="*/ 10853928 w 10853928"/>
+              <a:gd name="connsiteY17" fmla="*/ 18288 h 18288"/>
+              <a:gd name="connsiteX18" fmla="*/ 10392636 w 10853928"/>
+              <a:gd name="connsiteY18" fmla="*/ 18288 h 18288"/>
+              <a:gd name="connsiteX19" fmla="*/ 9497187 w 10853928"/>
+              <a:gd name="connsiteY19" fmla="*/ 18288 h 18288"/>
+              <a:gd name="connsiteX20" fmla="*/ 8818817 w 10853928"/>
+              <a:gd name="connsiteY20" fmla="*/ 18288 h 18288"/>
+              <a:gd name="connsiteX21" fmla="*/ 8466064 w 10853928"/>
+              <a:gd name="connsiteY21" fmla="*/ 18288 h 18288"/>
+              <a:gd name="connsiteX22" fmla="*/ 7787693 w 10853928"/>
+              <a:gd name="connsiteY22" fmla="*/ 18288 h 18288"/>
+              <a:gd name="connsiteX23" fmla="*/ 7217862 w 10853928"/>
+              <a:gd name="connsiteY23" fmla="*/ 18288 h 18288"/>
+              <a:gd name="connsiteX24" fmla="*/ 6648031 w 10853928"/>
+              <a:gd name="connsiteY24" fmla="*/ 18288 h 18288"/>
+              <a:gd name="connsiteX25" fmla="*/ 6078200 w 10853928"/>
+              <a:gd name="connsiteY25" fmla="*/ 18288 h 18288"/>
+              <a:gd name="connsiteX26" fmla="*/ 5508368 w 10853928"/>
+              <a:gd name="connsiteY26" fmla="*/ 18288 h 18288"/>
+              <a:gd name="connsiteX27" fmla="*/ 4721459 w 10853928"/>
+              <a:gd name="connsiteY27" fmla="*/ 18288 h 18288"/>
+              <a:gd name="connsiteX28" fmla="*/ 4043088 w 10853928"/>
+              <a:gd name="connsiteY28" fmla="*/ 18288 h 18288"/>
+              <a:gd name="connsiteX29" fmla="*/ 3690336 w 10853928"/>
+              <a:gd name="connsiteY29" fmla="*/ 18288 h 18288"/>
+              <a:gd name="connsiteX30" fmla="*/ 3120504 w 10853928"/>
+              <a:gd name="connsiteY30" fmla="*/ 18288 h 18288"/>
+              <a:gd name="connsiteX31" fmla="*/ 2333595 w 10853928"/>
+              <a:gd name="connsiteY31" fmla="*/ 18288 h 18288"/>
+              <a:gd name="connsiteX32" fmla="*/ 1872303 w 10853928"/>
+              <a:gd name="connsiteY32" fmla="*/ 18288 h 18288"/>
+              <a:gd name="connsiteX33" fmla="*/ 976854 w 10853928"/>
+              <a:gd name="connsiteY33" fmla="*/ 18288 h 18288"/>
+              <a:gd name="connsiteX34" fmla="*/ 0 w 10853928"/>
+              <a:gd name="connsiteY34" fmla="*/ 18288 h 18288"/>
+              <a:gd name="connsiteX35" fmla="*/ 0 w 10853928"/>
+              <a:gd name="connsiteY35" fmla="*/ 0 h 18288"/>
+            </a:gdLst>
+            <a:ahLst/>
+            <a:cxnLst>
+              <a:cxn ang="0">
+                <a:pos x="connsiteX0" y="connsiteY0"/>
+              </a:cxn>
+              <a:cxn ang="0">
+                <a:pos x="connsiteX1" y="connsiteY1"/>
+              </a:cxn>
+              <a:cxn ang="0">
+                <a:pos x="connsiteX2" y="connsiteY2"/>
+              </a:cxn>
+              <a:cxn ang="0">
+                <a:pos x="connsiteX3" y="connsiteY3"/>
+              </a:cxn>
+              <a:cxn ang="0">
+                <a:pos x="connsiteX4" y="connsiteY4"/>
+              </a:cxn>
+              <a:cxn ang="0">
+                <a:pos x="connsiteX5" y="connsiteY5"/>
+              </a:cxn>
+              <a:cxn ang="0">
+                <a:pos x="connsiteX6" y="connsiteY6"/>
+              </a:cxn>
+              <a:cxn ang="0">
+                <a:pos x="connsiteX7" y="connsiteY7"/>
+              </a:cxn>
+              <a:cxn ang="0">
+                <a:pos x="connsiteX8" y="connsiteY8"/>
+              </a:cxn>
+              <a:cxn ang="0">
+                <a:pos x="connsiteX9" y="connsiteY9"/>
+              </a:cxn>
+              <a:cxn ang="0">
+                <a:pos x="connsiteX10" y="connsiteY10"/>
+              </a:cxn>
+              <a:cxn ang="0">
+                <a:pos x="connsiteX11" y="connsiteY11"/>
+              </a:cxn>
+              <a:cxn ang="0">
+                <a:pos x="connsiteX12" y="connsiteY12"/>
+              </a:cxn>
+              <a:cxn ang="0">
+                <a:pos x="connsiteX13" y="connsiteY13"/>
+              </a:cxn>
+              <a:cxn ang="0">
+                <a:pos x="connsiteX14" y="connsiteY14"/>
+              </a:cxn>
+              <a:cxn ang="0">
+                <a:pos x="connsiteX15" y="connsiteY15"/>
+              </a:cxn>
+              <a:cxn ang="0">
+                <a:pos x="connsiteX16" y="connsiteY16"/>
+              </a:cxn>
+              <a:cxn ang="0">
+                <a:pos x="connsiteX17" y="connsiteY17"/>
+              </a:cxn>
+              <a:cxn ang="0">
+                <a:pos x="connsiteX18" y="connsiteY18"/>
+              </a:cxn>
+              <a:cxn ang="0">
+                <a:pos x="connsiteX19" y="connsiteY19"/>
+              </a:cxn>
+              <a:cxn ang="0">
+                <a:pos x="connsiteX20" y="connsiteY20"/>
+              </a:cxn>
+              <a:cxn ang="0">
+                <a:pos x="connsiteX21" y="connsiteY21"/>
+              </a:cxn>
+              <a:cxn ang="0">
+                <a:pos x="connsiteX22" y="connsiteY22"/>
+              </a:cxn>
+              <a:cxn ang="0">
+                <a:pos x="connsiteX23" y="connsiteY23"/>
+              </a:cxn>
+              <a:cxn ang="0">
+                <a:pos x="connsiteX24" y="connsiteY24"/>
+              </a:cxn>
+              <a:cxn ang="0">
+                <a:pos x="connsiteX25" y="connsiteY25"/>
+              </a:cxn>
+              <a:cxn ang="0">
+                <a:pos x="connsiteX26" y="connsiteY26"/>
+              </a:cxn>
+              <a:cxn ang="0">
+                <a:pos x="connsiteX27" y="connsiteY27"/>
+              </a:cxn>
+              <a:cxn ang="0">
+                <a:pos x="connsiteX28" y="connsiteY28"/>
+              </a:cxn>
+              <a:cxn ang="0">
+                <a:pos x="connsiteX29" y="connsiteY29"/>
+              </a:cxn>
+              <a:cxn ang="0">
+                <a:pos x="connsiteX30" y="connsiteY30"/>
+              </a:cxn>
+              <a:cxn ang="0">
+                <a:pos x="connsiteX31" y="connsiteY31"/>
+              </a:cxn>
+              <a:cxn ang="0">
+                <a:pos x="connsiteX32" y="connsiteY32"/>
+              </a:cxn>
+              <a:cxn ang="0">
+                <a:pos x="connsiteX33" y="connsiteY33"/>
+              </a:cxn>
+              <a:cxn ang="0">
+                <a:pos x="connsiteX34" y="connsiteY34"/>
+              </a:cxn>
+              <a:cxn ang="0">
+                <a:pos x="connsiteX35" y="connsiteY35"/>
+              </a:cxn>
+            </a:cxnLst>
+            <a:rect l="l" t="t" r="r" b="b"/>
+            <a:pathLst>
+              <a:path w="10853928" h="18288" fill="none" extrusionOk="0">
+                <a:moveTo>
+                  <a:pt x="0" y="0"/>
+                </a:moveTo>
+                <a:cubicBezTo>
+                  <a:pt x="146993" y="-19076"/>
+                  <a:pt x="347684" y="-4790"/>
+                  <a:pt x="461292" y="0"/>
+                </a:cubicBezTo>
+                <a:cubicBezTo>
+                  <a:pt x="574900" y="4790"/>
+                  <a:pt x="808367" y="19821"/>
+                  <a:pt x="1139662" y="0"/>
+                </a:cubicBezTo>
+                <a:cubicBezTo>
+                  <a:pt x="1470957" y="-19821"/>
+                  <a:pt x="1627405" y="5721"/>
+                  <a:pt x="1926572" y="0"/>
+                </a:cubicBezTo>
+                <a:cubicBezTo>
+                  <a:pt x="2225739" y="-5721"/>
+                  <a:pt x="2137730" y="-3235"/>
+                  <a:pt x="2279325" y="0"/>
+                </a:cubicBezTo>
+                <a:cubicBezTo>
+                  <a:pt x="2420920" y="3235"/>
+                  <a:pt x="2456518" y="9685"/>
+                  <a:pt x="2632078" y="0"/>
+                </a:cubicBezTo>
+                <a:cubicBezTo>
+                  <a:pt x="2807638" y="-9685"/>
+                  <a:pt x="3211516" y="-43007"/>
+                  <a:pt x="3527527" y="0"/>
+                </a:cubicBezTo>
+                <a:cubicBezTo>
+                  <a:pt x="3843538" y="43007"/>
+                  <a:pt x="4058833" y="22042"/>
+                  <a:pt x="4205897" y="0"/>
+                </a:cubicBezTo>
+                <a:cubicBezTo>
+                  <a:pt x="4352961" y="-22042"/>
+                  <a:pt x="4474805" y="-11846"/>
+                  <a:pt x="4558650" y="0"/>
+                </a:cubicBezTo>
+                <a:cubicBezTo>
+                  <a:pt x="4642495" y="11846"/>
+                  <a:pt x="5041928" y="-6069"/>
+                  <a:pt x="5237020" y="0"/>
+                </a:cubicBezTo>
+                <a:cubicBezTo>
+                  <a:pt x="5432112" y="6069"/>
+                  <a:pt x="5943266" y="-17479"/>
+                  <a:pt x="6132469" y="0"/>
+                </a:cubicBezTo>
+                <a:cubicBezTo>
+                  <a:pt x="6321672" y="17479"/>
+                  <a:pt x="6483872" y="26234"/>
+                  <a:pt x="6702301" y="0"/>
+                </a:cubicBezTo>
+                <a:cubicBezTo>
+                  <a:pt x="6920730" y="-26234"/>
+                  <a:pt x="6991194" y="-15156"/>
+                  <a:pt x="7272132" y="0"/>
+                </a:cubicBezTo>
+                <a:cubicBezTo>
+                  <a:pt x="7553070" y="15156"/>
+                  <a:pt x="7684444" y="-32961"/>
+                  <a:pt x="7950502" y="0"/>
+                </a:cubicBezTo>
+                <a:cubicBezTo>
+                  <a:pt x="8216560" y="32961"/>
+                  <a:pt x="8493290" y="-10491"/>
+                  <a:pt x="8737412" y="0"/>
+                </a:cubicBezTo>
+                <a:cubicBezTo>
+                  <a:pt x="8981534" y="10491"/>
+                  <a:pt x="9191586" y="-13899"/>
+                  <a:pt x="9524322" y="0"/>
+                </a:cubicBezTo>
+                <a:cubicBezTo>
+                  <a:pt x="9857058" y="13899"/>
+                  <a:pt x="10297509" y="7485"/>
+                  <a:pt x="10853928" y="0"/>
+                </a:cubicBezTo>
+                <a:cubicBezTo>
+                  <a:pt x="10854574" y="4451"/>
+                  <a:pt x="10854418" y="9226"/>
+                  <a:pt x="10853928" y="18288"/>
+                </a:cubicBezTo>
+                <a:cubicBezTo>
+                  <a:pt x="10691638" y="28522"/>
+                  <a:pt x="10574319" y="29578"/>
+                  <a:pt x="10392636" y="18288"/>
+                </a:cubicBezTo>
+                <a:cubicBezTo>
+                  <a:pt x="10210953" y="6998"/>
+                  <a:pt x="9836277" y="-16742"/>
+                  <a:pt x="9497187" y="18288"/>
+                </a:cubicBezTo>
+                <a:cubicBezTo>
+                  <a:pt x="9158097" y="53318"/>
+                  <a:pt x="9119479" y="30714"/>
+                  <a:pt x="8818817" y="18288"/>
+                </a:cubicBezTo>
+                <a:cubicBezTo>
+                  <a:pt x="8518155" y="5863"/>
+                  <a:pt x="8640037" y="6483"/>
+                  <a:pt x="8466064" y="18288"/>
+                </a:cubicBezTo>
+                <a:cubicBezTo>
+                  <a:pt x="8292091" y="30093"/>
+                  <a:pt x="7997656" y="18914"/>
+                  <a:pt x="7787693" y="18288"/>
+                </a:cubicBezTo>
+                <a:cubicBezTo>
+                  <a:pt x="7577730" y="17662"/>
+                  <a:pt x="7412468" y="21416"/>
+                  <a:pt x="7217862" y="18288"/>
+                </a:cubicBezTo>
+                <a:cubicBezTo>
+                  <a:pt x="7023256" y="15160"/>
+                  <a:pt x="6898018" y="14824"/>
+                  <a:pt x="6648031" y="18288"/>
+                </a:cubicBezTo>
+                <a:cubicBezTo>
+                  <a:pt x="6398044" y="21752"/>
+                  <a:pt x="6254402" y="38625"/>
+                  <a:pt x="6078200" y="18288"/>
+                </a:cubicBezTo>
+                <a:cubicBezTo>
+                  <a:pt x="5901998" y="-2049"/>
+                  <a:pt x="5622886" y="3213"/>
+                  <a:pt x="5508368" y="18288"/>
+                </a:cubicBezTo>
+                <a:cubicBezTo>
+                  <a:pt x="5393850" y="33363"/>
+                  <a:pt x="5036260" y="26830"/>
+                  <a:pt x="4721459" y="18288"/>
+                </a:cubicBezTo>
+                <a:cubicBezTo>
+                  <a:pt x="4406658" y="9746"/>
+                  <a:pt x="4239221" y="41551"/>
+                  <a:pt x="4043088" y="18288"/>
+                </a:cubicBezTo>
+                <a:cubicBezTo>
+                  <a:pt x="3846955" y="-4975"/>
+                  <a:pt x="3818802" y="34658"/>
+                  <a:pt x="3690336" y="18288"/>
+                </a:cubicBezTo>
+                <a:cubicBezTo>
+                  <a:pt x="3561870" y="1918"/>
+                  <a:pt x="3265491" y="42194"/>
+                  <a:pt x="3120504" y="18288"/>
+                </a:cubicBezTo>
+                <a:cubicBezTo>
+                  <a:pt x="2975517" y="-5618"/>
+                  <a:pt x="2720254" y="36673"/>
+                  <a:pt x="2333595" y="18288"/>
+                </a:cubicBezTo>
+                <a:cubicBezTo>
+                  <a:pt x="1946936" y="-97"/>
+                  <a:pt x="2097241" y="5776"/>
+                  <a:pt x="1872303" y="18288"/>
+                </a:cubicBezTo>
+                <a:cubicBezTo>
+                  <a:pt x="1647365" y="30800"/>
+                  <a:pt x="1282708" y="45380"/>
+                  <a:pt x="976854" y="18288"/>
+                </a:cubicBezTo>
+                <a:cubicBezTo>
+                  <a:pt x="671000" y="-8804"/>
+                  <a:pt x="408401" y="-12775"/>
+                  <a:pt x="0" y="18288"/>
+                </a:cubicBezTo>
+                <a:cubicBezTo>
+                  <a:pt x="-213" y="9468"/>
+                  <a:pt x="187" y="4459"/>
+                  <a:pt x="0" y="0"/>
+                </a:cubicBezTo>
+                <a:close/>
+              </a:path>
+              <a:path w="10853928" h="18288" stroke="0" extrusionOk="0">
+                <a:moveTo>
+                  <a:pt x="0" y="0"/>
+                </a:moveTo>
+                <a:cubicBezTo>
+                  <a:pt x="267322" y="15284"/>
+                  <a:pt x="415388" y="-21048"/>
+                  <a:pt x="569831" y="0"/>
+                </a:cubicBezTo>
+                <a:cubicBezTo>
+                  <a:pt x="724274" y="21048"/>
+                  <a:pt x="769333" y="-2353"/>
+                  <a:pt x="922584" y="0"/>
+                </a:cubicBezTo>
+                <a:cubicBezTo>
+                  <a:pt x="1075835" y="2353"/>
+                  <a:pt x="1399490" y="-145"/>
+                  <a:pt x="1818033" y="0"/>
+                </a:cubicBezTo>
+                <a:cubicBezTo>
+                  <a:pt x="2236576" y="145"/>
+                  <a:pt x="2145330" y="5482"/>
+                  <a:pt x="2387864" y="0"/>
+                </a:cubicBezTo>
+                <a:cubicBezTo>
+                  <a:pt x="2630398" y="-5482"/>
+                  <a:pt x="2793207" y="18487"/>
+                  <a:pt x="2957695" y="0"/>
+                </a:cubicBezTo>
+                <a:cubicBezTo>
+                  <a:pt x="3122183" y="-18487"/>
+                  <a:pt x="3579141" y="19003"/>
+                  <a:pt x="3853144" y="0"/>
+                </a:cubicBezTo>
+                <a:cubicBezTo>
+                  <a:pt x="4127147" y="-19003"/>
+                  <a:pt x="4209857" y="12211"/>
+                  <a:pt x="4314436" y="0"/>
+                </a:cubicBezTo>
+                <a:cubicBezTo>
+                  <a:pt x="4419015" y="-12211"/>
+                  <a:pt x="4762459" y="-17220"/>
+                  <a:pt x="5209885" y="0"/>
+                </a:cubicBezTo>
+                <a:cubicBezTo>
+                  <a:pt x="5657311" y="17220"/>
+                  <a:pt x="5692663" y="-3290"/>
+                  <a:pt x="6105335" y="0"/>
+                </a:cubicBezTo>
+                <a:cubicBezTo>
+                  <a:pt x="6518007" y="3290"/>
+                  <a:pt x="6455516" y="-5124"/>
+                  <a:pt x="6783705" y="0"/>
+                </a:cubicBezTo>
+                <a:cubicBezTo>
+                  <a:pt x="7111894" y="5124"/>
+                  <a:pt x="7441941" y="-17829"/>
+                  <a:pt x="7679154" y="0"/>
+                </a:cubicBezTo>
+                <a:cubicBezTo>
+                  <a:pt x="7916367" y="17829"/>
+                  <a:pt x="8102967" y="-24363"/>
+                  <a:pt x="8248985" y="0"/>
+                </a:cubicBezTo>
+                <a:cubicBezTo>
+                  <a:pt x="8395003" y="24363"/>
+                  <a:pt x="8552393" y="25505"/>
+                  <a:pt x="8818817" y="0"/>
+                </a:cubicBezTo>
+                <a:cubicBezTo>
+                  <a:pt x="9085241" y="-25505"/>
+                  <a:pt x="9411308" y="38000"/>
+                  <a:pt x="9605726" y="0"/>
+                </a:cubicBezTo>
+                <a:cubicBezTo>
+                  <a:pt x="9800144" y="-38000"/>
+                  <a:pt x="10006468" y="-25741"/>
+                  <a:pt x="10175558" y="0"/>
+                </a:cubicBezTo>
+                <a:cubicBezTo>
+                  <a:pt x="10344648" y="25741"/>
+                  <a:pt x="10696282" y="695"/>
+                  <a:pt x="10853928" y="0"/>
+                </a:cubicBezTo>
+                <a:cubicBezTo>
+                  <a:pt x="10853521" y="8690"/>
+                  <a:pt x="10853774" y="14141"/>
+                  <a:pt x="10853928" y="18288"/>
+                </a:cubicBezTo>
+                <a:cubicBezTo>
+                  <a:pt x="10608124" y="24255"/>
+                  <a:pt x="10343415" y="22307"/>
+                  <a:pt x="10067018" y="18288"/>
+                </a:cubicBezTo>
+                <a:cubicBezTo>
+                  <a:pt x="9790621" y="14270"/>
+                  <a:pt x="9843266" y="3564"/>
+                  <a:pt x="9714266" y="18288"/>
+                </a:cubicBezTo>
+                <a:cubicBezTo>
+                  <a:pt x="9585266" y="33012"/>
+                  <a:pt x="9379484" y="1875"/>
+                  <a:pt x="9252974" y="18288"/>
+                </a:cubicBezTo>
+                <a:cubicBezTo>
+                  <a:pt x="9126464" y="34701"/>
+                  <a:pt x="8580678" y="-4904"/>
+                  <a:pt x="8357525" y="18288"/>
+                </a:cubicBezTo>
+                <a:cubicBezTo>
+                  <a:pt x="8134372" y="41480"/>
+                  <a:pt x="7903199" y="26458"/>
+                  <a:pt x="7679154" y="18288"/>
+                </a:cubicBezTo>
+                <a:cubicBezTo>
+                  <a:pt x="7455109" y="10118"/>
+                  <a:pt x="7435944" y="27109"/>
+                  <a:pt x="7217862" y="18288"/>
+                </a:cubicBezTo>
+                <a:cubicBezTo>
+                  <a:pt x="6999780" y="9467"/>
+                  <a:pt x="6680409" y="18985"/>
+                  <a:pt x="6539492" y="18288"/>
+                </a:cubicBezTo>
+                <a:cubicBezTo>
+                  <a:pt x="6398575" y="17592"/>
+                  <a:pt x="6312077" y="33018"/>
+                  <a:pt x="6186739" y="18288"/>
+                </a:cubicBezTo>
+                <a:cubicBezTo>
+                  <a:pt x="6061401" y="3558"/>
+                  <a:pt x="5947033" y="12075"/>
+                  <a:pt x="5833986" y="18288"/>
+                </a:cubicBezTo>
+                <a:cubicBezTo>
+                  <a:pt x="5720939" y="24501"/>
+                  <a:pt x="5482226" y="8586"/>
+                  <a:pt x="5155616" y="18288"/>
+                </a:cubicBezTo>
+                <a:cubicBezTo>
+                  <a:pt x="4829006" y="27991"/>
+                  <a:pt x="4841274" y="29316"/>
+                  <a:pt x="4694324" y="18288"/>
+                </a:cubicBezTo>
+                <a:cubicBezTo>
+                  <a:pt x="4547374" y="7260"/>
+                  <a:pt x="4077675" y="7013"/>
+                  <a:pt x="3907414" y="18288"/>
+                </a:cubicBezTo>
+                <a:cubicBezTo>
+                  <a:pt x="3737153" y="29564"/>
+                  <a:pt x="3538393" y="21630"/>
+                  <a:pt x="3446122" y="18288"/>
+                </a:cubicBezTo>
+                <a:cubicBezTo>
+                  <a:pt x="3353851" y="14946"/>
+                  <a:pt x="2990320" y="-8091"/>
+                  <a:pt x="2659212" y="18288"/>
+                </a:cubicBezTo>
+                <a:cubicBezTo>
+                  <a:pt x="2328104" y="44667"/>
+                  <a:pt x="2427653" y="9607"/>
+                  <a:pt x="2306460" y="18288"/>
+                </a:cubicBezTo>
+                <a:cubicBezTo>
+                  <a:pt x="2185267" y="26969"/>
+                  <a:pt x="1719763" y="3717"/>
+                  <a:pt x="1519550" y="18288"/>
+                </a:cubicBezTo>
+                <a:cubicBezTo>
+                  <a:pt x="1319337" y="32860"/>
+                  <a:pt x="1167371" y="17040"/>
+                  <a:pt x="1058258" y="18288"/>
+                </a:cubicBezTo>
+                <a:cubicBezTo>
+                  <a:pt x="949145" y="19536"/>
+                  <a:pt x="780234" y="31447"/>
+                  <a:pt x="705505" y="18288"/>
+                </a:cubicBezTo>
+                <a:cubicBezTo>
+                  <a:pt x="630776" y="5129"/>
+                  <a:pt x="215796" y="30056"/>
+                  <a:pt x="0" y="18288"/>
+                </a:cubicBezTo>
+                <a:cubicBezTo>
+                  <a:pt x="-53" y="11301"/>
+                  <a:pt x="-649" y="7756"/>
+                  <a:pt x="0" y="0"/>
+                </a:cubicBezTo>
+                <a:close/>
+              </a:path>
+            </a:pathLst>
+          </a:custGeom>
+          <a:solidFill>
+            <a:schemeClr val="accent2"/>
+          </a:solidFill>
+          <a:ln w="41275" cap="rnd">
+            <a:solidFill>
+              <a:schemeClr val="accent2"/>
+            </a:solidFill>
+            <a:round/>
+            <a:extLst>
+              <a:ext uri="{C807C97D-BFC1-408E-A445-0C87EB9F89A2}">
+                <ask:lineSketchStyleProps xmlns:ask="http://schemas.microsoft.com/office/drawing/2018/sketchyshapes" sd="1219033472">
+                  <a:prstGeom prst="rect">
+                    <a:avLst/>
+                  </a:prstGeom>
+                  <ask:type>
+                    <ask:lineSketchFreehand/>
+                  </ask:type>
+                </ask:lineSketchStyleProps>
+              </a:ext>
+            </a:extLst>
+          </a:ln>
+        </p:spPr>
+        <p:style>
+          <a:lnRef idx="2">
+            <a:schemeClr val="accent1">
+              <a:shade val="50000"/>
+            </a:schemeClr>
+          </a:lnRef>
+          <a:fillRef idx="1">
+            <a:schemeClr val="accent1"/>
+          </a:fillRef>
+          <a:effectRef idx="0">
+            <a:schemeClr val="accent1"/>
+          </a:effectRef>
+          <a:fontRef idx="minor">
+            <a:schemeClr val="lt1"/>
+          </a:fontRef>
+        </p:style>
+        <p:txBody>
+          <a:bodyPr rtlCol="0" anchor="ctr"/>
+          <a:lstStyle/>
+          <a:p>
+            <a:pPr algn="ctr"/>
+            <a:endParaRPr lang="en-US"/>
+          </a:p>
+        </p:txBody>
+      </p:sp>
+      <p:sp>
+        <p:nvSpPr>
+          <p:cNvPr id="3" name="Content Placeholder 2">
+            <a:extLst>
+              <a:ext uri="{FF2B5EF4-FFF2-40B4-BE49-F238E27FC236}">
+                <a16:creationId xmlns:a16="http://schemas.microsoft.com/office/drawing/2014/main" id="{B1DEB0AD-D8BC-7176-C281-A93022A78F65}"/>
+              </a:ext>
+            </a:extLst>
+          </p:cNvPr>
+          <p:cNvSpPr>
+            <a:spLocks noGrp="1"/>
+          </p:cNvSpPr>
+          <p:nvPr>
+            <p:ph idx="1"/>
+          </p:nvPr>
+        </p:nvSpPr>
+        <p:spPr>
+          <a:xfrm>
+            <a:off x="838200" y="1929384"/>
+            <a:ext cx="10515600" cy="4251960"/>
+          </a:xfrm>
+        </p:spPr>
+        <p:txBody>
+          <a:bodyPr>
+            <a:normAutofit/>
+          </a:bodyPr>
+          <a:lstStyle/>
+          <a:p>
+            <a:pPr marL="514350" indent="-514350">
+              <a:buAutoNum type="arabicPeriod"/>
+            </a:pPr>
+            <a:r>
+              <a:rPr lang="en-US" sz="2200" dirty="0"/>
+              <a:t>Trained and fit the model with default hyperparameters</a:t>
+            </a:r>
+          </a:p>
+          <a:p>
+            <a:pPr lvl="1"/>
+            <a:r>
+              <a:rPr lang="en-US" sz="2200" dirty="0"/>
+              <a:t>Got RMSE of </a:t>
+            </a:r>
+            <a:r>
+              <a:rPr lang="en-US" sz="2200" b="0" i="0" dirty="0">
+                <a:effectLst/>
+              </a:rPr>
+              <a:t>49.0087</a:t>
+            </a:r>
+          </a:p>
+          <a:p>
+            <a:pPr marL="514350" indent="-514350">
+              <a:buFont typeface="+mj-lt"/>
+              <a:buAutoNum type="arabicPeriod"/>
+            </a:pPr>
+            <a:r>
+              <a:rPr lang="en-US" sz="2200" dirty="0"/>
+              <a:t>Performed random search and got the following best parameters:</a:t>
+            </a:r>
+          </a:p>
+          <a:p>
+            <a:pPr lvl="1"/>
+            <a:r>
+              <a:rPr lang="en-US" sz="1600" b="0" i="0" dirty="0">
+                <a:solidFill>
+                  <a:schemeClr val="accent2"/>
+                </a:solidFill>
+                <a:effectLst/>
+                <a:latin typeface="Consolas" panose="020B0609020204030204" pitchFamily="49" charset="0"/>
+              </a:rPr>
+              <a:t>{'</a:t>
+            </a:r>
+            <a:r>
+              <a:rPr lang="en-US" sz="1600" b="0" i="0" dirty="0" err="1">
+                <a:solidFill>
+                  <a:schemeClr val="accent2"/>
+                </a:solidFill>
+                <a:effectLst/>
+                <a:latin typeface="Consolas" panose="020B0609020204030204" pitchFamily="49" charset="0"/>
+              </a:rPr>
+              <a:t>n_estimator</a:t>
+            </a:r>
+            <a:r>
+              <a:rPr lang="en-US" sz="1600" b="0" i="0" dirty="0">
+                <a:solidFill>
+                  <a:schemeClr val="accent2"/>
+                </a:solidFill>
+                <a:effectLst/>
+                <a:latin typeface="Consolas" panose="020B0609020204030204" pitchFamily="49" charset="0"/>
+              </a:rPr>
+              <a:t>': 3, '</a:t>
+            </a:r>
+            <a:r>
+              <a:rPr lang="en-US" sz="1600" b="0" i="0" dirty="0" err="1">
+                <a:solidFill>
+                  <a:schemeClr val="accent2"/>
+                </a:solidFill>
+                <a:effectLst/>
+                <a:latin typeface="Consolas" panose="020B0609020204030204" pitchFamily="49" charset="0"/>
+              </a:rPr>
+              <a:t>max_depth</a:t>
+            </a:r>
+            <a:r>
+              <a:rPr lang="en-US" sz="1600" b="0" i="0" dirty="0">
+                <a:solidFill>
+                  <a:schemeClr val="accent2"/>
+                </a:solidFill>
+                <a:effectLst/>
+                <a:latin typeface="Consolas" panose="020B0609020204030204" pitchFamily="49" charset="0"/>
+              </a:rPr>
+              <a:t>': 7, 'eta': 0.1}</a:t>
+            </a:r>
+          </a:p>
+          <a:p>
+            <a:pPr marL="514350" indent="-514350">
+              <a:buFont typeface="+mj-lt"/>
+              <a:buAutoNum type="arabicPeriod"/>
+            </a:pPr>
+            <a:r>
+              <a:rPr lang="en-US" sz="2200" b="0" i="0" dirty="0">
+                <a:effectLst/>
+              </a:rPr>
+              <a:t>Used best parameters</a:t>
+            </a:r>
+          </a:p>
+          <a:p>
+            <a:pPr lvl="1"/>
+            <a:r>
+              <a:rPr lang="en-US" sz="2200" dirty="0"/>
+              <a:t>Got RMSE of </a:t>
+            </a:r>
+            <a:r>
+              <a:rPr lang="en-US" sz="2200" b="0" i="0" dirty="0">
+                <a:effectLst/>
+              </a:rPr>
+              <a:t>325.9228</a:t>
+            </a:r>
+            <a:endParaRPr lang="en-US" sz="2200" dirty="0"/>
+          </a:p>
+          <a:p>
+            <a:pPr marL="514350" indent="-514350">
+              <a:buFont typeface="+mj-lt"/>
+              <a:buAutoNum type="arabicPeriod"/>
+            </a:pPr>
+            <a:r>
+              <a:rPr lang="en-US" sz="2200" b="0" i="0" dirty="0">
+                <a:effectLst/>
+              </a:rPr>
+              <a:t>Performed grid search and got the same parameters</a:t>
+            </a:r>
+          </a:p>
+        </p:txBody>
+      </p:sp>
+    </p:spTree>
+    <p:extLst>
+      <p:ext uri="{BB962C8B-B14F-4D97-AF65-F5344CB8AC3E}">
+        <p14:creationId xmlns:p14="http://schemas.microsoft.com/office/powerpoint/2010/main" val="3367409590"/>
       </p:ext>
     </p:extLst>
   </p:cSld>
@@ -15740,7 +16262,7 @@
       </p:grpSpPr>
       <p:sp>
         <p:nvSpPr>
-          <p:cNvPr id="22" name="Down Arrow 7">
+          <p:cNvPr id="10" name="Down Arrow 7">
             <a:extLst>
               <a:ext uri="{FF2B5EF4-FFF2-40B4-BE49-F238E27FC236}">
                 <a16:creationId xmlns:a16="http://schemas.microsoft.com/office/drawing/2014/main" id="{D4771268-CB57-404A-9271-370EB28F6090}"/>
@@ -15809,6 +16331,1526 @@
           <p:cNvPr id="2" name="Title 1">
             <a:extLst>
               <a:ext uri="{FF2B5EF4-FFF2-40B4-BE49-F238E27FC236}">
+                <a16:creationId xmlns:a16="http://schemas.microsoft.com/office/drawing/2014/main" id="{4FB8DE5B-C758-83FE-98A3-9BABF9C2AA13}"/>
+              </a:ext>
+            </a:extLst>
+          </p:cNvPr>
+          <p:cNvSpPr>
+            <a:spLocks noGrp="1"/>
+          </p:cNvSpPr>
+          <p:nvPr>
+            <p:ph type="title"/>
+          </p:nvPr>
+        </p:nvSpPr>
+        <p:spPr>
+          <a:xfrm>
+            <a:off x="1028700" y="1967266"/>
+            <a:ext cx="2628900" cy="2547257"/>
+          </a:xfrm>
+          <a:noFill/>
+        </p:spPr>
+        <p:txBody>
+          <a:bodyPr vert="horz" lIns="91440" tIns="45720" rIns="91440" bIns="45720" rtlCol="0" anchor="ctr">
+            <a:normAutofit/>
+          </a:bodyPr>
+          <a:lstStyle/>
+          <a:p>
+            <a:pPr algn="ctr"/>
+            <a:r>
+              <a:rPr lang="en-US" sz="3300" kern="1200">
+                <a:solidFill>
+                  <a:srgbClr val="FFFFFF"/>
+                </a:solidFill>
+                <a:latin typeface="+mj-lt"/>
+                <a:ea typeface="+mj-ea"/>
+                <a:cs typeface="+mj-cs"/>
+              </a:rPr>
+              <a:t>XGBRegressor</a:t>
+            </a:r>
+          </a:p>
+        </p:txBody>
+      </p:sp>
+      <p:pic>
+        <p:nvPicPr>
+          <p:cNvPr id="5" name="Content Placeholder 4" descr="Chart, line chart&#10;&#10;Description automatically generated">
+            <a:extLst>
+              <a:ext uri="{FF2B5EF4-FFF2-40B4-BE49-F238E27FC236}">
+                <a16:creationId xmlns:a16="http://schemas.microsoft.com/office/drawing/2014/main" id="{D3DCD492-F41F-3118-6F79-DD2FE5CE9151}"/>
+              </a:ext>
+            </a:extLst>
+          </p:cNvPr>
+          <p:cNvPicPr>
+            <a:picLocks noGrp="1" noChangeAspect="1"/>
+          </p:cNvPicPr>
+          <p:nvPr>
+            <p:ph idx="1"/>
+          </p:nvPr>
+        </p:nvPicPr>
+        <p:blipFill>
+          <a:blip r:embed="rId2">
+            <a:extLst>
+              <a:ext uri="{28A0092B-C50C-407E-A947-70E740481C1C}">
+                <a14:useLocalDpi xmlns:a14="http://schemas.microsoft.com/office/drawing/2010/main" val="0"/>
+              </a:ext>
+            </a:extLst>
+          </a:blip>
+          <a:stretch>
+            <a:fillRect/>
+          </a:stretch>
+        </p:blipFill>
+        <p:spPr>
+          <a:xfrm>
+            <a:off x="5390257" y="643466"/>
+            <a:ext cx="5554817" cy="5568739"/>
+          </a:xfrm>
+          <a:prstGeom prst="rect">
+            <a:avLst/>
+          </a:prstGeom>
+        </p:spPr>
+      </p:pic>
+    </p:spTree>
+    <p:extLst>
+      <p:ext uri="{BB962C8B-B14F-4D97-AF65-F5344CB8AC3E}">
+        <p14:creationId xmlns:p14="http://schemas.microsoft.com/office/powerpoint/2010/main" val="168105587"/>
+      </p:ext>
+    </p:extLst>
+  </p:cSld>
+  <p:clrMapOvr>
+    <a:masterClrMapping/>
+  </p:clrMapOvr>
+</p:sld>
+</file>
+
+<file path=ppt/slides/slide21.xml><?xml version="1.0" encoding="utf-8"?>
+<p:sld xmlns:a="http://schemas.openxmlformats.org/drawingml/2006/main" xmlns:r="http://schemas.openxmlformats.org/officeDocument/2006/relationships" xmlns:p="http://schemas.openxmlformats.org/presentationml/2006/main">
+  <p:cSld>
+    <p:bg>
+      <p:bgPr>
+        <a:solidFill>
+          <a:schemeClr val="bg1"/>
+        </a:solidFill>
+        <a:effectLst/>
+      </p:bgPr>
+    </p:bg>
+    <p:spTree>
+      <p:nvGrpSpPr>
+        <p:cNvPr id="1" name=""/>
+        <p:cNvGrpSpPr/>
+        <p:nvPr/>
+      </p:nvGrpSpPr>
+      <p:grpSpPr>
+        <a:xfrm>
+          <a:off x="0" y="0"/>
+          <a:ext cx="0" cy="0"/>
+          <a:chOff x="0" y="0"/>
+          <a:chExt cx="0" cy="0"/>
+        </a:xfrm>
+      </p:grpSpPr>
+      <p:sp useBgFill="1">
+        <p:nvSpPr>
+          <p:cNvPr id="8" name="Rectangle 7">
+            <a:extLst>
+              <a:ext uri="{FF2B5EF4-FFF2-40B4-BE49-F238E27FC236}">
+                <a16:creationId xmlns:a16="http://schemas.microsoft.com/office/drawing/2014/main" id="{100EDD19-6802-4EC3-95CE-CFFAB042CFD6}"/>
+              </a:ext>
+              <a:ext uri="{C183D7F6-B498-43B3-948B-1728B52AA6E4}">
+                <adec:decorative xmlns:adec="http://schemas.microsoft.com/office/drawing/2017/decorative" val="1"/>
+              </a:ext>
+            </a:extLst>
+          </p:cNvPr>
+          <p:cNvSpPr>
+            <a:spLocks noGrp="1" noRot="1" noChangeAspect="1" noMove="1" noResize="1" noEditPoints="1" noAdjustHandles="1" noChangeArrowheads="1" noChangeShapeType="1" noTextEdit="1"/>
+          </p:cNvSpPr>
+          <p:nvPr>
+            <p:extLst>
+              <p:ext uri="{386F3935-93C4-4BCD-93E2-E3B085C9AB24}">
+                <p16:designElem xmlns:p16="http://schemas.microsoft.com/office/powerpoint/2015/main" val="1"/>
+              </p:ext>
+            </p:extLst>
+          </p:nvPr>
+        </p:nvSpPr>
+        <p:spPr>
+          <a:xfrm>
+            <a:off x="0" y="0"/>
+            <a:ext cx="12188952" cy="6858000"/>
+          </a:xfrm>
+          <a:prstGeom prst="rect">
+            <a:avLst/>
+          </a:prstGeom>
+          <a:ln>
+            <a:noFill/>
+          </a:ln>
+        </p:spPr>
+        <p:style>
+          <a:lnRef idx="2">
+            <a:schemeClr val="accent1">
+              <a:shade val="50000"/>
+            </a:schemeClr>
+          </a:lnRef>
+          <a:fillRef idx="1">
+            <a:schemeClr val="accent1"/>
+          </a:fillRef>
+          <a:effectRef idx="0">
+            <a:schemeClr val="accent1"/>
+          </a:effectRef>
+          <a:fontRef idx="minor">
+            <a:schemeClr val="lt1"/>
+          </a:fontRef>
+        </p:style>
+        <p:txBody>
+          <a:bodyPr rtlCol="0" anchor="ctr"/>
+          <a:lstStyle/>
+          <a:p>
+            <a:pPr algn="ctr"/>
+            <a:endParaRPr lang="en-US"/>
+          </a:p>
+        </p:txBody>
+      </p:sp>
+      <p:sp>
+        <p:nvSpPr>
+          <p:cNvPr id="2" name="Title 1">
+            <a:extLst>
+              <a:ext uri="{FF2B5EF4-FFF2-40B4-BE49-F238E27FC236}">
+                <a16:creationId xmlns:a16="http://schemas.microsoft.com/office/drawing/2014/main" id="{4FB8DE5B-C758-83FE-98A3-9BABF9C2AA13}"/>
+              </a:ext>
+            </a:extLst>
+          </p:cNvPr>
+          <p:cNvSpPr>
+            <a:spLocks noGrp="1"/>
+          </p:cNvSpPr>
+          <p:nvPr>
+            <p:ph type="title"/>
+          </p:nvPr>
+        </p:nvSpPr>
+        <p:spPr>
+          <a:xfrm>
+            <a:off x="838200" y="365125"/>
+            <a:ext cx="10515600" cy="1325563"/>
+          </a:xfrm>
+        </p:spPr>
+        <p:txBody>
+          <a:bodyPr>
+            <a:normAutofit/>
+          </a:bodyPr>
+          <a:lstStyle/>
+          <a:p>
+            <a:r>
+              <a:rPr lang="en-US" sz="5400" dirty="0"/>
+              <a:t>Random Forest Regressor </a:t>
+            </a:r>
+          </a:p>
+        </p:txBody>
+      </p:sp>
+      <p:sp>
+        <p:nvSpPr>
+          <p:cNvPr id="10" name="sketch line">
+            <a:extLst>
+              <a:ext uri="{FF2B5EF4-FFF2-40B4-BE49-F238E27FC236}">
+                <a16:creationId xmlns:a16="http://schemas.microsoft.com/office/drawing/2014/main" id="{DB17E863-922E-4C26-BD64-E8FD41D28661}"/>
+              </a:ext>
+              <a:ext uri="{C183D7F6-B498-43B3-948B-1728B52AA6E4}">
+                <adec:decorative xmlns:adec="http://schemas.microsoft.com/office/drawing/2017/decorative" val="1"/>
+              </a:ext>
+            </a:extLst>
+          </p:cNvPr>
+          <p:cNvSpPr>
+            <a:spLocks noGrp="1" noRot="1" noChangeAspect="1" noMove="1" noResize="1" noEditPoints="1" noAdjustHandles="1" noChangeArrowheads="1" noChangeShapeType="1" noTextEdit="1"/>
+          </p:cNvSpPr>
+          <p:nvPr>
+            <p:extLst>
+              <p:ext uri="{386F3935-93C4-4BCD-93E2-E3B085C9AB24}">
+                <p16:designElem xmlns:p16="http://schemas.microsoft.com/office/powerpoint/2015/main" val="1"/>
+              </p:ext>
+            </p:extLst>
+          </p:nvPr>
+        </p:nvSpPr>
+        <p:spPr>
+          <a:xfrm>
+            <a:off x="669036" y="1677373"/>
+            <a:ext cx="10853928" cy="18288"/>
+          </a:xfrm>
+          <a:custGeom>
+            <a:avLst/>
+            <a:gdLst>
+              <a:gd name="connsiteX0" fmla="*/ 0 w 10853928"/>
+              <a:gd name="connsiteY0" fmla="*/ 0 h 18288"/>
+              <a:gd name="connsiteX1" fmla="*/ 461292 w 10853928"/>
+              <a:gd name="connsiteY1" fmla="*/ 0 h 18288"/>
+              <a:gd name="connsiteX2" fmla="*/ 1139662 w 10853928"/>
+              <a:gd name="connsiteY2" fmla="*/ 0 h 18288"/>
+              <a:gd name="connsiteX3" fmla="*/ 1926572 w 10853928"/>
+              <a:gd name="connsiteY3" fmla="*/ 0 h 18288"/>
+              <a:gd name="connsiteX4" fmla="*/ 2279325 w 10853928"/>
+              <a:gd name="connsiteY4" fmla="*/ 0 h 18288"/>
+              <a:gd name="connsiteX5" fmla="*/ 2632078 w 10853928"/>
+              <a:gd name="connsiteY5" fmla="*/ 0 h 18288"/>
+              <a:gd name="connsiteX6" fmla="*/ 3527527 w 10853928"/>
+              <a:gd name="connsiteY6" fmla="*/ 0 h 18288"/>
+              <a:gd name="connsiteX7" fmla="*/ 4205897 w 10853928"/>
+              <a:gd name="connsiteY7" fmla="*/ 0 h 18288"/>
+              <a:gd name="connsiteX8" fmla="*/ 4558650 w 10853928"/>
+              <a:gd name="connsiteY8" fmla="*/ 0 h 18288"/>
+              <a:gd name="connsiteX9" fmla="*/ 5237020 w 10853928"/>
+              <a:gd name="connsiteY9" fmla="*/ 0 h 18288"/>
+              <a:gd name="connsiteX10" fmla="*/ 6132469 w 10853928"/>
+              <a:gd name="connsiteY10" fmla="*/ 0 h 18288"/>
+              <a:gd name="connsiteX11" fmla="*/ 6702301 w 10853928"/>
+              <a:gd name="connsiteY11" fmla="*/ 0 h 18288"/>
+              <a:gd name="connsiteX12" fmla="*/ 7272132 w 10853928"/>
+              <a:gd name="connsiteY12" fmla="*/ 0 h 18288"/>
+              <a:gd name="connsiteX13" fmla="*/ 7950502 w 10853928"/>
+              <a:gd name="connsiteY13" fmla="*/ 0 h 18288"/>
+              <a:gd name="connsiteX14" fmla="*/ 8737412 w 10853928"/>
+              <a:gd name="connsiteY14" fmla="*/ 0 h 18288"/>
+              <a:gd name="connsiteX15" fmla="*/ 9524322 w 10853928"/>
+              <a:gd name="connsiteY15" fmla="*/ 0 h 18288"/>
+              <a:gd name="connsiteX16" fmla="*/ 10853928 w 10853928"/>
+              <a:gd name="connsiteY16" fmla="*/ 0 h 18288"/>
+              <a:gd name="connsiteX17" fmla="*/ 10853928 w 10853928"/>
+              <a:gd name="connsiteY17" fmla="*/ 18288 h 18288"/>
+              <a:gd name="connsiteX18" fmla="*/ 10392636 w 10853928"/>
+              <a:gd name="connsiteY18" fmla="*/ 18288 h 18288"/>
+              <a:gd name="connsiteX19" fmla="*/ 9497187 w 10853928"/>
+              <a:gd name="connsiteY19" fmla="*/ 18288 h 18288"/>
+              <a:gd name="connsiteX20" fmla="*/ 8818817 w 10853928"/>
+              <a:gd name="connsiteY20" fmla="*/ 18288 h 18288"/>
+              <a:gd name="connsiteX21" fmla="*/ 8466064 w 10853928"/>
+              <a:gd name="connsiteY21" fmla="*/ 18288 h 18288"/>
+              <a:gd name="connsiteX22" fmla="*/ 7787693 w 10853928"/>
+              <a:gd name="connsiteY22" fmla="*/ 18288 h 18288"/>
+              <a:gd name="connsiteX23" fmla="*/ 7217862 w 10853928"/>
+              <a:gd name="connsiteY23" fmla="*/ 18288 h 18288"/>
+              <a:gd name="connsiteX24" fmla="*/ 6648031 w 10853928"/>
+              <a:gd name="connsiteY24" fmla="*/ 18288 h 18288"/>
+              <a:gd name="connsiteX25" fmla="*/ 6078200 w 10853928"/>
+              <a:gd name="connsiteY25" fmla="*/ 18288 h 18288"/>
+              <a:gd name="connsiteX26" fmla="*/ 5508368 w 10853928"/>
+              <a:gd name="connsiteY26" fmla="*/ 18288 h 18288"/>
+              <a:gd name="connsiteX27" fmla="*/ 4721459 w 10853928"/>
+              <a:gd name="connsiteY27" fmla="*/ 18288 h 18288"/>
+              <a:gd name="connsiteX28" fmla="*/ 4043088 w 10853928"/>
+              <a:gd name="connsiteY28" fmla="*/ 18288 h 18288"/>
+              <a:gd name="connsiteX29" fmla="*/ 3690336 w 10853928"/>
+              <a:gd name="connsiteY29" fmla="*/ 18288 h 18288"/>
+              <a:gd name="connsiteX30" fmla="*/ 3120504 w 10853928"/>
+              <a:gd name="connsiteY30" fmla="*/ 18288 h 18288"/>
+              <a:gd name="connsiteX31" fmla="*/ 2333595 w 10853928"/>
+              <a:gd name="connsiteY31" fmla="*/ 18288 h 18288"/>
+              <a:gd name="connsiteX32" fmla="*/ 1872303 w 10853928"/>
+              <a:gd name="connsiteY32" fmla="*/ 18288 h 18288"/>
+              <a:gd name="connsiteX33" fmla="*/ 976854 w 10853928"/>
+              <a:gd name="connsiteY33" fmla="*/ 18288 h 18288"/>
+              <a:gd name="connsiteX34" fmla="*/ 0 w 10853928"/>
+              <a:gd name="connsiteY34" fmla="*/ 18288 h 18288"/>
+              <a:gd name="connsiteX35" fmla="*/ 0 w 10853928"/>
+              <a:gd name="connsiteY35" fmla="*/ 0 h 18288"/>
+            </a:gdLst>
+            <a:ahLst/>
+            <a:cxnLst>
+              <a:cxn ang="0">
+                <a:pos x="connsiteX0" y="connsiteY0"/>
+              </a:cxn>
+              <a:cxn ang="0">
+                <a:pos x="connsiteX1" y="connsiteY1"/>
+              </a:cxn>
+              <a:cxn ang="0">
+                <a:pos x="connsiteX2" y="connsiteY2"/>
+              </a:cxn>
+              <a:cxn ang="0">
+                <a:pos x="connsiteX3" y="connsiteY3"/>
+              </a:cxn>
+              <a:cxn ang="0">
+                <a:pos x="connsiteX4" y="connsiteY4"/>
+              </a:cxn>
+              <a:cxn ang="0">
+                <a:pos x="connsiteX5" y="connsiteY5"/>
+              </a:cxn>
+              <a:cxn ang="0">
+                <a:pos x="connsiteX6" y="connsiteY6"/>
+              </a:cxn>
+              <a:cxn ang="0">
+                <a:pos x="connsiteX7" y="connsiteY7"/>
+              </a:cxn>
+              <a:cxn ang="0">
+                <a:pos x="connsiteX8" y="connsiteY8"/>
+              </a:cxn>
+              <a:cxn ang="0">
+                <a:pos x="connsiteX9" y="connsiteY9"/>
+              </a:cxn>
+              <a:cxn ang="0">
+                <a:pos x="connsiteX10" y="connsiteY10"/>
+              </a:cxn>
+              <a:cxn ang="0">
+                <a:pos x="connsiteX11" y="connsiteY11"/>
+              </a:cxn>
+              <a:cxn ang="0">
+                <a:pos x="connsiteX12" y="connsiteY12"/>
+              </a:cxn>
+              <a:cxn ang="0">
+                <a:pos x="connsiteX13" y="connsiteY13"/>
+              </a:cxn>
+              <a:cxn ang="0">
+                <a:pos x="connsiteX14" y="connsiteY14"/>
+              </a:cxn>
+              <a:cxn ang="0">
+                <a:pos x="connsiteX15" y="connsiteY15"/>
+              </a:cxn>
+              <a:cxn ang="0">
+                <a:pos x="connsiteX16" y="connsiteY16"/>
+              </a:cxn>
+              <a:cxn ang="0">
+                <a:pos x="connsiteX17" y="connsiteY17"/>
+              </a:cxn>
+              <a:cxn ang="0">
+                <a:pos x="connsiteX18" y="connsiteY18"/>
+              </a:cxn>
+              <a:cxn ang="0">
+                <a:pos x="connsiteX19" y="connsiteY19"/>
+              </a:cxn>
+              <a:cxn ang="0">
+                <a:pos x="connsiteX20" y="connsiteY20"/>
+              </a:cxn>
+              <a:cxn ang="0">
+                <a:pos x="connsiteX21" y="connsiteY21"/>
+              </a:cxn>
+              <a:cxn ang="0">
+                <a:pos x="connsiteX22" y="connsiteY22"/>
+              </a:cxn>
+              <a:cxn ang="0">
+                <a:pos x="connsiteX23" y="connsiteY23"/>
+              </a:cxn>
+              <a:cxn ang="0">
+                <a:pos x="connsiteX24" y="connsiteY24"/>
+              </a:cxn>
+              <a:cxn ang="0">
+                <a:pos x="connsiteX25" y="connsiteY25"/>
+              </a:cxn>
+              <a:cxn ang="0">
+                <a:pos x="connsiteX26" y="connsiteY26"/>
+              </a:cxn>
+              <a:cxn ang="0">
+                <a:pos x="connsiteX27" y="connsiteY27"/>
+              </a:cxn>
+              <a:cxn ang="0">
+                <a:pos x="connsiteX28" y="connsiteY28"/>
+              </a:cxn>
+              <a:cxn ang="0">
+                <a:pos x="connsiteX29" y="connsiteY29"/>
+              </a:cxn>
+              <a:cxn ang="0">
+                <a:pos x="connsiteX30" y="connsiteY30"/>
+              </a:cxn>
+              <a:cxn ang="0">
+                <a:pos x="connsiteX31" y="connsiteY31"/>
+              </a:cxn>
+              <a:cxn ang="0">
+                <a:pos x="connsiteX32" y="connsiteY32"/>
+              </a:cxn>
+              <a:cxn ang="0">
+                <a:pos x="connsiteX33" y="connsiteY33"/>
+              </a:cxn>
+              <a:cxn ang="0">
+                <a:pos x="connsiteX34" y="connsiteY34"/>
+              </a:cxn>
+              <a:cxn ang="0">
+                <a:pos x="connsiteX35" y="connsiteY35"/>
+              </a:cxn>
+            </a:cxnLst>
+            <a:rect l="l" t="t" r="r" b="b"/>
+            <a:pathLst>
+              <a:path w="10853928" h="18288" fill="none" extrusionOk="0">
+                <a:moveTo>
+                  <a:pt x="0" y="0"/>
+                </a:moveTo>
+                <a:cubicBezTo>
+                  <a:pt x="146993" y="-19076"/>
+                  <a:pt x="347684" y="-4790"/>
+                  <a:pt x="461292" y="0"/>
+                </a:cubicBezTo>
+                <a:cubicBezTo>
+                  <a:pt x="574900" y="4790"/>
+                  <a:pt x="808367" y="19821"/>
+                  <a:pt x="1139662" y="0"/>
+                </a:cubicBezTo>
+                <a:cubicBezTo>
+                  <a:pt x="1470957" y="-19821"/>
+                  <a:pt x="1627405" y="5721"/>
+                  <a:pt x="1926572" y="0"/>
+                </a:cubicBezTo>
+                <a:cubicBezTo>
+                  <a:pt x="2225739" y="-5721"/>
+                  <a:pt x="2137730" y="-3235"/>
+                  <a:pt x="2279325" y="0"/>
+                </a:cubicBezTo>
+                <a:cubicBezTo>
+                  <a:pt x="2420920" y="3235"/>
+                  <a:pt x="2456518" y="9685"/>
+                  <a:pt x="2632078" y="0"/>
+                </a:cubicBezTo>
+                <a:cubicBezTo>
+                  <a:pt x="2807638" y="-9685"/>
+                  <a:pt x="3211516" y="-43007"/>
+                  <a:pt x="3527527" y="0"/>
+                </a:cubicBezTo>
+                <a:cubicBezTo>
+                  <a:pt x="3843538" y="43007"/>
+                  <a:pt x="4058833" y="22042"/>
+                  <a:pt x="4205897" y="0"/>
+                </a:cubicBezTo>
+                <a:cubicBezTo>
+                  <a:pt x="4352961" y="-22042"/>
+                  <a:pt x="4474805" y="-11846"/>
+                  <a:pt x="4558650" y="0"/>
+                </a:cubicBezTo>
+                <a:cubicBezTo>
+                  <a:pt x="4642495" y="11846"/>
+                  <a:pt x="5041928" y="-6069"/>
+                  <a:pt x="5237020" y="0"/>
+                </a:cubicBezTo>
+                <a:cubicBezTo>
+                  <a:pt x="5432112" y="6069"/>
+                  <a:pt x="5943266" y="-17479"/>
+                  <a:pt x="6132469" y="0"/>
+                </a:cubicBezTo>
+                <a:cubicBezTo>
+                  <a:pt x="6321672" y="17479"/>
+                  <a:pt x="6483872" y="26234"/>
+                  <a:pt x="6702301" y="0"/>
+                </a:cubicBezTo>
+                <a:cubicBezTo>
+                  <a:pt x="6920730" y="-26234"/>
+                  <a:pt x="6991194" y="-15156"/>
+                  <a:pt x="7272132" y="0"/>
+                </a:cubicBezTo>
+                <a:cubicBezTo>
+                  <a:pt x="7553070" y="15156"/>
+                  <a:pt x="7684444" y="-32961"/>
+                  <a:pt x="7950502" y="0"/>
+                </a:cubicBezTo>
+                <a:cubicBezTo>
+                  <a:pt x="8216560" y="32961"/>
+                  <a:pt x="8493290" y="-10491"/>
+                  <a:pt x="8737412" y="0"/>
+                </a:cubicBezTo>
+                <a:cubicBezTo>
+                  <a:pt x="8981534" y="10491"/>
+                  <a:pt x="9191586" y="-13899"/>
+                  <a:pt x="9524322" y="0"/>
+                </a:cubicBezTo>
+                <a:cubicBezTo>
+                  <a:pt x="9857058" y="13899"/>
+                  <a:pt x="10297509" y="7485"/>
+                  <a:pt x="10853928" y="0"/>
+                </a:cubicBezTo>
+                <a:cubicBezTo>
+                  <a:pt x="10854574" y="4451"/>
+                  <a:pt x="10854418" y="9226"/>
+                  <a:pt x="10853928" y="18288"/>
+                </a:cubicBezTo>
+                <a:cubicBezTo>
+                  <a:pt x="10691638" y="28522"/>
+                  <a:pt x="10574319" y="29578"/>
+                  <a:pt x="10392636" y="18288"/>
+                </a:cubicBezTo>
+                <a:cubicBezTo>
+                  <a:pt x="10210953" y="6998"/>
+                  <a:pt x="9836277" y="-16742"/>
+                  <a:pt x="9497187" y="18288"/>
+                </a:cubicBezTo>
+                <a:cubicBezTo>
+                  <a:pt x="9158097" y="53318"/>
+                  <a:pt x="9119479" y="30714"/>
+                  <a:pt x="8818817" y="18288"/>
+                </a:cubicBezTo>
+                <a:cubicBezTo>
+                  <a:pt x="8518155" y="5863"/>
+                  <a:pt x="8640037" y="6483"/>
+                  <a:pt x="8466064" y="18288"/>
+                </a:cubicBezTo>
+                <a:cubicBezTo>
+                  <a:pt x="8292091" y="30093"/>
+                  <a:pt x="7997656" y="18914"/>
+                  <a:pt x="7787693" y="18288"/>
+                </a:cubicBezTo>
+                <a:cubicBezTo>
+                  <a:pt x="7577730" y="17662"/>
+                  <a:pt x="7412468" y="21416"/>
+                  <a:pt x="7217862" y="18288"/>
+                </a:cubicBezTo>
+                <a:cubicBezTo>
+                  <a:pt x="7023256" y="15160"/>
+                  <a:pt x="6898018" y="14824"/>
+                  <a:pt x="6648031" y="18288"/>
+                </a:cubicBezTo>
+                <a:cubicBezTo>
+                  <a:pt x="6398044" y="21752"/>
+                  <a:pt x="6254402" y="38625"/>
+                  <a:pt x="6078200" y="18288"/>
+                </a:cubicBezTo>
+                <a:cubicBezTo>
+                  <a:pt x="5901998" y="-2049"/>
+                  <a:pt x="5622886" y="3213"/>
+                  <a:pt x="5508368" y="18288"/>
+                </a:cubicBezTo>
+                <a:cubicBezTo>
+                  <a:pt x="5393850" y="33363"/>
+                  <a:pt x="5036260" y="26830"/>
+                  <a:pt x="4721459" y="18288"/>
+                </a:cubicBezTo>
+                <a:cubicBezTo>
+                  <a:pt x="4406658" y="9746"/>
+                  <a:pt x="4239221" y="41551"/>
+                  <a:pt x="4043088" y="18288"/>
+                </a:cubicBezTo>
+                <a:cubicBezTo>
+                  <a:pt x="3846955" y="-4975"/>
+                  <a:pt x="3818802" y="34658"/>
+                  <a:pt x="3690336" y="18288"/>
+                </a:cubicBezTo>
+                <a:cubicBezTo>
+                  <a:pt x="3561870" y="1918"/>
+                  <a:pt x="3265491" y="42194"/>
+                  <a:pt x="3120504" y="18288"/>
+                </a:cubicBezTo>
+                <a:cubicBezTo>
+                  <a:pt x="2975517" y="-5618"/>
+                  <a:pt x="2720254" y="36673"/>
+                  <a:pt x="2333595" y="18288"/>
+                </a:cubicBezTo>
+                <a:cubicBezTo>
+                  <a:pt x="1946936" y="-97"/>
+                  <a:pt x="2097241" y="5776"/>
+                  <a:pt x="1872303" y="18288"/>
+                </a:cubicBezTo>
+                <a:cubicBezTo>
+                  <a:pt x="1647365" y="30800"/>
+                  <a:pt x="1282708" y="45380"/>
+                  <a:pt x="976854" y="18288"/>
+                </a:cubicBezTo>
+                <a:cubicBezTo>
+                  <a:pt x="671000" y="-8804"/>
+                  <a:pt x="408401" y="-12775"/>
+                  <a:pt x="0" y="18288"/>
+                </a:cubicBezTo>
+                <a:cubicBezTo>
+                  <a:pt x="-213" y="9468"/>
+                  <a:pt x="187" y="4459"/>
+                  <a:pt x="0" y="0"/>
+                </a:cubicBezTo>
+                <a:close/>
+              </a:path>
+              <a:path w="10853928" h="18288" stroke="0" extrusionOk="0">
+                <a:moveTo>
+                  <a:pt x="0" y="0"/>
+                </a:moveTo>
+                <a:cubicBezTo>
+                  <a:pt x="267322" y="15284"/>
+                  <a:pt x="415388" y="-21048"/>
+                  <a:pt x="569831" y="0"/>
+                </a:cubicBezTo>
+                <a:cubicBezTo>
+                  <a:pt x="724274" y="21048"/>
+                  <a:pt x="769333" y="-2353"/>
+                  <a:pt x="922584" y="0"/>
+                </a:cubicBezTo>
+                <a:cubicBezTo>
+                  <a:pt x="1075835" y="2353"/>
+                  <a:pt x="1399490" y="-145"/>
+                  <a:pt x="1818033" y="0"/>
+                </a:cubicBezTo>
+                <a:cubicBezTo>
+                  <a:pt x="2236576" y="145"/>
+                  <a:pt x="2145330" y="5482"/>
+                  <a:pt x="2387864" y="0"/>
+                </a:cubicBezTo>
+                <a:cubicBezTo>
+                  <a:pt x="2630398" y="-5482"/>
+                  <a:pt x="2793207" y="18487"/>
+                  <a:pt x="2957695" y="0"/>
+                </a:cubicBezTo>
+                <a:cubicBezTo>
+                  <a:pt x="3122183" y="-18487"/>
+                  <a:pt x="3579141" y="19003"/>
+                  <a:pt x="3853144" y="0"/>
+                </a:cubicBezTo>
+                <a:cubicBezTo>
+                  <a:pt x="4127147" y="-19003"/>
+                  <a:pt x="4209857" y="12211"/>
+                  <a:pt x="4314436" y="0"/>
+                </a:cubicBezTo>
+                <a:cubicBezTo>
+                  <a:pt x="4419015" y="-12211"/>
+                  <a:pt x="4762459" y="-17220"/>
+                  <a:pt x="5209885" y="0"/>
+                </a:cubicBezTo>
+                <a:cubicBezTo>
+                  <a:pt x="5657311" y="17220"/>
+                  <a:pt x="5692663" y="-3290"/>
+                  <a:pt x="6105335" y="0"/>
+                </a:cubicBezTo>
+                <a:cubicBezTo>
+                  <a:pt x="6518007" y="3290"/>
+                  <a:pt x="6455516" y="-5124"/>
+                  <a:pt x="6783705" y="0"/>
+                </a:cubicBezTo>
+                <a:cubicBezTo>
+                  <a:pt x="7111894" y="5124"/>
+                  <a:pt x="7441941" y="-17829"/>
+                  <a:pt x="7679154" y="0"/>
+                </a:cubicBezTo>
+                <a:cubicBezTo>
+                  <a:pt x="7916367" y="17829"/>
+                  <a:pt x="8102967" y="-24363"/>
+                  <a:pt x="8248985" y="0"/>
+                </a:cubicBezTo>
+                <a:cubicBezTo>
+                  <a:pt x="8395003" y="24363"/>
+                  <a:pt x="8552393" y="25505"/>
+                  <a:pt x="8818817" y="0"/>
+                </a:cubicBezTo>
+                <a:cubicBezTo>
+                  <a:pt x="9085241" y="-25505"/>
+                  <a:pt x="9411308" y="38000"/>
+                  <a:pt x="9605726" y="0"/>
+                </a:cubicBezTo>
+                <a:cubicBezTo>
+                  <a:pt x="9800144" y="-38000"/>
+                  <a:pt x="10006468" y="-25741"/>
+                  <a:pt x="10175558" y="0"/>
+                </a:cubicBezTo>
+                <a:cubicBezTo>
+                  <a:pt x="10344648" y="25741"/>
+                  <a:pt x="10696282" y="695"/>
+                  <a:pt x="10853928" y="0"/>
+                </a:cubicBezTo>
+                <a:cubicBezTo>
+                  <a:pt x="10853521" y="8690"/>
+                  <a:pt x="10853774" y="14141"/>
+                  <a:pt x="10853928" y="18288"/>
+                </a:cubicBezTo>
+                <a:cubicBezTo>
+                  <a:pt x="10608124" y="24255"/>
+                  <a:pt x="10343415" y="22307"/>
+                  <a:pt x="10067018" y="18288"/>
+                </a:cubicBezTo>
+                <a:cubicBezTo>
+                  <a:pt x="9790621" y="14270"/>
+                  <a:pt x="9843266" y="3564"/>
+                  <a:pt x="9714266" y="18288"/>
+                </a:cubicBezTo>
+                <a:cubicBezTo>
+                  <a:pt x="9585266" y="33012"/>
+                  <a:pt x="9379484" y="1875"/>
+                  <a:pt x="9252974" y="18288"/>
+                </a:cubicBezTo>
+                <a:cubicBezTo>
+                  <a:pt x="9126464" y="34701"/>
+                  <a:pt x="8580678" y="-4904"/>
+                  <a:pt x="8357525" y="18288"/>
+                </a:cubicBezTo>
+                <a:cubicBezTo>
+                  <a:pt x="8134372" y="41480"/>
+                  <a:pt x="7903199" y="26458"/>
+                  <a:pt x="7679154" y="18288"/>
+                </a:cubicBezTo>
+                <a:cubicBezTo>
+                  <a:pt x="7455109" y="10118"/>
+                  <a:pt x="7435944" y="27109"/>
+                  <a:pt x="7217862" y="18288"/>
+                </a:cubicBezTo>
+                <a:cubicBezTo>
+                  <a:pt x="6999780" y="9467"/>
+                  <a:pt x="6680409" y="18985"/>
+                  <a:pt x="6539492" y="18288"/>
+                </a:cubicBezTo>
+                <a:cubicBezTo>
+                  <a:pt x="6398575" y="17592"/>
+                  <a:pt x="6312077" y="33018"/>
+                  <a:pt x="6186739" y="18288"/>
+                </a:cubicBezTo>
+                <a:cubicBezTo>
+                  <a:pt x="6061401" y="3558"/>
+                  <a:pt x="5947033" y="12075"/>
+                  <a:pt x="5833986" y="18288"/>
+                </a:cubicBezTo>
+                <a:cubicBezTo>
+                  <a:pt x="5720939" y="24501"/>
+                  <a:pt x="5482226" y="8586"/>
+                  <a:pt x="5155616" y="18288"/>
+                </a:cubicBezTo>
+                <a:cubicBezTo>
+                  <a:pt x="4829006" y="27991"/>
+                  <a:pt x="4841274" y="29316"/>
+                  <a:pt x="4694324" y="18288"/>
+                </a:cubicBezTo>
+                <a:cubicBezTo>
+                  <a:pt x="4547374" y="7260"/>
+                  <a:pt x="4077675" y="7013"/>
+                  <a:pt x="3907414" y="18288"/>
+                </a:cubicBezTo>
+                <a:cubicBezTo>
+                  <a:pt x="3737153" y="29564"/>
+                  <a:pt x="3538393" y="21630"/>
+                  <a:pt x="3446122" y="18288"/>
+                </a:cubicBezTo>
+                <a:cubicBezTo>
+                  <a:pt x="3353851" y="14946"/>
+                  <a:pt x="2990320" y="-8091"/>
+                  <a:pt x="2659212" y="18288"/>
+                </a:cubicBezTo>
+                <a:cubicBezTo>
+                  <a:pt x="2328104" y="44667"/>
+                  <a:pt x="2427653" y="9607"/>
+                  <a:pt x="2306460" y="18288"/>
+                </a:cubicBezTo>
+                <a:cubicBezTo>
+                  <a:pt x="2185267" y="26969"/>
+                  <a:pt x="1719763" y="3717"/>
+                  <a:pt x="1519550" y="18288"/>
+                </a:cubicBezTo>
+                <a:cubicBezTo>
+                  <a:pt x="1319337" y="32860"/>
+                  <a:pt x="1167371" y="17040"/>
+                  <a:pt x="1058258" y="18288"/>
+                </a:cubicBezTo>
+                <a:cubicBezTo>
+                  <a:pt x="949145" y="19536"/>
+                  <a:pt x="780234" y="31447"/>
+                  <a:pt x="705505" y="18288"/>
+                </a:cubicBezTo>
+                <a:cubicBezTo>
+                  <a:pt x="630776" y="5129"/>
+                  <a:pt x="215796" y="30056"/>
+                  <a:pt x="0" y="18288"/>
+                </a:cubicBezTo>
+                <a:cubicBezTo>
+                  <a:pt x="-53" y="11301"/>
+                  <a:pt x="-649" y="7756"/>
+                  <a:pt x="0" y="0"/>
+                </a:cubicBezTo>
+                <a:close/>
+              </a:path>
+            </a:pathLst>
+          </a:custGeom>
+          <a:solidFill>
+            <a:schemeClr val="accent2"/>
+          </a:solidFill>
+          <a:ln w="41275" cap="rnd">
+            <a:solidFill>
+              <a:schemeClr val="accent2"/>
+            </a:solidFill>
+            <a:round/>
+            <a:extLst>
+              <a:ext uri="{C807C97D-BFC1-408E-A445-0C87EB9F89A2}">
+                <ask:lineSketchStyleProps xmlns:ask="http://schemas.microsoft.com/office/drawing/2018/sketchyshapes" sd="1219033472">
+                  <a:prstGeom prst="rect">
+                    <a:avLst/>
+                  </a:prstGeom>
+                  <ask:type>
+                    <ask:lineSketchFreehand/>
+                  </ask:type>
+                </ask:lineSketchStyleProps>
+              </a:ext>
+            </a:extLst>
+          </a:ln>
+        </p:spPr>
+        <p:style>
+          <a:lnRef idx="2">
+            <a:schemeClr val="accent1">
+              <a:shade val="50000"/>
+            </a:schemeClr>
+          </a:lnRef>
+          <a:fillRef idx="1">
+            <a:schemeClr val="accent1"/>
+          </a:fillRef>
+          <a:effectRef idx="0">
+            <a:schemeClr val="accent1"/>
+          </a:effectRef>
+          <a:fontRef idx="minor">
+            <a:schemeClr val="lt1"/>
+          </a:fontRef>
+        </p:style>
+        <p:txBody>
+          <a:bodyPr rtlCol="0" anchor="ctr"/>
+          <a:lstStyle/>
+          <a:p>
+            <a:pPr algn="ctr"/>
+            <a:endParaRPr lang="en-US"/>
+          </a:p>
+        </p:txBody>
+      </p:sp>
+      <p:sp>
+        <p:nvSpPr>
+          <p:cNvPr id="3" name="Content Placeholder 2">
+            <a:extLst>
+              <a:ext uri="{FF2B5EF4-FFF2-40B4-BE49-F238E27FC236}">
+                <a16:creationId xmlns:a16="http://schemas.microsoft.com/office/drawing/2014/main" id="{B1DEB0AD-D8BC-7176-C281-A93022A78F65}"/>
+              </a:ext>
+            </a:extLst>
+          </p:cNvPr>
+          <p:cNvSpPr>
+            <a:spLocks noGrp="1"/>
+          </p:cNvSpPr>
+          <p:nvPr>
+            <p:ph idx="1"/>
+          </p:nvPr>
+        </p:nvSpPr>
+        <p:spPr>
+          <a:xfrm>
+            <a:off x="838200" y="1929384"/>
+            <a:ext cx="10515600" cy="4928616"/>
+          </a:xfrm>
+        </p:spPr>
+        <p:txBody>
+          <a:bodyPr>
+            <a:noAutofit/>
+          </a:bodyPr>
+          <a:lstStyle/>
+          <a:p>
+            <a:pPr marL="514350" indent="-514350">
+              <a:buAutoNum type="arabicPeriod"/>
+            </a:pPr>
+            <a:r>
+              <a:rPr lang="en-US" sz="2200" dirty="0"/>
+              <a:t>Trained and fit the model with default hyperparameters</a:t>
+            </a:r>
+          </a:p>
+          <a:p>
+            <a:pPr lvl="1"/>
+            <a:r>
+              <a:rPr lang="en-US" sz="2200" dirty="0"/>
+              <a:t>Got RMSE of </a:t>
+            </a:r>
+            <a:r>
+              <a:rPr lang="en-US" sz="2200" b="0" i="0" dirty="0">
+                <a:effectLst/>
+              </a:rPr>
+              <a:t>50.3976</a:t>
+            </a:r>
+          </a:p>
+          <a:p>
+            <a:pPr marL="514350" indent="-514350">
+              <a:buFont typeface="+mj-lt"/>
+              <a:buAutoNum type="arabicPeriod"/>
+            </a:pPr>
+            <a:r>
+              <a:rPr lang="en-US" sz="2200" dirty="0"/>
+              <a:t>Performed random search and got the following best parameters:</a:t>
+            </a:r>
+          </a:p>
+          <a:p>
+            <a:pPr lvl="1"/>
+            <a:r>
+              <a:rPr lang="en-US" sz="1600" b="0" i="0" dirty="0">
+                <a:solidFill>
+                  <a:schemeClr val="accent2"/>
+                </a:solidFill>
+                <a:effectLst/>
+                <a:latin typeface="Consolas" panose="020B0609020204030204" pitchFamily="49" charset="0"/>
+              </a:rPr>
+              <a:t>{'</a:t>
+            </a:r>
+            <a:r>
+              <a:rPr lang="en-US" sz="1600" b="0" i="0" dirty="0" err="1">
+                <a:solidFill>
+                  <a:schemeClr val="accent2"/>
+                </a:solidFill>
+                <a:effectLst/>
+                <a:latin typeface="Consolas" panose="020B0609020204030204" pitchFamily="49" charset="0"/>
+              </a:rPr>
+              <a:t>n_estimators</a:t>
+            </a:r>
+            <a:r>
+              <a:rPr lang="en-US" sz="1600" b="0" i="0" dirty="0">
+                <a:solidFill>
+                  <a:schemeClr val="accent2"/>
+                </a:solidFill>
+                <a:effectLst/>
+                <a:latin typeface="Consolas" panose="020B0609020204030204" pitchFamily="49" charset="0"/>
+              </a:rPr>
+              <a:t>’: 100, '</a:t>
+            </a:r>
+            <a:r>
+              <a:rPr lang="en-US" sz="1600" b="0" i="0" dirty="0" err="1">
+                <a:solidFill>
+                  <a:schemeClr val="accent2"/>
+                </a:solidFill>
+                <a:effectLst/>
+                <a:latin typeface="Consolas" panose="020B0609020204030204" pitchFamily="49" charset="0"/>
+              </a:rPr>
+              <a:t>min_samples_split</a:t>
+            </a:r>
+            <a:r>
+              <a:rPr lang="en-US" sz="1600" b="0" i="0" dirty="0">
+                <a:solidFill>
+                  <a:schemeClr val="accent2"/>
+                </a:solidFill>
+                <a:effectLst/>
+                <a:latin typeface="Consolas" panose="020B0609020204030204" pitchFamily="49" charset="0"/>
+              </a:rPr>
+              <a:t>': 5, '</a:t>
+            </a:r>
+            <a:r>
+              <a:rPr lang="en-US" sz="1600" b="0" i="0" dirty="0" err="1">
+                <a:solidFill>
+                  <a:schemeClr val="accent2"/>
+                </a:solidFill>
+                <a:effectLst/>
+                <a:latin typeface="Consolas" panose="020B0609020204030204" pitchFamily="49" charset="0"/>
+              </a:rPr>
+              <a:t>min_samples_leaf</a:t>
+            </a:r>
+            <a:r>
+              <a:rPr lang="en-US" sz="1600" b="0" i="0" dirty="0">
+                <a:solidFill>
+                  <a:schemeClr val="accent2"/>
+                </a:solidFill>
+                <a:effectLst/>
+                <a:latin typeface="Consolas" panose="020B0609020204030204" pitchFamily="49" charset="0"/>
+              </a:rPr>
+              <a:t>': 2, '</a:t>
+            </a:r>
+            <a:r>
+              <a:rPr lang="en-US" sz="1600" b="0" i="0" dirty="0" err="1">
+                <a:solidFill>
+                  <a:schemeClr val="accent2"/>
+                </a:solidFill>
+                <a:effectLst/>
+                <a:latin typeface="Consolas" panose="020B0609020204030204" pitchFamily="49" charset="0"/>
+              </a:rPr>
+              <a:t>max_features</a:t>
+            </a:r>
+            <a:r>
+              <a:rPr lang="en-US" sz="1600" b="0" i="0" dirty="0">
+                <a:solidFill>
+                  <a:schemeClr val="accent2"/>
+                </a:solidFill>
+                <a:effectLst/>
+                <a:latin typeface="Consolas" panose="020B0609020204030204" pitchFamily="49" charset="0"/>
+              </a:rPr>
+              <a:t>': ‘sqrt', '</a:t>
+            </a:r>
+            <a:r>
+              <a:rPr lang="en-US" sz="1600" b="0" i="0" dirty="0" err="1">
+                <a:solidFill>
+                  <a:schemeClr val="accent2"/>
+                </a:solidFill>
+                <a:effectLst/>
+                <a:latin typeface="Consolas" panose="020B0609020204030204" pitchFamily="49" charset="0"/>
+              </a:rPr>
+              <a:t>max_depth</a:t>
+            </a:r>
+            <a:r>
+              <a:rPr lang="en-US" sz="1600" b="0" i="0" dirty="0">
+                <a:solidFill>
+                  <a:schemeClr val="accent2"/>
+                </a:solidFill>
+                <a:effectLst/>
+                <a:latin typeface="Consolas" panose="020B0609020204030204" pitchFamily="49" charset="0"/>
+              </a:rPr>
+              <a:t>’: 30, 'bootstrap’: False}</a:t>
+            </a:r>
+          </a:p>
+          <a:p>
+            <a:pPr marL="514350" indent="-514350">
+              <a:buFont typeface="+mj-lt"/>
+              <a:buAutoNum type="arabicPeriod"/>
+            </a:pPr>
+            <a:r>
+              <a:rPr lang="en-US" sz="2200" b="0" i="0" dirty="0">
+                <a:effectLst/>
+              </a:rPr>
+              <a:t>Used </a:t>
+            </a:r>
+            <a:r>
+              <a:rPr lang="en-US" sz="2200" b="0" i="1" dirty="0">
+                <a:effectLst/>
+              </a:rPr>
+              <a:t>random search </a:t>
+            </a:r>
+            <a:r>
+              <a:rPr lang="en-US" sz="2200" b="0" i="0" dirty="0">
+                <a:effectLst/>
+              </a:rPr>
+              <a:t>best parameters</a:t>
+            </a:r>
+          </a:p>
+          <a:p>
+            <a:pPr lvl="1"/>
+            <a:r>
+              <a:rPr lang="en-US" sz="2200" dirty="0"/>
+              <a:t>Got RMSE of 66</a:t>
+            </a:r>
+            <a:r>
+              <a:rPr lang="en-US" sz="2200" b="0" i="0" dirty="0">
+                <a:effectLst/>
+              </a:rPr>
+              <a:t>.0274</a:t>
+            </a:r>
+          </a:p>
+          <a:p>
+            <a:pPr marL="514350" indent="-514350">
+              <a:buFont typeface="+mj-lt"/>
+              <a:buAutoNum type="arabicPeriod"/>
+            </a:pPr>
+            <a:r>
+              <a:rPr lang="en-US" sz="2200" dirty="0"/>
+              <a:t>Performed grid search and got the following parameters</a:t>
+            </a:r>
+          </a:p>
+          <a:p>
+            <a:pPr lvl="1"/>
+            <a:r>
+              <a:rPr lang="en-US" sz="1600" b="0" i="0" dirty="0">
+                <a:solidFill>
+                  <a:schemeClr val="accent2"/>
+                </a:solidFill>
+                <a:effectLst/>
+                <a:latin typeface="Consolas" panose="020B0609020204030204" pitchFamily="49" charset="0"/>
+              </a:rPr>
+              <a:t>{'bootstrap’: False, '</a:t>
+            </a:r>
+            <a:r>
+              <a:rPr lang="en-US" sz="1600" b="0" i="0" dirty="0" err="1">
+                <a:solidFill>
+                  <a:schemeClr val="accent2"/>
+                </a:solidFill>
+                <a:effectLst/>
+                <a:latin typeface="Consolas" panose="020B0609020204030204" pitchFamily="49" charset="0"/>
+              </a:rPr>
+              <a:t>max_depth</a:t>
+            </a:r>
+            <a:r>
+              <a:rPr lang="en-US" sz="1600" b="0" i="0" dirty="0">
+                <a:solidFill>
+                  <a:schemeClr val="accent2"/>
+                </a:solidFill>
+                <a:effectLst/>
+                <a:latin typeface="Consolas" panose="020B0609020204030204" pitchFamily="49" charset="0"/>
+              </a:rPr>
+              <a:t>’: 30, '</a:t>
+            </a:r>
+            <a:r>
+              <a:rPr lang="en-US" sz="1600" b="0" i="0" dirty="0" err="1">
+                <a:solidFill>
+                  <a:schemeClr val="accent2"/>
+                </a:solidFill>
+                <a:effectLst/>
+                <a:latin typeface="Consolas" panose="020B0609020204030204" pitchFamily="49" charset="0"/>
+              </a:rPr>
+              <a:t>max_features</a:t>
+            </a:r>
+            <a:r>
+              <a:rPr lang="en-US" sz="1600" b="0" i="0" dirty="0">
+                <a:solidFill>
+                  <a:schemeClr val="accent2"/>
+                </a:solidFill>
+                <a:effectLst/>
+                <a:latin typeface="Consolas" panose="020B0609020204030204" pitchFamily="49" charset="0"/>
+              </a:rPr>
+              <a:t>': ‘sqrt', '</a:t>
+            </a:r>
+            <a:r>
+              <a:rPr lang="en-US" sz="1600" b="0" i="0" dirty="0" err="1">
+                <a:solidFill>
+                  <a:schemeClr val="accent2"/>
+                </a:solidFill>
+                <a:effectLst/>
+                <a:latin typeface="Consolas" panose="020B0609020204030204" pitchFamily="49" charset="0"/>
+              </a:rPr>
+              <a:t>min_samples_leaf</a:t>
+            </a:r>
+            <a:r>
+              <a:rPr lang="en-US" sz="1600" b="0" i="0" dirty="0">
+                <a:solidFill>
+                  <a:schemeClr val="accent2"/>
+                </a:solidFill>
+                <a:effectLst/>
+                <a:latin typeface="Consolas" panose="020B0609020204030204" pitchFamily="49" charset="0"/>
+              </a:rPr>
+              <a:t>’: 1, '</a:t>
+            </a:r>
+            <a:r>
+              <a:rPr lang="en-US" sz="1600" b="0" i="0" dirty="0" err="1">
+                <a:solidFill>
+                  <a:schemeClr val="accent2"/>
+                </a:solidFill>
+                <a:effectLst/>
+                <a:latin typeface="Consolas" panose="020B0609020204030204" pitchFamily="49" charset="0"/>
+              </a:rPr>
+              <a:t>min_samples_split</a:t>
+            </a:r>
+            <a:r>
+              <a:rPr lang="en-US" sz="1600" b="0" i="0" dirty="0">
+                <a:solidFill>
+                  <a:schemeClr val="accent2"/>
+                </a:solidFill>
+                <a:effectLst/>
+                <a:latin typeface="Consolas" panose="020B0609020204030204" pitchFamily="49" charset="0"/>
+              </a:rPr>
+              <a:t>’: 2, '</a:t>
+            </a:r>
+            <a:r>
+              <a:rPr lang="en-US" sz="1600" b="0" i="0" dirty="0" err="1">
+                <a:solidFill>
+                  <a:schemeClr val="accent2"/>
+                </a:solidFill>
+                <a:effectLst/>
+                <a:latin typeface="Consolas" panose="020B0609020204030204" pitchFamily="49" charset="0"/>
+              </a:rPr>
+              <a:t>n_estimators</a:t>
+            </a:r>
+            <a:r>
+              <a:rPr lang="en-US" sz="1600" b="0" i="0" dirty="0">
+                <a:solidFill>
+                  <a:schemeClr val="accent2"/>
+                </a:solidFill>
+                <a:effectLst/>
+                <a:latin typeface="Consolas" panose="020B0609020204030204" pitchFamily="49" charset="0"/>
+              </a:rPr>
+              <a:t>': 100}</a:t>
+            </a:r>
+          </a:p>
+          <a:p>
+            <a:pPr marL="514350" indent="-514350">
+              <a:buFont typeface="+mj-lt"/>
+              <a:buAutoNum type="arabicPeriod"/>
+            </a:pPr>
+            <a:r>
+              <a:rPr lang="en-US" sz="2200" dirty="0">
+                <a:solidFill>
+                  <a:srgbClr val="000000"/>
+                </a:solidFill>
+              </a:rPr>
+              <a:t>Used </a:t>
+            </a:r>
+            <a:r>
+              <a:rPr lang="en-US" sz="2200" i="1" dirty="0">
+                <a:solidFill>
+                  <a:srgbClr val="000000"/>
+                </a:solidFill>
+              </a:rPr>
+              <a:t>grid search </a:t>
+            </a:r>
+            <a:r>
+              <a:rPr lang="en-US" sz="2200" dirty="0">
+                <a:solidFill>
+                  <a:srgbClr val="000000"/>
+                </a:solidFill>
+              </a:rPr>
+              <a:t>best parameters</a:t>
+            </a:r>
+          </a:p>
+          <a:p>
+            <a:pPr lvl="1"/>
+            <a:r>
+              <a:rPr lang="en-US" sz="2200" b="0" i="0" dirty="0">
+                <a:solidFill>
+                  <a:srgbClr val="000000"/>
+                </a:solidFill>
+                <a:effectLst/>
+              </a:rPr>
+              <a:t>Got RMSE of 65.2006</a:t>
+            </a:r>
+            <a:endParaRPr lang="en-US" sz="2200" b="0" i="0" dirty="0">
+              <a:effectLst/>
+            </a:endParaRPr>
+          </a:p>
+        </p:txBody>
+      </p:sp>
+    </p:spTree>
+    <p:extLst>
+      <p:ext uri="{BB962C8B-B14F-4D97-AF65-F5344CB8AC3E}">
+        <p14:creationId xmlns:p14="http://schemas.microsoft.com/office/powerpoint/2010/main" val="2883117769"/>
+      </p:ext>
+    </p:extLst>
+  </p:cSld>
+  <p:clrMapOvr>
+    <a:masterClrMapping/>
+  </p:clrMapOvr>
+</p:sld>
+</file>
+
+<file path=ppt/slides/slide22.xml><?xml version="1.0" encoding="utf-8"?>
+<p:sld xmlns:a="http://schemas.openxmlformats.org/drawingml/2006/main" xmlns:r="http://schemas.openxmlformats.org/officeDocument/2006/relationships" xmlns:p="http://schemas.openxmlformats.org/presentationml/2006/main">
+  <p:cSld>
+    <p:bg>
+      <p:bgPr>
+        <a:solidFill>
+          <a:schemeClr val="bg1"/>
+        </a:solidFill>
+        <a:effectLst/>
+      </p:bgPr>
+    </p:bg>
+    <p:spTree>
+      <p:nvGrpSpPr>
+        <p:cNvPr id="1" name=""/>
+        <p:cNvGrpSpPr/>
+        <p:nvPr/>
+      </p:nvGrpSpPr>
+      <p:grpSpPr>
+        <a:xfrm>
+          <a:off x="0" y="0"/>
+          <a:ext cx="0" cy="0"/>
+          <a:chOff x="0" y="0"/>
+          <a:chExt cx="0" cy="0"/>
+        </a:xfrm>
+      </p:grpSpPr>
+      <p:sp>
+        <p:nvSpPr>
+          <p:cNvPr id="22" name="Down Arrow 7">
+            <a:extLst>
+              <a:ext uri="{FF2B5EF4-FFF2-40B4-BE49-F238E27FC236}">
+                <a16:creationId xmlns:a16="http://schemas.microsoft.com/office/drawing/2014/main" id="{D4771268-CB57-404A-9271-370EB28F6090}"/>
+              </a:ext>
+              <a:ext uri="{C183D7F6-B498-43B3-948B-1728B52AA6E4}">
+                <adec:decorative xmlns:adec="http://schemas.microsoft.com/office/drawing/2017/decorative" val="1"/>
+              </a:ext>
+            </a:extLst>
+          </p:cNvPr>
+          <p:cNvSpPr>
+            <a:spLocks noGrp="1" noRot="1" noChangeAspect="1" noMove="1" noResize="1" noEditPoints="1" noAdjustHandles="1" noChangeArrowheads="1" noChangeShapeType="1" noTextEdit="1"/>
+          </p:cNvSpPr>
+          <p:nvPr>
+            <p:extLst>
+              <p:ext uri="{386F3935-93C4-4BCD-93E2-E3B085C9AB24}">
+                <p16:designElem xmlns:p16="http://schemas.microsoft.com/office/powerpoint/2015/main" val="1"/>
+              </p:ext>
+            </p:extLst>
+          </p:nvPr>
+        </p:nvSpPr>
+        <p:spPr>
+          <a:xfrm rot="16200000">
+            <a:off x="800100" y="1491343"/>
+            <a:ext cx="3333749" cy="3499103"/>
+          </a:xfrm>
+          <a:prstGeom prst="downArrow">
+            <a:avLst>
+              <a:gd name="adj1" fmla="val 100000"/>
+              <a:gd name="adj2" fmla="val 15788"/>
+            </a:avLst>
+          </a:prstGeom>
+          <a:solidFill>
+            <a:srgbClr val="404040"/>
+          </a:solidFill>
+          <a:ln w="53975">
+            <a:noFill/>
+          </a:ln>
+        </p:spPr>
+        <p:style>
+          <a:lnRef idx="2">
+            <a:schemeClr val="accent1">
+              <a:shade val="50000"/>
+            </a:schemeClr>
+          </a:lnRef>
+          <a:fillRef idx="1">
+            <a:schemeClr val="accent1"/>
+          </a:fillRef>
+          <a:effectRef idx="0">
+            <a:schemeClr val="accent1"/>
+          </a:effectRef>
+          <a:fontRef idx="minor">
+            <a:schemeClr val="lt1"/>
+          </a:fontRef>
+        </p:style>
+        <p:txBody>
+          <a:bodyPr rtlCol="0" anchor="ctr"/>
+          <a:lstStyle/>
+          <a:p>
+            <a:pPr algn="ctr"/>
+            <a:endParaRPr lang="en-US"/>
+          </a:p>
+        </p:txBody>
+      </p:sp>
+      <p:sp>
+        <p:nvSpPr>
+          <p:cNvPr id="2" name="Title 1">
+            <a:extLst>
+              <a:ext uri="{FF2B5EF4-FFF2-40B4-BE49-F238E27FC236}">
+                <a16:creationId xmlns:a16="http://schemas.microsoft.com/office/drawing/2014/main" id="{0C9DE083-BFDD-6225-767A-237CAA3912AF}"/>
+              </a:ext>
+            </a:extLst>
+          </p:cNvPr>
+          <p:cNvSpPr>
+            <a:spLocks noGrp="1"/>
+          </p:cNvSpPr>
+          <p:nvPr>
+            <p:ph type="title"/>
+          </p:nvPr>
+        </p:nvSpPr>
+        <p:spPr>
+          <a:xfrm>
+            <a:off x="1028700" y="1967266"/>
+            <a:ext cx="2628900" cy="2547257"/>
+          </a:xfrm>
+          <a:noFill/>
+        </p:spPr>
+        <p:txBody>
+          <a:bodyPr vert="horz" lIns="91440" tIns="45720" rIns="91440" bIns="45720" rtlCol="0" anchor="ctr">
+            <a:normAutofit/>
+          </a:bodyPr>
+          <a:lstStyle/>
+          <a:p>
+            <a:pPr algn="ctr"/>
+            <a:r>
+              <a:rPr lang="en-US" sz="3600" kern="1200">
+                <a:solidFill>
+                  <a:srgbClr val="FFFFFF"/>
+                </a:solidFill>
+                <a:latin typeface="+mj-lt"/>
+                <a:ea typeface="+mj-ea"/>
+                <a:cs typeface="+mj-cs"/>
+              </a:rPr>
+              <a:t>RFR with Grid Search</a:t>
+            </a:r>
+          </a:p>
+        </p:txBody>
+      </p:sp>
+      <p:pic>
+        <p:nvPicPr>
+          <p:cNvPr id="10" name="Picture 9" descr="Chart, line chart, histogram&#10;&#10;Description automatically generated">
+            <a:extLst>
+              <a:ext uri="{FF2B5EF4-FFF2-40B4-BE49-F238E27FC236}">
+                <a16:creationId xmlns:a16="http://schemas.microsoft.com/office/drawing/2014/main" id="{35CDFA6D-4E7C-F9F3-E36E-07D6C0D7FC4E}"/>
+              </a:ext>
+            </a:extLst>
+          </p:cNvPr>
+          <p:cNvPicPr>
+            <a:picLocks noChangeAspect="1"/>
+          </p:cNvPicPr>
+          <p:nvPr/>
+        </p:nvPicPr>
+        <p:blipFill>
+          <a:blip r:embed="rId2">
+            <a:extLst>
+              <a:ext uri="{28A0092B-C50C-407E-A947-70E740481C1C}">
+                <a14:useLocalDpi xmlns:a14="http://schemas.microsoft.com/office/drawing/2010/main" val="0"/>
+              </a:ext>
+            </a:extLst>
+          </a:blip>
+          <a:stretch>
+            <a:fillRect/>
+          </a:stretch>
+        </p:blipFill>
+        <p:spPr>
+          <a:xfrm>
+            <a:off x="5340895" y="643466"/>
+            <a:ext cx="5653541" cy="5568739"/>
+          </a:xfrm>
+          <a:prstGeom prst="rect">
+            <a:avLst/>
+          </a:prstGeom>
+        </p:spPr>
+      </p:pic>
+    </p:spTree>
+    <p:extLst>
+      <p:ext uri="{BB962C8B-B14F-4D97-AF65-F5344CB8AC3E}">
+        <p14:creationId xmlns:p14="http://schemas.microsoft.com/office/powerpoint/2010/main" val="3019949918"/>
+      </p:ext>
+    </p:extLst>
+  </p:cSld>
+  <p:clrMapOvr>
+    <a:masterClrMapping/>
+  </p:clrMapOvr>
+</p:sld>
+</file>
+
+<file path=ppt/slides/slide23.xml><?xml version="1.0" encoding="utf-8"?>
+<p:sld xmlns:a="http://schemas.openxmlformats.org/drawingml/2006/main" xmlns:r="http://schemas.openxmlformats.org/officeDocument/2006/relationships" xmlns:p="http://schemas.openxmlformats.org/presentationml/2006/main">
+  <p:cSld>
+    <p:bg>
+      <p:bgPr>
+        <a:solidFill>
+          <a:schemeClr val="bg1"/>
+        </a:solidFill>
+        <a:effectLst/>
+      </p:bgPr>
+    </p:bg>
+    <p:spTree>
+      <p:nvGrpSpPr>
+        <p:cNvPr id="1" name=""/>
+        <p:cNvGrpSpPr/>
+        <p:nvPr/>
+      </p:nvGrpSpPr>
+      <p:grpSpPr>
+        <a:xfrm>
+          <a:off x="0" y="0"/>
+          <a:ext cx="0" cy="0"/>
+          <a:chOff x="0" y="0"/>
+          <a:chExt cx="0" cy="0"/>
+        </a:xfrm>
+      </p:grpSpPr>
+      <p:sp>
+        <p:nvSpPr>
+          <p:cNvPr id="22" name="Down Arrow 7">
+            <a:extLst>
+              <a:ext uri="{FF2B5EF4-FFF2-40B4-BE49-F238E27FC236}">
+                <a16:creationId xmlns:a16="http://schemas.microsoft.com/office/drawing/2014/main" id="{D4771268-CB57-404A-9271-370EB28F6090}"/>
+              </a:ext>
+              <a:ext uri="{C183D7F6-B498-43B3-948B-1728B52AA6E4}">
+                <adec:decorative xmlns:adec="http://schemas.microsoft.com/office/drawing/2017/decorative" val="1"/>
+              </a:ext>
+            </a:extLst>
+          </p:cNvPr>
+          <p:cNvSpPr>
+            <a:spLocks noGrp="1" noRot="1" noChangeAspect="1" noMove="1" noResize="1" noEditPoints="1" noAdjustHandles="1" noChangeArrowheads="1" noChangeShapeType="1" noTextEdit="1"/>
+          </p:cNvSpPr>
+          <p:nvPr>
+            <p:extLst>
+              <p:ext uri="{386F3935-93C4-4BCD-93E2-E3B085C9AB24}">
+                <p16:designElem xmlns:p16="http://schemas.microsoft.com/office/powerpoint/2015/main" val="1"/>
+              </p:ext>
+            </p:extLst>
+          </p:nvPr>
+        </p:nvSpPr>
+        <p:spPr>
+          <a:xfrm rot="16200000">
+            <a:off x="800100" y="1491343"/>
+            <a:ext cx="3333749" cy="3499103"/>
+          </a:xfrm>
+          <a:prstGeom prst="downArrow">
+            <a:avLst>
+              <a:gd name="adj1" fmla="val 100000"/>
+              <a:gd name="adj2" fmla="val 15788"/>
+            </a:avLst>
+          </a:prstGeom>
+          <a:solidFill>
+            <a:srgbClr val="404040"/>
+          </a:solidFill>
+          <a:ln w="53975">
+            <a:noFill/>
+          </a:ln>
+        </p:spPr>
+        <p:style>
+          <a:lnRef idx="2">
+            <a:schemeClr val="accent1">
+              <a:shade val="50000"/>
+            </a:schemeClr>
+          </a:lnRef>
+          <a:fillRef idx="1">
+            <a:schemeClr val="accent1"/>
+          </a:fillRef>
+          <a:effectRef idx="0">
+            <a:schemeClr val="accent1"/>
+          </a:effectRef>
+          <a:fontRef idx="minor">
+            <a:schemeClr val="lt1"/>
+          </a:fontRef>
+        </p:style>
+        <p:txBody>
+          <a:bodyPr rtlCol="0" anchor="ctr"/>
+          <a:lstStyle/>
+          <a:p>
+            <a:pPr algn="ctr"/>
+            <a:endParaRPr lang="en-US"/>
+          </a:p>
+        </p:txBody>
+      </p:sp>
+      <p:sp>
+        <p:nvSpPr>
+          <p:cNvPr id="2" name="Title 1">
+            <a:extLst>
+              <a:ext uri="{FF2B5EF4-FFF2-40B4-BE49-F238E27FC236}">
                 <a16:creationId xmlns:a16="http://schemas.microsoft.com/office/drawing/2014/main" id="{0C9DE083-BFDD-6225-767A-237CAA3912AF}"/>
               </a:ext>
             </a:extLst>
@@ -15897,7 +17939,7 @@
 </p:sld>
 </file>
 
-<file path=ppt/slides/slide21.xml><?xml version="1.0" encoding="utf-8"?>
+<file path=ppt/slides/slide24.xml><?xml version="1.0" encoding="utf-8"?>
 <p:sld xmlns:a="http://schemas.openxmlformats.org/drawingml/2006/main" xmlns:r="http://schemas.openxmlformats.org/officeDocument/2006/relationships" xmlns:p="http://schemas.openxmlformats.org/presentationml/2006/main">
   <p:cSld>
     <p:spTree>
@@ -16003,7 +18045,7 @@
 </p:sld>
 </file>
 
-<file path=ppt/slides/slide22.xml><?xml version="1.0" encoding="utf-8"?>
+<file path=ppt/slides/slide25.xml><?xml version="1.0" encoding="utf-8"?>
 <p:sld xmlns:a="http://schemas.openxmlformats.org/drawingml/2006/main" xmlns:r="http://schemas.openxmlformats.org/officeDocument/2006/relationships" xmlns:p="http://schemas.openxmlformats.org/presentationml/2006/main">
   <p:cSld>
     <p:spTree>
@@ -16318,7 +18360,7 @@
 </p:sld>
 </file>
 
-<file path=ppt/slides/slide23.xml><?xml version="1.0" encoding="utf-8"?>
+<file path=ppt/slides/slide26.xml><?xml version="1.0" encoding="utf-8"?>
 <p:sld xmlns:a="http://schemas.openxmlformats.org/drawingml/2006/main" xmlns:r="http://schemas.openxmlformats.org/officeDocument/2006/relationships" xmlns:p="http://schemas.openxmlformats.org/presentationml/2006/main">
   <p:cSld>
     <p:spTree>
@@ -16436,7 +18478,7 @@
 </p:sld>
 </file>
 
-<file path=ppt/slides/slide24.xml><?xml version="1.0" encoding="utf-8"?>
+<file path=ppt/slides/slide27.xml><?xml version="1.0" encoding="utf-8"?>
 <p:sld xmlns:a="http://schemas.openxmlformats.org/drawingml/2006/main" xmlns:r="http://schemas.openxmlformats.org/officeDocument/2006/relationships" xmlns:p="http://schemas.openxmlformats.org/presentationml/2006/main">
   <p:cSld>
     <p:spTree>
@@ -16748,7 +18790,7 @@
 </p:sld>
 </file>
 
-<file path=ppt/slides/slide25.xml><?xml version="1.0" encoding="utf-8"?>
+<file path=ppt/slides/slide28.xml><?xml version="1.0" encoding="utf-8"?>
 <p:sld xmlns:a="http://schemas.openxmlformats.org/drawingml/2006/main" xmlns:r="http://schemas.openxmlformats.org/officeDocument/2006/relationships" xmlns:p="http://schemas.openxmlformats.org/presentationml/2006/main">
   <p:cSld>
     <p:spTree>
@@ -17086,7 +19128,7 @@
 </p:sld>
 </file>
 
-<file path=ppt/slides/slide26.xml><?xml version="1.0" encoding="utf-8"?>
+<file path=ppt/slides/slide29.xml><?xml version="1.0" encoding="utf-8"?>
 <p:sld xmlns:a="http://schemas.openxmlformats.org/drawingml/2006/main" xmlns:r="http://schemas.openxmlformats.org/officeDocument/2006/relationships" xmlns:p="http://schemas.openxmlformats.org/presentationml/2006/main">
   <p:cSld>
     <p:spTree>
@@ -17195,175 +19237,6 @@
     <p:extLst>
       <p:ext uri="{BB962C8B-B14F-4D97-AF65-F5344CB8AC3E}">
         <p14:creationId xmlns:p14="http://schemas.microsoft.com/office/powerpoint/2010/main" val="2834327412"/>
-      </p:ext>
-    </p:extLst>
-  </p:cSld>
-  <p:clrMapOvr>
-    <a:masterClrMapping/>
-  </p:clrMapOvr>
-</p:sld>
-</file>
-
-<file path=ppt/slides/slide27.xml><?xml version="1.0" encoding="utf-8"?>
-<p:sld xmlns:a="http://schemas.openxmlformats.org/drawingml/2006/main" xmlns:r="http://schemas.openxmlformats.org/officeDocument/2006/relationships" xmlns:p="http://schemas.openxmlformats.org/presentationml/2006/main">
-  <p:cSld>
-    <p:spTree>
-      <p:nvGrpSpPr>
-        <p:cNvPr id="1" name=""/>
-        <p:cNvGrpSpPr/>
-        <p:nvPr/>
-      </p:nvGrpSpPr>
-      <p:grpSpPr>
-        <a:xfrm>
-          <a:off x="0" y="0"/>
-          <a:ext cx="0" cy="0"/>
-          <a:chOff x="0" y="0"/>
-          <a:chExt cx="0" cy="0"/>
-        </a:xfrm>
-      </p:grpSpPr>
-      <p:sp>
-        <p:nvSpPr>
-          <p:cNvPr id="2" name="عنوان 1">
-            <a:extLst>
-              <a:ext uri="{FF2B5EF4-FFF2-40B4-BE49-F238E27FC236}">
-                <a16:creationId xmlns:a16="http://schemas.microsoft.com/office/drawing/2014/main" id="{DD5D75CA-8492-7A4E-BE40-D9D38B123FC0}"/>
-              </a:ext>
-            </a:extLst>
-          </p:cNvPr>
-          <p:cNvSpPr>
-            <a:spLocks noGrp="1"/>
-          </p:cNvSpPr>
-          <p:nvPr>
-            <p:ph type="title"/>
-          </p:nvPr>
-        </p:nvSpPr>
-        <p:spPr/>
-        <p:txBody>
-          <a:bodyPr/>
-          <a:lstStyle/>
-          <a:p>
-            <a:r>
-              <a:rPr lang="en-US" dirty="0"/>
-              <a:t>Conclusion</a:t>
-            </a:r>
-          </a:p>
-        </p:txBody>
-      </p:sp>
-      <p:sp>
-        <p:nvSpPr>
-          <p:cNvPr id="3" name="عنصر نائب للمحتوى 2">
-            <a:extLst>
-              <a:ext uri="{FF2B5EF4-FFF2-40B4-BE49-F238E27FC236}">
-                <a16:creationId xmlns:a16="http://schemas.microsoft.com/office/drawing/2014/main" id="{74597133-1633-1DB6-FCDF-5AE12675DB7E}"/>
-              </a:ext>
-            </a:extLst>
-          </p:cNvPr>
-          <p:cNvSpPr>
-            <a:spLocks noGrp="1"/>
-          </p:cNvSpPr>
-          <p:nvPr>
-            <p:ph idx="1"/>
-          </p:nvPr>
-        </p:nvSpPr>
-        <p:spPr/>
-        <p:txBody>
-          <a:bodyPr>
-            <a:normAutofit/>
-          </a:bodyPr>
-          <a:lstStyle/>
-          <a:p>
-            <a:r>
-              <a:rPr lang="en-US" sz="2400" b="0" dirty="0">
-                <a:effectLst/>
-                <a:latin typeface="Consolas" panose="020B0609020204030204" pitchFamily="49" charset="0"/>
-              </a:rPr>
-              <a:t>regularization models all have the same accuracy</a:t>
-            </a:r>
-          </a:p>
-          <a:p>
-            <a:r>
-              <a:rPr lang="en-US" sz="2400" b="0" dirty="0">
-                <a:effectLst/>
-                <a:latin typeface="Consolas" panose="020B0609020204030204" pitchFamily="49" charset="0"/>
-              </a:rPr>
-              <a:t>Polynomial regression performed butter and its the one we choose to test</a:t>
-            </a:r>
-          </a:p>
-          <a:p>
-            <a:r>
-              <a:rPr lang="en-US" sz="2400" b="0" dirty="0">
-                <a:effectLst/>
-                <a:latin typeface="Consolas" panose="020B0609020204030204" pitchFamily="49" charset="0"/>
-              </a:rPr>
-              <a:t>it seems there is overfitting in Polynomial regression accuracy</a:t>
-            </a:r>
-          </a:p>
-          <a:p>
-            <a:r>
-              <a:rPr lang="en-US" sz="2400" b="0" dirty="0">
-                <a:effectLst/>
-                <a:latin typeface="Consolas" panose="020B0609020204030204" pitchFamily="49" charset="0"/>
-              </a:rPr>
-              <a:t>for more feature work we want to improve our accuracy:</a:t>
-            </a:r>
-          </a:p>
-          <a:p>
-            <a:pPr marL="0" indent="0">
-              <a:buNone/>
-            </a:pPr>
-            <a:r>
-              <a:rPr lang="en-US" sz="2400" b="0" dirty="0">
-                <a:effectLst/>
-                <a:latin typeface="Consolas" panose="020B0609020204030204" pitchFamily="49" charset="0"/>
-              </a:rPr>
-              <a:t>  - adding more data.</a:t>
-            </a:r>
-          </a:p>
-          <a:p>
-            <a:pPr marL="0" indent="0">
-              <a:buNone/>
-            </a:pPr>
-            <a:r>
-              <a:rPr lang="en-US" sz="2400" b="0" dirty="0">
-                <a:effectLst/>
-                <a:latin typeface="Consolas" panose="020B0609020204030204" pitchFamily="49" charset="0"/>
-              </a:rPr>
-              <a:t>  - feature engineering.</a:t>
-            </a:r>
-          </a:p>
-          <a:p>
-            <a:pPr marL="0" indent="0">
-              <a:buNone/>
-            </a:pPr>
-            <a:r>
-              <a:rPr lang="en-US" sz="2400" b="0" dirty="0">
-                <a:effectLst/>
-                <a:latin typeface="Consolas" panose="020B0609020204030204" pitchFamily="49" charset="0"/>
-              </a:rPr>
-              <a:t>  - try other models.</a:t>
-            </a:r>
-          </a:p>
-          <a:p>
-            <a:pPr marL="0" indent="0">
-              <a:buNone/>
-            </a:pPr>
-            <a:endParaRPr lang="en-US" b="0" dirty="0">
-              <a:solidFill>
-                <a:srgbClr val="ABB2BF"/>
-              </a:solidFill>
-              <a:effectLst/>
-              <a:latin typeface="Consolas" panose="020B0609020204030204" pitchFamily="49" charset="0"/>
-            </a:endParaRPr>
-          </a:p>
-          <a:p>
-            <a:endParaRPr lang="en-US" dirty="0"/>
-          </a:p>
-        </p:txBody>
-      </p:sp>
-    </p:spTree>
-    <p:extLst>
-      <p:ext uri="{BB962C8B-B14F-4D97-AF65-F5344CB8AC3E}">
-        <p14:creationId xmlns:p14="http://schemas.microsoft.com/office/powerpoint/2010/main" val="3200206802"/>
       </p:ext>
     </p:extLst>
   </p:cSld>
@@ -17513,6 +19386,175 @@
     <p:extLst>
       <p:ext uri="{BB962C8B-B14F-4D97-AF65-F5344CB8AC3E}">
         <p14:creationId xmlns:p14="http://schemas.microsoft.com/office/powerpoint/2010/main" val="3288743354"/>
+      </p:ext>
+    </p:extLst>
+  </p:cSld>
+  <p:clrMapOvr>
+    <a:masterClrMapping/>
+  </p:clrMapOvr>
+</p:sld>
+</file>
+
+<file path=ppt/slides/slide30.xml><?xml version="1.0" encoding="utf-8"?>
+<p:sld xmlns:a="http://schemas.openxmlformats.org/drawingml/2006/main" xmlns:r="http://schemas.openxmlformats.org/officeDocument/2006/relationships" xmlns:p="http://schemas.openxmlformats.org/presentationml/2006/main">
+  <p:cSld>
+    <p:spTree>
+      <p:nvGrpSpPr>
+        <p:cNvPr id="1" name=""/>
+        <p:cNvGrpSpPr/>
+        <p:nvPr/>
+      </p:nvGrpSpPr>
+      <p:grpSpPr>
+        <a:xfrm>
+          <a:off x="0" y="0"/>
+          <a:ext cx="0" cy="0"/>
+          <a:chOff x="0" y="0"/>
+          <a:chExt cx="0" cy="0"/>
+        </a:xfrm>
+      </p:grpSpPr>
+      <p:sp>
+        <p:nvSpPr>
+          <p:cNvPr id="2" name="عنوان 1">
+            <a:extLst>
+              <a:ext uri="{FF2B5EF4-FFF2-40B4-BE49-F238E27FC236}">
+                <a16:creationId xmlns:a16="http://schemas.microsoft.com/office/drawing/2014/main" id="{DD5D75CA-8492-7A4E-BE40-D9D38B123FC0}"/>
+              </a:ext>
+            </a:extLst>
+          </p:cNvPr>
+          <p:cNvSpPr>
+            <a:spLocks noGrp="1"/>
+          </p:cNvSpPr>
+          <p:nvPr>
+            <p:ph type="title"/>
+          </p:nvPr>
+        </p:nvSpPr>
+        <p:spPr/>
+        <p:txBody>
+          <a:bodyPr/>
+          <a:lstStyle/>
+          <a:p>
+            <a:r>
+              <a:rPr lang="en-US" dirty="0"/>
+              <a:t>Conclusion</a:t>
+            </a:r>
+          </a:p>
+        </p:txBody>
+      </p:sp>
+      <p:sp>
+        <p:nvSpPr>
+          <p:cNvPr id="3" name="عنصر نائب للمحتوى 2">
+            <a:extLst>
+              <a:ext uri="{FF2B5EF4-FFF2-40B4-BE49-F238E27FC236}">
+                <a16:creationId xmlns:a16="http://schemas.microsoft.com/office/drawing/2014/main" id="{74597133-1633-1DB6-FCDF-5AE12675DB7E}"/>
+              </a:ext>
+            </a:extLst>
+          </p:cNvPr>
+          <p:cNvSpPr>
+            <a:spLocks noGrp="1"/>
+          </p:cNvSpPr>
+          <p:nvPr>
+            <p:ph idx="1"/>
+          </p:nvPr>
+        </p:nvSpPr>
+        <p:spPr/>
+        <p:txBody>
+          <a:bodyPr>
+            <a:normAutofit/>
+          </a:bodyPr>
+          <a:lstStyle/>
+          <a:p>
+            <a:r>
+              <a:rPr lang="en-US" sz="2400" b="0" dirty="0">
+                <a:effectLst/>
+                <a:latin typeface="Consolas" panose="020B0609020204030204" pitchFamily="49" charset="0"/>
+              </a:rPr>
+              <a:t>regularization models all have the same accuracy</a:t>
+            </a:r>
+          </a:p>
+          <a:p>
+            <a:r>
+              <a:rPr lang="en-US" sz="2400" b="0" dirty="0">
+                <a:effectLst/>
+                <a:latin typeface="Consolas" panose="020B0609020204030204" pitchFamily="49" charset="0"/>
+              </a:rPr>
+              <a:t>Polynomial regression performed butter and its the one we choose to test</a:t>
+            </a:r>
+          </a:p>
+          <a:p>
+            <a:r>
+              <a:rPr lang="en-US" sz="2400" b="0" dirty="0">
+                <a:effectLst/>
+                <a:latin typeface="Consolas" panose="020B0609020204030204" pitchFamily="49" charset="0"/>
+              </a:rPr>
+              <a:t>it seems there is overfitting in Polynomial regression accuracy</a:t>
+            </a:r>
+          </a:p>
+          <a:p>
+            <a:r>
+              <a:rPr lang="en-US" sz="2400" b="0" dirty="0">
+                <a:effectLst/>
+                <a:latin typeface="Consolas" panose="020B0609020204030204" pitchFamily="49" charset="0"/>
+              </a:rPr>
+              <a:t>for more feature work we want to improve our accuracy:</a:t>
+            </a:r>
+          </a:p>
+          <a:p>
+            <a:pPr marL="0" indent="0">
+              <a:buNone/>
+            </a:pPr>
+            <a:r>
+              <a:rPr lang="en-US" sz="2400" b="0" dirty="0">
+                <a:effectLst/>
+                <a:latin typeface="Consolas" panose="020B0609020204030204" pitchFamily="49" charset="0"/>
+              </a:rPr>
+              <a:t>  - adding more data.</a:t>
+            </a:r>
+          </a:p>
+          <a:p>
+            <a:pPr marL="0" indent="0">
+              <a:buNone/>
+            </a:pPr>
+            <a:r>
+              <a:rPr lang="en-US" sz="2400" b="0" dirty="0">
+                <a:effectLst/>
+                <a:latin typeface="Consolas" panose="020B0609020204030204" pitchFamily="49" charset="0"/>
+              </a:rPr>
+              <a:t>  - feature engineering.</a:t>
+            </a:r>
+          </a:p>
+          <a:p>
+            <a:pPr marL="0" indent="0">
+              <a:buNone/>
+            </a:pPr>
+            <a:r>
+              <a:rPr lang="en-US" sz="2400" b="0" dirty="0">
+                <a:effectLst/>
+                <a:latin typeface="Consolas" panose="020B0609020204030204" pitchFamily="49" charset="0"/>
+              </a:rPr>
+              <a:t>  - try other models.</a:t>
+            </a:r>
+          </a:p>
+          <a:p>
+            <a:pPr marL="0" indent="0">
+              <a:buNone/>
+            </a:pPr>
+            <a:endParaRPr lang="en-US" b="0" dirty="0">
+              <a:solidFill>
+                <a:srgbClr val="ABB2BF"/>
+              </a:solidFill>
+              <a:effectLst/>
+              <a:latin typeface="Consolas" panose="020B0609020204030204" pitchFamily="49" charset="0"/>
+            </a:endParaRPr>
+          </a:p>
+          <a:p>
+            <a:endParaRPr lang="en-US" dirty="0"/>
+          </a:p>
+        </p:txBody>
+      </p:sp>
+    </p:spTree>
+    <p:extLst>
+      <p:ext uri="{BB962C8B-B14F-4D97-AF65-F5344CB8AC3E}">
+        <p14:creationId xmlns:p14="http://schemas.microsoft.com/office/powerpoint/2010/main" val="3200206802"/>
       </p:ext>
     </p:extLst>
   </p:cSld>

--- a/California Housing Prices.pptx
+++ b/California Housing Prices.pptx
@@ -2033,10 +2033,10 @@
   </dgm:ptLst>
   <dgm:cxnLst>
     <dgm:cxn modelId="{9F426538-D00C-42DE-8022-6A1B63C5612C}" type="presOf" srcId="{5434FA0E-32EA-4504-BED2-36A565F33C61}" destId="{6BFCA3E7-1584-4EEE-9A6F-93DA91FC27ED}" srcOrd="0" destOrd="0" presId="urn:microsoft.com/office/officeart/2008/layout/IncreasingCircleProcess"/>
-    <dgm:cxn modelId="{0D3EFF42-C45E-4667-B026-D06825AAE4AC}" type="presOf" srcId="{77C52B94-85AB-4B71-9281-1E5D127DB592}" destId="{24D34025-503E-4F67-A3C7-6CD7AC820585}" srcOrd="0" destOrd="0" presId="urn:microsoft.com/office/officeart/2008/layout/IncreasingCircleProcess"/>
     <dgm:cxn modelId="{11F3B65C-C110-4B26-B0AA-70217803E151}" type="presOf" srcId="{196C2F0C-48ED-4CD8-AE37-0C2BDAF5A175}" destId="{C1F58402-0C5F-4D3A-A779-395C6FCB4A28}" srcOrd="0" destOrd="0" presId="urn:microsoft.com/office/officeart/2008/layout/IncreasingCircleProcess"/>
     <dgm:cxn modelId="{8EE2AB5F-D017-4044-9134-D17C2ED6BB3E}" srcId="{003700CD-847A-431A-A53A-FF13AD133BA6}" destId="{EF620143-7BF3-4ABD-8073-04785AE0622E}" srcOrd="0" destOrd="0" parTransId="{4A382EF8-6100-4543-B2F4-7DE7EE06981A}" sibTransId="{C457C228-8973-4595-9190-AAFA5BB02BE2}"/>
     <dgm:cxn modelId="{EC9E9161-EA26-46B9-9A4F-003B412AF5C0}" type="presOf" srcId="{EF620143-7BF3-4ABD-8073-04785AE0622E}" destId="{924FA416-BBA6-408A-AE3B-532B79F2DDD5}" srcOrd="0" destOrd="0" presId="urn:microsoft.com/office/officeart/2008/layout/IncreasingCircleProcess"/>
+    <dgm:cxn modelId="{0D3EFF42-C45E-4667-B026-D06825AAE4AC}" type="presOf" srcId="{77C52B94-85AB-4B71-9281-1E5D127DB592}" destId="{24D34025-503E-4F67-A3C7-6CD7AC820585}" srcOrd="0" destOrd="0" presId="urn:microsoft.com/office/officeart/2008/layout/IncreasingCircleProcess"/>
     <dgm:cxn modelId="{A3BA067B-6165-4C6D-92B9-CE752D7B2BC3}" type="presOf" srcId="{75B43C5D-04BB-419B-8A37-52FCC7973686}" destId="{9EB63B9D-DCE3-44B0-9B89-F2307C274220}" srcOrd="0" destOrd="0" presId="urn:microsoft.com/office/officeart/2008/layout/IncreasingCircleProcess"/>
     <dgm:cxn modelId="{FB9E8885-6EA2-4045-9F3B-F2A4938125C6}" srcId="{5434FA0E-32EA-4504-BED2-36A565F33C61}" destId="{196C2F0C-48ED-4CD8-AE37-0C2BDAF5A175}" srcOrd="0" destOrd="0" parTransId="{E45135B7-CC98-4043-B344-DB4B7D6C2FDB}" sibTransId="{F87758CC-9DB8-4D96-BAD6-61653E1BC79C}"/>
     <dgm:cxn modelId="{3E00EB8A-64C7-4D9E-AC2C-821399170952}" type="presOf" srcId="{003700CD-847A-431A-A53A-FF13AD133BA6}" destId="{56E75360-A0F7-43D4-9611-1EF75A2A47BC}" srcOrd="0" destOrd="0" presId="urn:microsoft.com/office/officeart/2008/layout/IncreasingCircleProcess"/>
@@ -5994,7 +5994,7 @@
           <a:p>
             <a:fld id="{A9290C59-5DE1-4EB1-B975-5871D58E6995}" type="datetimeFigureOut">
               <a:rPr lang="en-US" smtClean="0"/>
-              <a:t>11/30/22</a:t>
+              <a:t>11/30/2022</a:t>
             </a:fld>
             <a:endParaRPr lang="en-US"/>
           </a:p>
@@ -6192,7 +6192,7 @@
           <a:p>
             <a:fld id="{A9290C59-5DE1-4EB1-B975-5871D58E6995}" type="datetimeFigureOut">
               <a:rPr lang="en-US" smtClean="0"/>
-              <a:t>11/30/22</a:t>
+              <a:t>11/30/2022</a:t>
             </a:fld>
             <a:endParaRPr lang="en-US"/>
           </a:p>
@@ -6400,7 +6400,7 @@
           <a:p>
             <a:fld id="{A9290C59-5DE1-4EB1-B975-5871D58E6995}" type="datetimeFigureOut">
               <a:rPr lang="en-US" smtClean="0"/>
-              <a:t>11/30/22</a:t>
+              <a:t>11/30/2022</a:t>
             </a:fld>
             <a:endParaRPr lang="en-US"/>
           </a:p>
@@ -6598,7 +6598,7 @@
           <a:p>
             <a:fld id="{A9290C59-5DE1-4EB1-B975-5871D58E6995}" type="datetimeFigureOut">
               <a:rPr lang="en-US" smtClean="0"/>
-              <a:t>11/30/22</a:t>
+              <a:t>11/30/2022</a:t>
             </a:fld>
             <a:endParaRPr lang="en-US"/>
           </a:p>
@@ -6873,7 +6873,7 @@
           <a:p>
             <a:fld id="{A9290C59-5DE1-4EB1-B975-5871D58E6995}" type="datetimeFigureOut">
               <a:rPr lang="en-US" smtClean="0"/>
-              <a:t>11/30/22</a:t>
+              <a:t>11/30/2022</a:t>
             </a:fld>
             <a:endParaRPr lang="en-US"/>
           </a:p>
@@ -7138,7 +7138,7 @@
           <a:p>
             <a:fld id="{A9290C59-5DE1-4EB1-B975-5871D58E6995}" type="datetimeFigureOut">
               <a:rPr lang="en-US" smtClean="0"/>
-              <a:t>11/30/22</a:t>
+              <a:t>11/30/2022</a:t>
             </a:fld>
             <a:endParaRPr lang="en-US"/>
           </a:p>
@@ -7550,7 +7550,7 @@
           <a:p>
             <a:fld id="{A9290C59-5DE1-4EB1-B975-5871D58E6995}" type="datetimeFigureOut">
               <a:rPr lang="en-US" smtClean="0"/>
-              <a:t>11/30/22</a:t>
+              <a:t>11/30/2022</a:t>
             </a:fld>
             <a:endParaRPr lang="en-US"/>
           </a:p>
@@ -7691,7 +7691,7 @@
           <a:p>
             <a:fld id="{A9290C59-5DE1-4EB1-B975-5871D58E6995}" type="datetimeFigureOut">
               <a:rPr lang="en-US" smtClean="0"/>
-              <a:t>11/30/22</a:t>
+              <a:t>11/30/2022</a:t>
             </a:fld>
             <a:endParaRPr lang="en-US"/>
           </a:p>
@@ -7804,7 +7804,7 @@
           <a:p>
             <a:fld id="{A9290C59-5DE1-4EB1-B975-5871D58E6995}" type="datetimeFigureOut">
               <a:rPr lang="en-US" smtClean="0"/>
-              <a:t>11/30/22</a:t>
+              <a:t>11/30/2022</a:t>
             </a:fld>
             <a:endParaRPr lang="en-US"/>
           </a:p>
@@ -8115,7 +8115,7 @@
           <a:p>
             <a:fld id="{A9290C59-5DE1-4EB1-B975-5871D58E6995}" type="datetimeFigureOut">
               <a:rPr lang="en-US" smtClean="0"/>
-              <a:t>11/30/22</a:t>
+              <a:t>11/30/2022</a:t>
             </a:fld>
             <a:endParaRPr lang="en-US"/>
           </a:p>
@@ -8403,7 +8403,7 @@
           <a:p>
             <a:fld id="{A9290C59-5DE1-4EB1-B975-5871D58E6995}" type="datetimeFigureOut">
               <a:rPr lang="en-US" smtClean="0"/>
-              <a:t>11/30/22</a:t>
+              <a:t>11/30/2022</a:t>
             </a:fld>
             <a:endParaRPr lang="en-US"/>
           </a:p>
@@ -8644,7 +8644,7 @@
           <a:p>
             <a:fld id="{A9290C59-5DE1-4EB1-B975-5871D58E6995}" type="datetimeFigureOut">
               <a:rPr lang="en-US" smtClean="0"/>
-              <a:t>11/30/22</a:t>
+              <a:t>11/30/2022</a:t>
             </a:fld>
             <a:endParaRPr lang="en-US"/>
           </a:p>
@@ -18407,10 +18407,10 @@
       </p:sp>
       <p:pic>
         <p:nvPicPr>
-          <p:cNvPr id="7" name="صورة 6">
+          <p:cNvPr id="4" name="صورة 3">
             <a:extLst>
               <a:ext uri="{FF2B5EF4-FFF2-40B4-BE49-F238E27FC236}">
-                <a16:creationId xmlns:a16="http://schemas.microsoft.com/office/drawing/2014/main" id="{0B70CDCD-11BC-30E6-7362-0C4425C7ED3D}"/>
+                <a16:creationId xmlns:a16="http://schemas.microsoft.com/office/drawing/2014/main" id="{F67DE252-9BA5-81FD-9F1A-2908CE5A4C4E}"/>
               </a:ext>
             </a:extLst>
           </p:cNvPr>
@@ -18427,8 +18427,8 @@
         </p:blipFill>
         <p:spPr>
           <a:xfrm>
-            <a:off x="942567" y="2653664"/>
-            <a:ext cx="4635273" cy="3262293"/>
+            <a:off x="1076406" y="2461485"/>
+            <a:ext cx="4945703" cy="3480773"/>
           </a:xfrm>
           <a:prstGeom prst="rect">
             <a:avLst/>
@@ -18437,10 +18437,10 @@
       </p:pic>
       <p:pic>
         <p:nvPicPr>
-          <p:cNvPr id="9" name="صورة 8">
+          <p:cNvPr id="6" name="صورة 5">
             <a:extLst>
               <a:ext uri="{FF2B5EF4-FFF2-40B4-BE49-F238E27FC236}">
-                <a16:creationId xmlns:a16="http://schemas.microsoft.com/office/drawing/2014/main" id="{6B52286A-4958-F731-1B3F-9311635CFBE5}"/>
+                <a16:creationId xmlns:a16="http://schemas.microsoft.com/office/drawing/2014/main" id="{39974F09-8442-E991-08F0-398BC02727C0}"/>
               </a:ext>
             </a:extLst>
           </p:cNvPr>
@@ -18457,8 +18457,8 @@
         </p:blipFill>
         <p:spPr>
           <a:xfrm>
-            <a:off x="6096000" y="2653664"/>
-            <a:ext cx="4563429" cy="3211730"/>
+            <a:off x="6282670" y="2461485"/>
+            <a:ext cx="4832924" cy="3401400"/>
           </a:xfrm>
           <a:prstGeom prst="rect">
             <a:avLst/>
@@ -19175,10 +19175,10 @@
       </p:sp>
       <p:pic>
         <p:nvPicPr>
-          <p:cNvPr id="7" name="صورة 6">
+          <p:cNvPr id="4" name="صورة 3">
             <a:extLst>
               <a:ext uri="{FF2B5EF4-FFF2-40B4-BE49-F238E27FC236}">
-                <a16:creationId xmlns:a16="http://schemas.microsoft.com/office/drawing/2014/main" id="{66875EFE-F8AD-A40D-6169-F737DB9F2372}"/>
+                <a16:creationId xmlns:a16="http://schemas.microsoft.com/office/drawing/2014/main" id="{C3802950-AD89-287A-325B-DC49F8EDAEA2}"/>
               </a:ext>
             </a:extLst>
           </p:cNvPr>
@@ -19195,8 +19195,8 @@
         </p:blipFill>
         <p:spPr>
           <a:xfrm>
-            <a:off x="838200" y="2565174"/>
-            <a:ext cx="4857206" cy="3471217"/>
+            <a:off x="382587" y="2105024"/>
+            <a:ext cx="5316249" cy="3799273"/>
           </a:xfrm>
           <a:prstGeom prst="rect">
             <a:avLst/>
@@ -19205,10 +19205,10 @@
       </p:pic>
       <p:pic>
         <p:nvPicPr>
-          <p:cNvPr id="9" name="صورة 8">
+          <p:cNvPr id="6" name="صورة 5">
             <a:extLst>
               <a:ext uri="{FF2B5EF4-FFF2-40B4-BE49-F238E27FC236}">
-                <a16:creationId xmlns:a16="http://schemas.microsoft.com/office/drawing/2014/main" id="{3D8840B2-A412-75F2-32BB-9DB74D791ACF}"/>
+                <a16:creationId xmlns:a16="http://schemas.microsoft.com/office/drawing/2014/main" id="{6CC5F1D5-B2AE-017D-7610-418536FDDD05}"/>
               </a:ext>
             </a:extLst>
           </p:cNvPr>
@@ -19225,8 +19225,8 @@
         </p:blipFill>
         <p:spPr>
           <a:xfrm>
-            <a:off x="6096000" y="2565174"/>
-            <a:ext cx="4802641" cy="3432222"/>
+            <a:off x="6037551" y="2105023"/>
+            <a:ext cx="5316249" cy="3799273"/>
           </a:xfrm>
           <a:prstGeom prst="rect">
             <a:avLst/>

--- a/California Housing Prices.pptx
+++ b/California Housing Prices.pptx
@@ -17981,6 +17981,14 @@
               <a:rPr lang="en-US" dirty="0"/>
               <a:t>Conclusion</a:t>
             </a:r>
+            <a:r>
+              <a:rPr lang="ar-SA" dirty="0"/>
+              <a:t> </a:t>
+            </a:r>
+            <a:r>
+              <a:rPr lang="en-US" dirty="0"/>
+              <a:t> after training XGBR and RFR</a:t>
+            </a:r>
           </a:p>
         </p:txBody>
       </p:sp>
@@ -19466,7 +19474,6 @@
             <a:r>
               <a:rPr lang="en-US" sz="2400" b="0" dirty="0">
                 <a:effectLst/>
-                <a:latin typeface="Consolas" panose="020B0609020204030204" pitchFamily="49" charset="0"/>
               </a:rPr>
               <a:t>regularization models all have the same accuracy</a:t>
             </a:r>
@@ -19475,7 +19482,6 @@
             <a:r>
               <a:rPr lang="en-US" sz="2400" b="0" dirty="0">
                 <a:effectLst/>
-                <a:latin typeface="Consolas" panose="020B0609020204030204" pitchFamily="49" charset="0"/>
               </a:rPr>
               <a:t>Polynomial regression performed butter and its the one we choose to test</a:t>
             </a:r>
@@ -19484,7 +19490,6 @@
             <a:r>
               <a:rPr lang="en-US" sz="2400" b="0" dirty="0">
                 <a:effectLst/>
-                <a:latin typeface="Consolas" panose="020B0609020204030204" pitchFamily="49" charset="0"/>
               </a:rPr>
               <a:t>it seems there is overfitting in Polynomial regression accuracy</a:t>
             </a:r>
@@ -19493,45 +19498,35 @@
             <a:r>
               <a:rPr lang="en-US" sz="2400" b="0" dirty="0">
                 <a:effectLst/>
-                <a:latin typeface="Consolas" panose="020B0609020204030204" pitchFamily="49" charset="0"/>
               </a:rPr>
               <a:t>for more feature work we want to improve our accuracy:</a:t>
             </a:r>
           </a:p>
           <a:p>
-            <a:pPr marL="0" indent="0">
-              <a:buNone/>
-            </a:pPr>
-            <a:r>
-              <a:rPr lang="en-US" sz="2400" b="0" dirty="0">
+            <a:pPr lvl="1"/>
+            <a:r>
+              <a:rPr lang="en-US" sz="2000" b="0" dirty="0">
                 <a:effectLst/>
-                <a:latin typeface="Consolas" panose="020B0609020204030204" pitchFamily="49" charset="0"/>
               </a:rPr>
-              <a:t>  - adding more data.</a:t>
-            </a:r>
-          </a:p>
-          <a:p>
-            <a:pPr marL="0" indent="0">
-              <a:buNone/>
-            </a:pPr>
-            <a:r>
-              <a:rPr lang="en-US" sz="2400" b="0" dirty="0">
+              <a:t>adding more data.</a:t>
+            </a:r>
+          </a:p>
+          <a:p>
+            <a:pPr lvl="1"/>
+            <a:r>
+              <a:rPr lang="en-US" sz="2000" b="0" dirty="0">
                 <a:effectLst/>
-                <a:latin typeface="Consolas" panose="020B0609020204030204" pitchFamily="49" charset="0"/>
               </a:rPr>
-              <a:t>  - feature engineering.</a:t>
-            </a:r>
-          </a:p>
-          <a:p>
-            <a:pPr marL="0" indent="0">
-              <a:buNone/>
-            </a:pPr>
-            <a:r>
-              <a:rPr lang="en-US" sz="2400" b="0" dirty="0">
+              <a:t>feature engineering.</a:t>
+            </a:r>
+          </a:p>
+          <a:p>
+            <a:pPr lvl="1"/>
+            <a:r>
+              <a:rPr lang="en-US" sz="2000" b="0" dirty="0">
                 <a:effectLst/>
-                <a:latin typeface="Consolas" panose="020B0609020204030204" pitchFamily="49" charset="0"/>
               </a:rPr>
-              <a:t>  - try other models.</a:t>
+              <a:t>try other models.</a:t>
             </a:r>
           </a:p>
           <a:p>
@@ -20466,7 +20461,7 @@
             </a:pPr>
             <a:r>
               <a:rPr lang="en-US" sz="2200" dirty="0"/>
-              <a:t>Median house value and ocean proximity inland are highly negative corelated.</a:t>
+              <a:t>Median house value and ocean proximity inland are negatively correlated.</a:t>
             </a:r>
           </a:p>
         </p:txBody>
